--- a/docs & design/ideas/controller_ideas.pptx
+++ b/docs & design/ideas/controller_ideas.pptx
@@ -6,12 +6,16 @@
   </p:sldMasterIdLst>
   <p:sldIdLst>
     <p:sldId id="256" r:id="rId2"/>
-    <p:sldId id="257" r:id="rId3"/>
-    <p:sldId id="258" r:id="rId4"/>
-    <p:sldId id="259" r:id="rId5"/>
-    <p:sldId id="260" r:id="rId6"/>
-    <p:sldId id="261" r:id="rId7"/>
-    <p:sldId id="262" r:id="rId8"/>
+    <p:sldId id="263" r:id="rId3"/>
+    <p:sldId id="265" r:id="rId4"/>
+    <p:sldId id="266" r:id="rId5"/>
+    <p:sldId id="257" r:id="rId6"/>
+    <p:sldId id="264" r:id="rId7"/>
+    <p:sldId id="258" r:id="rId8"/>
+    <p:sldId id="259" r:id="rId9"/>
+    <p:sldId id="261" r:id="rId10"/>
+    <p:sldId id="260" r:id="rId11"/>
+    <p:sldId id="262" r:id="rId12"/>
   </p:sldIdLst>
   <p:sldSz cx="9144000" cy="5715000" type="screen16x10"/>
   <p:notesSz cx="6858000" cy="9144000"/>
@@ -3342,7 +3346,7 @@
         </p:nvSpPr>
         <p:spPr>
           <a:xfrm rot="900000">
-            <a:off x="6283707" y="1197059"/>
+            <a:off x="6292302" y="1198611"/>
             <a:ext cx="1965492" cy="831271"/>
           </a:xfrm>
           <a:prstGeom prst="rect">
@@ -3351,6 +3355,7 @@
           <a:solidFill>
             <a:schemeClr val="bg1">
               <a:lumMod val="85000"/>
+              <a:alpha val="61000"/>
             </a:schemeClr>
           </a:solidFill>
           <a:ln>
@@ -3452,6 +3457,70 @@
                 <a:cs typeface="Silom" charset="-34"/>
               </a:rPr>
               <a:t>  About</a:t>
+            </a:r>
+            <a:endParaRPr lang="en-US" sz="3600" dirty="0">
+              <a:solidFill>
+                <a:srgbClr val="334864"/>
+              </a:solidFill>
+              <a:latin typeface="Silom" charset="-34"/>
+              <a:ea typeface="Silom" charset="-34"/>
+              <a:cs typeface="Silom" charset="-34"/>
+            </a:endParaRPr>
+          </a:p>
+        </p:txBody>
+      </p:sp>
+      <p:sp>
+        <p:nvSpPr>
+          <p:cNvPr id="60" name="Rectangle 59"/>
+          <p:cNvSpPr/>
+          <p:nvPr/>
+        </p:nvSpPr>
+        <p:spPr>
+          <a:xfrm rot="2450404">
+            <a:off x="5730853" y="1751074"/>
+            <a:ext cx="2134800" cy="831271"/>
+          </a:xfrm>
+          <a:prstGeom prst="rect">
+            <a:avLst/>
+          </a:prstGeom>
+          <a:solidFill>
+            <a:schemeClr val="bg1"/>
+          </a:solidFill>
+          <a:ln>
+            <a:noFill/>
+          </a:ln>
+        </p:spPr>
+        <p:style>
+          <a:lnRef idx="2">
+            <a:schemeClr val="accent1">
+              <a:shade val="50000"/>
+            </a:schemeClr>
+          </a:lnRef>
+          <a:fillRef idx="1">
+            <a:schemeClr val="accent1"/>
+          </a:fillRef>
+          <a:effectRef idx="0">
+            <a:schemeClr val="accent1"/>
+          </a:effectRef>
+          <a:fontRef idx="minor">
+            <a:schemeClr val="lt1"/>
+          </a:fontRef>
+        </p:style>
+        <p:txBody>
+          <a:bodyPr rtlCol="0" anchor="ctr"/>
+          <a:lstStyle/>
+          <a:p>
+            <a:pPr algn="r"/>
+            <a:r>
+              <a:rPr lang="en-US" sz="3600" smtClean="0">
+                <a:solidFill>
+                  <a:srgbClr val="334864"/>
+                </a:solidFill>
+                <a:latin typeface="Silom" charset="-34"/>
+                <a:ea typeface="Silom" charset="-34"/>
+                <a:cs typeface="Silom" charset="-34"/>
+              </a:rPr>
+              <a:t>  Help</a:t>
             </a:r>
             <a:endParaRPr lang="en-US" sz="3600" dirty="0">
               <a:solidFill>
@@ -4409,21 +4478,68 @@
           </p:txBody>
         </p:sp>
       </p:grpSp>
-      <p:sp>
-        <p:nvSpPr>
-          <p:cNvPr id="57" name="TextBox 56"/>
-          <p:cNvSpPr txBox="1"/>
+    </p:spTree>
+    <p:extLst>
+      <p:ext uri="{BB962C8B-B14F-4D97-AF65-F5344CB8AC3E}">
+        <p14:creationId xmlns:p14="http://schemas.microsoft.com/office/powerpoint/2010/main" val="314322195"/>
+      </p:ext>
+    </p:extLst>
+  </p:cSld>
+  <p:clrMapOvr>
+    <a:masterClrMapping/>
+  </p:clrMapOvr>
+  <p:timing>
+    <p:tnLst>
+      <p:par>
+        <p:cTn id="1" dur="indefinite" restart="never" nodeType="tmRoot"/>
+      </p:par>
+    </p:tnLst>
+  </p:timing>
+</p:sld>
+</file>
+
+<file path=ppt/slides/slide10.xml><?xml version="1.0" encoding="utf-8"?>
+<p:sld xmlns:a="http://schemas.openxmlformats.org/drawingml/2006/main" xmlns:r="http://schemas.openxmlformats.org/officeDocument/2006/relationships" xmlns:p="http://schemas.openxmlformats.org/presentationml/2006/main">
+  <p:cSld>
+    <p:bg>
+      <p:bgPr>
+        <a:solidFill>
+          <a:srgbClr val="334864"/>
+        </a:solidFill>
+        <a:effectLst/>
+      </p:bgPr>
+    </p:bg>
+    <p:spTree>
+      <p:nvGrpSpPr>
+        <p:cNvPr id="1" name=""/>
+        <p:cNvGrpSpPr/>
+        <p:nvPr/>
+      </p:nvGrpSpPr>
+      <p:grpSpPr>
+        <a:xfrm>
+          <a:off x="0" y="0"/>
+          <a:ext cx="0" cy="0"/>
+          <a:chOff x="0" y="0"/>
+          <a:chExt cx="0" cy="0"/>
+        </a:xfrm>
+      </p:grpSpPr>
+      <p:sp>
+        <p:nvSpPr>
+          <p:cNvPr id="10" name="Oval 9"/>
+          <p:cNvSpPr/>
           <p:nvPr/>
         </p:nvSpPr>
         <p:spPr>
           <a:xfrm>
-            <a:off x="4948588" y="2155642"/>
-            <a:ext cx="4195412" cy="2103542"/>
-          </a:xfrm>
-          <a:prstGeom prst="rect">
-            <a:avLst/>
-          </a:prstGeom>
-          <a:noFill/>
+            <a:off x="928689" y="-785811"/>
+            <a:ext cx="7286624" cy="7286624"/>
+          </a:xfrm>
+          <a:prstGeom prst="ellipse">
+            <a:avLst/>
+          </a:prstGeom>
+          <a:solidFill>
+            <a:srgbClr val="98A2B0"/>
+          </a:solidFill>
           <a:ln>
             <a:noFill/>
           </a:ln>
@@ -4445,150 +4561,33 @@
           </a:fontRef>
         </p:style>
         <p:txBody>
-          <a:bodyPr rot="0" spcFirstLastPara="0" vertOverflow="overflow" horzOverflow="overflow" vert="horz" wrap="square" lIns="91440" tIns="45720" rIns="91440" bIns="45720" numCol="1" spcCol="0" rtlCol="0" fromWordArt="0" anchor="ctr" anchorCtr="0" forceAA="0" compatLnSpc="1">
-            <a:prstTxWarp prst="textNoShape">
-              <a:avLst/>
-            </a:prstTxWarp>
-            <a:noAutofit/>
-          </a:bodyPr>
-          <a:lstStyle>
-            <a:defPPr>
-              <a:defRPr lang="en-US"/>
-            </a:defPPr>
-            <a:lvl1pPr>
-              <a:defRPr sz="3600">
-                <a:solidFill>
-                  <a:srgbClr val="334864"/>
-                </a:solidFill>
-                <a:latin typeface="Silom" charset="-34"/>
-                <a:ea typeface="Silom" charset="-34"/>
-                <a:cs typeface="Silom" charset="-34"/>
-              </a:defRPr>
-            </a:lvl1pPr>
-            <a:lvl2pPr>
-              <a:defRPr>
-                <a:solidFill>
-                  <a:schemeClr val="lt1"/>
-                </a:solidFill>
-              </a:defRPr>
-            </a:lvl2pPr>
-            <a:lvl3pPr>
-              <a:defRPr>
-                <a:solidFill>
-                  <a:schemeClr val="lt1"/>
-                </a:solidFill>
-              </a:defRPr>
-            </a:lvl3pPr>
-            <a:lvl4pPr>
-              <a:defRPr>
-                <a:solidFill>
-                  <a:schemeClr val="lt1"/>
-                </a:solidFill>
-              </a:defRPr>
-            </a:lvl4pPr>
-            <a:lvl5pPr>
-              <a:defRPr>
-                <a:solidFill>
-                  <a:schemeClr val="lt1"/>
-                </a:solidFill>
-              </a:defRPr>
-            </a:lvl5pPr>
-            <a:lvl6pPr>
-              <a:defRPr>
-                <a:solidFill>
-                  <a:schemeClr val="lt1"/>
-                </a:solidFill>
-              </a:defRPr>
-            </a:lvl6pPr>
-            <a:lvl7pPr>
-              <a:defRPr>
-                <a:solidFill>
-                  <a:schemeClr val="lt1"/>
-                </a:solidFill>
-              </a:defRPr>
-            </a:lvl7pPr>
-            <a:lvl8pPr>
-              <a:defRPr>
-                <a:solidFill>
-                  <a:schemeClr val="lt1"/>
-                </a:solidFill>
-              </a:defRPr>
-            </a:lvl8pPr>
-            <a:lvl9pPr>
-              <a:defRPr>
-                <a:solidFill>
-                  <a:schemeClr val="lt1"/>
-                </a:solidFill>
-              </a:defRPr>
-            </a:lvl9pPr>
-          </a:lstStyle>
-          <a:p>
-            <a:pPr marL="457200" indent="-457200">
-              <a:lnSpc>
-                <a:spcPct val="150000"/>
-              </a:lnSpc>
-              <a:buAutoNum type="arabicParenR"/>
-            </a:pPr>
-            <a:r>
-              <a:rPr lang="en-US" sz="2400" dirty="0" smtClean="0">
-                <a:solidFill>
-                  <a:schemeClr val="bg1"/>
-                </a:solidFill>
-              </a:rPr>
-              <a:t>connect to Wi-Fi</a:t>
-            </a:r>
-          </a:p>
-          <a:p>
-            <a:pPr marL="457200" indent="-457200">
-              <a:lnSpc>
-                <a:spcPct val="150000"/>
-              </a:lnSpc>
-              <a:buAutoNum type="arabicParenR"/>
-            </a:pPr>
-            <a:r>
-              <a:rPr lang="en-US" sz="2400" dirty="0" smtClean="0">
-                <a:solidFill>
-                  <a:schemeClr val="bg1"/>
-                </a:solidFill>
-              </a:rPr>
-              <a:t>select the game</a:t>
-            </a:r>
-          </a:p>
-          <a:p>
-            <a:pPr marL="457200" indent="-457200">
-              <a:lnSpc>
-                <a:spcPct val="150000"/>
-              </a:lnSpc>
-              <a:buAutoNum type="arabicParenR"/>
-            </a:pPr>
-            <a:r>
-              <a:rPr lang="en-US" sz="2400" dirty="0" smtClean="0">
-                <a:solidFill>
-                  <a:schemeClr val="bg1"/>
-                </a:solidFill>
-              </a:rPr>
-              <a:t>be the best ball ever</a:t>
-            </a:r>
-            <a:endParaRPr lang="en-US" sz="2400" dirty="0">
+          <a:bodyPr rtlCol="0" anchor="ctr"/>
+          <a:lstStyle/>
+          <a:p>
+            <a:pPr algn="ctr"/>
+            <a:endParaRPr lang="en-US" sz="2800" dirty="0">
               <a:solidFill>
-                <a:schemeClr val="bg1"/>
+                <a:srgbClr val="B0B5BF"/>
               </a:solidFill>
+              <a:latin typeface="Silom" charset="-34"/>
+              <a:ea typeface="Silom" charset="-34"/>
+              <a:cs typeface="Silom" charset="-34"/>
             </a:endParaRPr>
           </a:p>
         </p:txBody>
       </p:sp>
       <p:sp>
         <p:nvSpPr>
-          <p:cNvPr id="59" name="Rectangle 58"/>
+          <p:cNvPr id="9" name="Oval 8"/>
           <p:cNvSpPr/>
           <p:nvPr/>
         </p:nvSpPr>
         <p:spPr>
           <a:xfrm>
-            <a:off x="5448017" y="4182642"/>
-            <a:ext cx="811016" cy="520458"/>
-          </a:xfrm>
-          <a:prstGeom prst="rect">
+            <a:off x="3934681" y="2220181"/>
+            <a:ext cx="1274640" cy="1274640"/>
+          </a:xfrm>
+          <a:prstGeom prst="ellipse">
             <a:avLst/>
           </a:prstGeom>
           <a:solidFill>
@@ -4619,18 +4618,59 @@
           <a:lstStyle/>
           <a:p>
             <a:pPr algn="ctr"/>
-            <a:r>
-              <a:rPr lang="en-US" sz="2400" dirty="0" smtClean="0">
-                <a:solidFill>
-                  <a:srgbClr val="334864"/>
-                </a:solidFill>
-                <a:latin typeface="Silom" charset="-34"/>
-                <a:ea typeface="Silom" charset="-34"/>
-                <a:cs typeface="Silom" charset="-34"/>
-              </a:rPr>
-              <a:t>Ok</a:t>
-            </a:r>
-            <a:endParaRPr lang="en-US" sz="2400" dirty="0">
+            <a:endParaRPr lang="en-US" sz="2800" dirty="0">
+              <a:solidFill>
+                <a:srgbClr val="B0B5BF"/>
+              </a:solidFill>
+              <a:latin typeface="Silom" charset="-34"/>
+              <a:ea typeface="Silom" charset="-34"/>
+              <a:cs typeface="Silom" charset="-34"/>
+            </a:endParaRPr>
+          </a:p>
+        </p:txBody>
+      </p:sp>
+      <p:sp>
+        <p:nvSpPr>
+          <p:cNvPr id="11" name="Rectangle 10"/>
+          <p:cNvSpPr/>
+          <p:nvPr/>
+        </p:nvSpPr>
+        <p:spPr>
+          <a:xfrm>
+            <a:off x="2220712" y="-2605980"/>
+            <a:ext cx="4702578" cy="2605980"/>
+          </a:xfrm>
+          <a:prstGeom prst="rect">
+            <a:avLst/>
+          </a:prstGeom>
+          <a:solidFill>
+            <a:srgbClr val="F7F7F7"/>
+          </a:solidFill>
+          <a:ln>
+            <a:noFill/>
+          </a:ln>
+        </p:spPr>
+        <p:style>
+          <a:lnRef idx="2">
+            <a:schemeClr val="accent1">
+              <a:shade val="50000"/>
+            </a:schemeClr>
+          </a:lnRef>
+          <a:fillRef idx="1">
+            <a:schemeClr val="accent1"/>
+          </a:fillRef>
+          <a:effectRef idx="0">
+            <a:schemeClr val="accent1"/>
+          </a:effectRef>
+          <a:fontRef idx="minor">
+            <a:schemeClr val="lt1"/>
+          </a:fontRef>
+        </p:style>
+        <p:txBody>
+          <a:bodyPr rtlCol="0" anchor="ctr"/>
+          <a:lstStyle/>
+          <a:p>
+            <a:endParaRPr lang="en-US" sz="3600" dirty="0">
               <a:solidFill>
                 <a:srgbClr val="334864"/>
               </a:solidFill>
@@ -4641,10 +4681,1246 @@
           </a:p>
         </p:txBody>
       </p:sp>
+      <p:sp>
+        <p:nvSpPr>
+          <p:cNvPr id="12" name="Rectangle 11"/>
+          <p:cNvSpPr/>
+          <p:nvPr/>
+        </p:nvSpPr>
+        <p:spPr>
+          <a:xfrm>
+            <a:off x="2220712" y="5715002"/>
+            <a:ext cx="4826403" cy="2605980"/>
+          </a:xfrm>
+          <a:prstGeom prst="rect">
+            <a:avLst/>
+          </a:prstGeom>
+          <a:solidFill>
+            <a:srgbClr val="E7E7E7"/>
+          </a:solidFill>
+          <a:ln>
+            <a:noFill/>
+          </a:ln>
+        </p:spPr>
+        <p:style>
+          <a:lnRef idx="2">
+            <a:schemeClr val="accent1">
+              <a:shade val="50000"/>
+            </a:schemeClr>
+          </a:lnRef>
+          <a:fillRef idx="1">
+            <a:schemeClr val="accent1"/>
+          </a:fillRef>
+          <a:effectRef idx="0">
+            <a:schemeClr val="accent1"/>
+          </a:effectRef>
+          <a:fontRef idx="minor">
+            <a:schemeClr val="lt1"/>
+          </a:fontRef>
+        </p:style>
+        <p:txBody>
+          <a:bodyPr rtlCol="0" anchor="ctr"/>
+          <a:lstStyle/>
+          <a:p>
+            <a:endParaRPr lang="en-US" sz="3600" dirty="0">
+              <a:solidFill>
+                <a:srgbClr val="334864"/>
+              </a:solidFill>
+              <a:latin typeface="Silom" charset="-34"/>
+              <a:ea typeface="Silom" charset="-34"/>
+              <a:cs typeface="Silom" charset="-34"/>
+            </a:endParaRPr>
+          </a:p>
+        </p:txBody>
+      </p:sp>
+      <p:sp>
+        <p:nvSpPr>
+          <p:cNvPr id="14" name="Oval 13"/>
+          <p:cNvSpPr/>
+          <p:nvPr/>
+        </p:nvSpPr>
+        <p:spPr>
+          <a:xfrm flipV="1">
+            <a:off x="234776" y="3680557"/>
+            <a:ext cx="497013" cy="497013"/>
+          </a:xfrm>
+          <a:prstGeom prst="ellipse">
+            <a:avLst/>
+          </a:prstGeom>
+          <a:solidFill>
+            <a:schemeClr val="bg1"/>
+          </a:solidFill>
+          <a:ln>
+            <a:noFill/>
+          </a:ln>
+        </p:spPr>
+        <p:style>
+          <a:lnRef idx="2">
+            <a:schemeClr val="accent1">
+              <a:shade val="50000"/>
+            </a:schemeClr>
+          </a:lnRef>
+          <a:fillRef idx="1">
+            <a:schemeClr val="accent1"/>
+          </a:fillRef>
+          <a:effectRef idx="0">
+            <a:schemeClr val="accent1"/>
+          </a:effectRef>
+          <a:fontRef idx="minor">
+            <a:schemeClr val="lt1"/>
+          </a:fontRef>
+        </p:style>
+        <p:txBody>
+          <a:bodyPr rtlCol="0" anchor="ctr"/>
+          <a:lstStyle/>
+          <a:p>
+            <a:pPr algn="ctr"/>
+            <a:endParaRPr lang="en-US" sz="2800" dirty="0">
+              <a:solidFill>
+                <a:srgbClr val="B0B5BF"/>
+              </a:solidFill>
+              <a:latin typeface="Silom" charset="-34"/>
+              <a:ea typeface="Silom" charset="-34"/>
+              <a:cs typeface="Silom" charset="-34"/>
+            </a:endParaRPr>
+          </a:p>
+        </p:txBody>
+      </p:sp>
+      <p:sp>
+        <p:nvSpPr>
+          <p:cNvPr id="26" name="Oval 25"/>
+          <p:cNvSpPr/>
+          <p:nvPr/>
+        </p:nvSpPr>
+        <p:spPr>
+          <a:xfrm flipV="1">
+            <a:off x="234776" y="4333020"/>
+            <a:ext cx="497013" cy="497013"/>
+          </a:xfrm>
+          <a:prstGeom prst="ellipse">
+            <a:avLst/>
+          </a:prstGeom>
+          <a:solidFill>
+            <a:schemeClr val="bg1"/>
+          </a:solidFill>
+          <a:ln>
+            <a:noFill/>
+          </a:ln>
+        </p:spPr>
+        <p:style>
+          <a:lnRef idx="2">
+            <a:schemeClr val="accent1">
+              <a:shade val="50000"/>
+            </a:schemeClr>
+          </a:lnRef>
+          <a:fillRef idx="1">
+            <a:schemeClr val="accent1"/>
+          </a:fillRef>
+          <a:effectRef idx="0">
+            <a:schemeClr val="accent1"/>
+          </a:effectRef>
+          <a:fontRef idx="minor">
+            <a:schemeClr val="lt1"/>
+          </a:fontRef>
+        </p:style>
+        <p:txBody>
+          <a:bodyPr rtlCol="0" anchor="ctr"/>
+          <a:lstStyle/>
+          <a:p>
+            <a:pPr algn="ctr"/>
+            <a:endParaRPr lang="en-US" sz="2800" dirty="0">
+              <a:solidFill>
+                <a:srgbClr val="B0B5BF"/>
+              </a:solidFill>
+              <a:latin typeface="Silom" charset="-34"/>
+              <a:ea typeface="Silom" charset="-34"/>
+              <a:cs typeface="Silom" charset="-34"/>
+            </a:endParaRPr>
+          </a:p>
+        </p:txBody>
+      </p:sp>
+      <p:sp>
+        <p:nvSpPr>
+          <p:cNvPr id="27" name="Oval 26"/>
+          <p:cNvSpPr/>
+          <p:nvPr/>
+        </p:nvSpPr>
+        <p:spPr>
+          <a:xfrm flipV="1">
+            <a:off x="234775" y="4985483"/>
+            <a:ext cx="497013" cy="497013"/>
+          </a:xfrm>
+          <a:prstGeom prst="ellipse">
+            <a:avLst/>
+          </a:prstGeom>
+          <a:solidFill>
+            <a:schemeClr val="bg1"/>
+          </a:solidFill>
+          <a:ln>
+            <a:noFill/>
+          </a:ln>
+        </p:spPr>
+        <p:style>
+          <a:lnRef idx="2">
+            <a:schemeClr val="accent1">
+              <a:shade val="50000"/>
+            </a:schemeClr>
+          </a:lnRef>
+          <a:fillRef idx="1">
+            <a:schemeClr val="accent1"/>
+          </a:fillRef>
+          <a:effectRef idx="0">
+            <a:schemeClr val="accent1"/>
+          </a:effectRef>
+          <a:fontRef idx="minor">
+            <a:schemeClr val="lt1"/>
+          </a:fontRef>
+        </p:style>
+        <p:txBody>
+          <a:bodyPr rtlCol="0" anchor="ctr"/>
+          <a:lstStyle/>
+          <a:p>
+            <a:pPr algn="ctr"/>
+            <a:endParaRPr lang="en-US" sz="2800" dirty="0">
+              <a:solidFill>
+                <a:srgbClr val="B0B5BF"/>
+              </a:solidFill>
+              <a:latin typeface="Silom" charset="-34"/>
+              <a:ea typeface="Silom" charset="-34"/>
+              <a:cs typeface="Silom" charset="-34"/>
+            </a:endParaRPr>
+          </a:p>
+        </p:txBody>
+      </p:sp>
+      <p:sp>
+        <p:nvSpPr>
+          <p:cNvPr id="39" name="Rectangle 38"/>
+          <p:cNvSpPr/>
+          <p:nvPr/>
+        </p:nvSpPr>
+        <p:spPr>
+          <a:xfrm rot="2376160">
+            <a:off x="3806369" y="2527743"/>
+            <a:ext cx="125481" cy="2372579"/>
+          </a:xfrm>
+          <a:prstGeom prst="rect">
+            <a:avLst/>
+          </a:prstGeom>
+          <a:solidFill>
+            <a:schemeClr val="bg1"/>
+          </a:solidFill>
+          <a:ln>
+            <a:noFill/>
+          </a:ln>
+        </p:spPr>
+        <p:style>
+          <a:lnRef idx="2">
+            <a:schemeClr val="accent1">
+              <a:shade val="50000"/>
+            </a:schemeClr>
+          </a:lnRef>
+          <a:fillRef idx="1">
+            <a:schemeClr val="accent1"/>
+          </a:fillRef>
+          <a:effectRef idx="0">
+            <a:schemeClr val="accent1"/>
+          </a:effectRef>
+          <a:fontRef idx="minor">
+            <a:schemeClr val="lt1"/>
+          </a:fontRef>
+        </p:style>
+        <p:txBody>
+          <a:bodyPr rtlCol="0" anchor="ctr"/>
+          <a:lstStyle/>
+          <a:p>
+            <a:endParaRPr lang="en-US" sz="3600" dirty="0">
+              <a:solidFill>
+                <a:srgbClr val="334864"/>
+              </a:solidFill>
+              <a:latin typeface="Silom" charset="-34"/>
+              <a:ea typeface="Silom" charset="-34"/>
+              <a:cs typeface="Silom" charset="-34"/>
+            </a:endParaRPr>
+          </a:p>
+        </p:txBody>
+      </p:sp>
+      <p:sp>
+        <p:nvSpPr>
+          <p:cNvPr id="28" name="Oval 27"/>
+          <p:cNvSpPr/>
+          <p:nvPr/>
+        </p:nvSpPr>
+        <p:spPr>
+          <a:xfrm rot="10800000" flipV="1">
+            <a:off x="234776" y="1723168"/>
+            <a:ext cx="497013" cy="497013"/>
+          </a:xfrm>
+          <a:prstGeom prst="ellipse">
+            <a:avLst/>
+          </a:prstGeom>
+          <a:solidFill>
+            <a:schemeClr val="bg1"/>
+          </a:solidFill>
+          <a:ln>
+            <a:noFill/>
+          </a:ln>
+        </p:spPr>
+        <p:style>
+          <a:lnRef idx="2">
+            <a:schemeClr val="accent1">
+              <a:shade val="50000"/>
+            </a:schemeClr>
+          </a:lnRef>
+          <a:fillRef idx="1">
+            <a:schemeClr val="accent1"/>
+          </a:fillRef>
+          <a:effectRef idx="0">
+            <a:schemeClr val="accent1"/>
+          </a:effectRef>
+          <a:fontRef idx="minor">
+            <a:schemeClr val="lt1"/>
+          </a:fontRef>
+        </p:style>
+        <p:txBody>
+          <a:bodyPr rtlCol="0" anchor="ctr"/>
+          <a:lstStyle/>
+          <a:p>
+            <a:pPr algn="ctr"/>
+            <a:endParaRPr lang="en-US" sz="2800" dirty="0">
+              <a:solidFill>
+                <a:srgbClr val="B0B5BF"/>
+              </a:solidFill>
+              <a:latin typeface="Silom" charset="-34"/>
+              <a:ea typeface="Silom" charset="-34"/>
+              <a:cs typeface="Silom" charset="-34"/>
+            </a:endParaRPr>
+          </a:p>
+        </p:txBody>
+      </p:sp>
+      <p:sp>
+        <p:nvSpPr>
+          <p:cNvPr id="29" name="Oval 28"/>
+          <p:cNvSpPr/>
+          <p:nvPr/>
+        </p:nvSpPr>
+        <p:spPr>
+          <a:xfrm rot="10800000" flipV="1">
+            <a:off x="234776" y="2375631"/>
+            <a:ext cx="497013" cy="497013"/>
+          </a:xfrm>
+          <a:prstGeom prst="ellipse">
+            <a:avLst/>
+          </a:prstGeom>
+          <a:solidFill>
+            <a:schemeClr val="bg1"/>
+          </a:solidFill>
+          <a:ln>
+            <a:noFill/>
+          </a:ln>
+        </p:spPr>
+        <p:style>
+          <a:lnRef idx="2">
+            <a:schemeClr val="accent1">
+              <a:shade val="50000"/>
+            </a:schemeClr>
+          </a:lnRef>
+          <a:fillRef idx="1">
+            <a:schemeClr val="accent1"/>
+          </a:fillRef>
+          <a:effectRef idx="0">
+            <a:schemeClr val="accent1"/>
+          </a:effectRef>
+          <a:fontRef idx="minor">
+            <a:schemeClr val="lt1"/>
+          </a:fontRef>
+        </p:style>
+        <p:txBody>
+          <a:bodyPr rtlCol="0" anchor="ctr"/>
+          <a:lstStyle/>
+          <a:p>
+            <a:pPr algn="ctr"/>
+            <a:endParaRPr lang="en-US" sz="2800" dirty="0">
+              <a:solidFill>
+                <a:srgbClr val="B0B5BF"/>
+              </a:solidFill>
+              <a:latin typeface="Silom" charset="-34"/>
+              <a:ea typeface="Silom" charset="-34"/>
+              <a:cs typeface="Silom" charset="-34"/>
+            </a:endParaRPr>
+          </a:p>
+        </p:txBody>
+      </p:sp>
+      <p:sp>
+        <p:nvSpPr>
+          <p:cNvPr id="32" name="Oval 31"/>
+          <p:cNvSpPr/>
+          <p:nvPr/>
+        </p:nvSpPr>
+        <p:spPr>
+          <a:xfrm rot="10800000" flipV="1">
+            <a:off x="234775" y="3028094"/>
+            <a:ext cx="497013" cy="497013"/>
+          </a:xfrm>
+          <a:prstGeom prst="ellipse">
+            <a:avLst/>
+          </a:prstGeom>
+          <a:solidFill>
+            <a:schemeClr val="bg1"/>
+          </a:solidFill>
+          <a:ln>
+            <a:noFill/>
+          </a:ln>
+        </p:spPr>
+        <p:style>
+          <a:lnRef idx="2">
+            <a:schemeClr val="accent1">
+              <a:shade val="50000"/>
+            </a:schemeClr>
+          </a:lnRef>
+          <a:fillRef idx="1">
+            <a:schemeClr val="accent1"/>
+          </a:fillRef>
+          <a:effectRef idx="0">
+            <a:schemeClr val="accent1"/>
+          </a:effectRef>
+          <a:fontRef idx="minor">
+            <a:schemeClr val="lt1"/>
+          </a:fontRef>
+        </p:style>
+        <p:txBody>
+          <a:bodyPr rtlCol="0" anchor="ctr"/>
+          <a:lstStyle/>
+          <a:p>
+            <a:pPr algn="ctr"/>
+            <a:endParaRPr lang="en-US" sz="2800" dirty="0">
+              <a:solidFill>
+                <a:srgbClr val="B0B5BF"/>
+              </a:solidFill>
+              <a:latin typeface="Silom" charset="-34"/>
+              <a:ea typeface="Silom" charset="-34"/>
+              <a:cs typeface="Silom" charset="-34"/>
+            </a:endParaRPr>
+          </a:p>
+        </p:txBody>
+      </p:sp>
+      <p:sp>
+        <p:nvSpPr>
+          <p:cNvPr id="33" name="TextBox 32"/>
+          <p:cNvSpPr txBox="1"/>
+          <p:nvPr/>
+        </p:nvSpPr>
+        <p:spPr>
+          <a:xfrm>
+            <a:off x="3874219" y="2624137"/>
+            <a:ext cx="1335102" cy="523220"/>
+          </a:xfrm>
+          <a:prstGeom prst="rect">
+            <a:avLst/>
+          </a:prstGeom>
+          <a:noFill/>
+          <a:ln>
+            <a:noFill/>
+          </a:ln>
+        </p:spPr>
+        <p:txBody>
+          <a:bodyPr wrap="square" rtlCol="0">
+            <a:spAutoFit/>
+          </a:bodyPr>
+          <a:lstStyle/>
+          <a:p>
+            <a:pPr algn="ctr"/>
+            <a:r>
+              <a:rPr lang="en-US" sz="2800" spc="-300" dirty="0" smtClean="0">
+                <a:ln>
+                  <a:solidFill>
+                    <a:schemeClr val="bg1"/>
+                  </a:solidFill>
+                </a:ln>
+                <a:solidFill>
+                  <a:srgbClr val="ABB4C0"/>
+                </a:solidFill>
+                <a:latin typeface="Silom" charset="-34"/>
+                <a:ea typeface="Silom" charset="-34"/>
+                <a:cs typeface="Silom" charset="-34"/>
+              </a:rPr>
+              <a:t>Leave</a:t>
+            </a:r>
+            <a:endParaRPr lang="en-US" sz="2800" spc="-300" dirty="0">
+              <a:ln>
+                <a:solidFill>
+                  <a:schemeClr val="bg1"/>
+                </a:solidFill>
+              </a:ln>
+              <a:solidFill>
+                <a:srgbClr val="ABB4C0"/>
+              </a:solidFill>
+              <a:latin typeface="Silom" charset="-34"/>
+              <a:ea typeface="Silom" charset="-34"/>
+              <a:cs typeface="Silom" charset="-34"/>
+            </a:endParaRPr>
+          </a:p>
+        </p:txBody>
+      </p:sp>
+      <p:sp>
+        <p:nvSpPr>
+          <p:cNvPr id="38" name="Oval 37"/>
+          <p:cNvSpPr/>
+          <p:nvPr/>
+        </p:nvSpPr>
+        <p:spPr>
+          <a:xfrm rot="10800000" flipV="1">
+            <a:off x="2816050" y="4419537"/>
+            <a:ext cx="497013" cy="497013"/>
+          </a:xfrm>
+          <a:prstGeom prst="ellipse">
+            <a:avLst/>
+          </a:prstGeom>
+          <a:solidFill>
+            <a:schemeClr val="bg1"/>
+          </a:solidFill>
+          <a:ln>
+            <a:noFill/>
+          </a:ln>
+        </p:spPr>
+        <p:style>
+          <a:lnRef idx="2">
+            <a:schemeClr val="accent1">
+              <a:shade val="50000"/>
+            </a:schemeClr>
+          </a:lnRef>
+          <a:fillRef idx="1">
+            <a:schemeClr val="accent1"/>
+          </a:fillRef>
+          <a:effectRef idx="0">
+            <a:schemeClr val="accent1"/>
+          </a:effectRef>
+          <a:fontRef idx="minor">
+            <a:schemeClr val="lt1"/>
+          </a:fontRef>
+        </p:style>
+        <p:txBody>
+          <a:bodyPr rtlCol="0" anchor="ctr"/>
+          <a:lstStyle/>
+          <a:p>
+            <a:pPr algn="ctr"/>
+            <a:endParaRPr lang="en-US" sz="2800" dirty="0">
+              <a:solidFill>
+                <a:srgbClr val="B0B5BF"/>
+              </a:solidFill>
+              <a:latin typeface="Silom" charset="-34"/>
+              <a:ea typeface="Silom" charset="-34"/>
+              <a:cs typeface="Silom" charset="-34"/>
+            </a:endParaRPr>
+          </a:p>
+        </p:txBody>
+      </p:sp>
     </p:spTree>
     <p:extLst>
       <p:ext uri="{BB962C8B-B14F-4D97-AF65-F5344CB8AC3E}">
-        <p14:creationId xmlns:p14="http://schemas.microsoft.com/office/powerpoint/2010/main" val="314322195"/>
+        <p14:creationId xmlns:p14="http://schemas.microsoft.com/office/powerpoint/2010/main" val="1683424689"/>
+      </p:ext>
+    </p:extLst>
+  </p:cSld>
+  <p:clrMapOvr>
+    <a:masterClrMapping/>
+  </p:clrMapOvr>
+  <p:timing>
+    <p:tnLst>
+      <p:par>
+        <p:cTn id="1" dur="indefinite" restart="never" nodeType="tmRoot"/>
+      </p:par>
+    </p:tnLst>
+  </p:timing>
+</p:sld>
+</file>
+
+<file path=ppt/slides/slide11.xml><?xml version="1.0" encoding="utf-8"?>
+<p:sld xmlns:a="http://schemas.openxmlformats.org/drawingml/2006/main" xmlns:r="http://schemas.openxmlformats.org/officeDocument/2006/relationships" xmlns:p="http://schemas.openxmlformats.org/presentationml/2006/main">
+  <p:cSld>
+    <p:bg>
+      <p:bgPr>
+        <a:solidFill>
+          <a:srgbClr val="334864"/>
+        </a:solidFill>
+        <a:effectLst/>
+      </p:bgPr>
+    </p:bg>
+    <p:spTree>
+      <p:nvGrpSpPr>
+        <p:cNvPr id="1" name=""/>
+        <p:cNvGrpSpPr/>
+        <p:nvPr/>
+      </p:nvGrpSpPr>
+      <p:grpSpPr>
+        <a:xfrm>
+          <a:off x="0" y="0"/>
+          <a:ext cx="0" cy="0"/>
+          <a:chOff x="0" y="0"/>
+          <a:chExt cx="0" cy="0"/>
+        </a:xfrm>
+      </p:grpSpPr>
+      <p:sp>
+        <p:nvSpPr>
+          <p:cNvPr id="14" name="Oval 13"/>
+          <p:cNvSpPr/>
+          <p:nvPr/>
+        </p:nvSpPr>
+        <p:spPr>
+          <a:xfrm flipV="1">
+            <a:off x="234776" y="3680557"/>
+            <a:ext cx="497013" cy="497013"/>
+          </a:xfrm>
+          <a:prstGeom prst="ellipse">
+            <a:avLst/>
+          </a:prstGeom>
+          <a:solidFill>
+            <a:schemeClr val="bg1"/>
+          </a:solidFill>
+          <a:ln>
+            <a:noFill/>
+          </a:ln>
+        </p:spPr>
+        <p:style>
+          <a:lnRef idx="2">
+            <a:schemeClr val="accent1">
+              <a:shade val="50000"/>
+            </a:schemeClr>
+          </a:lnRef>
+          <a:fillRef idx="1">
+            <a:schemeClr val="accent1"/>
+          </a:fillRef>
+          <a:effectRef idx="0">
+            <a:schemeClr val="accent1"/>
+          </a:effectRef>
+          <a:fontRef idx="minor">
+            <a:schemeClr val="lt1"/>
+          </a:fontRef>
+        </p:style>
+        <p:txBody>
+          <a:bodyPr rtlCol="0" anchor="ctr"/>
+          <a:lstStyle/>
+          <a:p>
+            <a:pPr algn="ctr"/>
+            <a:endParaRPr lang="en-US" sz="2800" dirty="0">
+              <a:solidFill>
+                <a:srgbClr val="B0B5BF"/>
+              </a:solidFill>
+              <a:latin typeface="Silom" charset="-34"/>
+              <a:ea typeface="Silom" charset="-34"/>
+              <a:cs typeface="Silom" charset="-34"/>
+            </a:endParaRPr>
+          </a:p>
+        </p:txBody>
+      </p:sp>
+      <p:sp>
+        <p:nvSpPr>
+          <p:cNvPr id="26" name="Oval 25"/>
+          <p:cNvSpPr/>
+          <p:nvPr/>
+        </p:nvSpPr>
+        <p:spPr>
+          <a:xfrm flipV="1">
+            <a:off x="234776" y="4333020"/>
+            <a:ext cx="497013" cy="497013"/>
+          </a:xfrm>
+          <a:prstGeom prst="ellipse">
+            <a:avLst/>
+          </a:prstGeom>
+          <a:solidFill>
+            <a:schemeClr val="bg1"/>
+          </a:solidFill>
+          <a:ln>
+            <a:noFill/>
+          </a:ln>
+        </p:spPr>
+        <p:style>
+          <a:lnRef idx="2">
+            <a:schemeClr val="accent1">
+              <a:shade val="50000"/>
+            </a:schemeClr>
+          </a:lnRef>
+          <a:fillRef idx="1">
+            <a:schemeClr val="accent1"/>
+          </a:fillRef>
+          <a:effectRef idx="0">
+            <a:schemeClr val="accent1"/>
+          </a:effectRef>
+          <a:fontRef idx="minor">
+            <a:schemeClr val="lt1"/>
+          </a:fontRef>
+        </p:style>
+        <p:txBody>
+          <a:bodyPr rtlCol="0" anchor="ctr"/>
+          <a:lstStyle/>
+          <a:p>
+            <a:pPr algn="ctr"/>
+            <a:endParaRPr lang="en-US" sz="2800" dirty="0">
+              <a:solidFill>
+                <a:srgbClr val="B0B5BF"/>
+              </a:solidFill>
+              <a:latin typeface="Silom" charset="-34"/>
+              <a:ea typeface="Silom" charset="-34"/>
+              <a:cs typeface="Silom" charset="-34"/>
+            </a:endParaRPr>
+          </a:p>
+        </p:txBody>
+      </p:sp>
+      <p:sp>
+        <p:nvSpPr>
+          <p:cNvPr id="27" name="Oval 26"/>
+          <p:cNvSpPr/>
+          <p:nvPr/>
+        </p:nvSpPr>
+        <p:spPr>
+          <a:xfrm flipV="1">
+            <a:off x="234775" y="4985483"/>
+            <a:ext cx="497013" cy="497013"/>
+          </a:xfrm>
+          <a:prstGeom prst="ellipse">
+            <a:avLst/>
+          </a:prstGeom>
+          <a:solidFill>
+            <a:schemeClr val="bg1"/>
+          </a:solidFill>
+          <a:ln>
+            <a:noFill/>
+          </a:ln>
+        </p:spPr>
+        <p:style>
+          <a:lnRef idx="2">
+            <a:schemeClr val="accent1">
+              <a:shade val="50000"/>
+            </a:schemeClr>
+          </a:lnRef>
+          <a:fillRef idx="1">
+            <a:schemeClr val="accent1"/>
+          </a:fillRef>
+          <a:effectRef idx="0">
+            <a:schemeClr val="accent1"/>
+          </a:effectRef>
+          <a:fontRef idx="minor">
+            <a:schemeClr val="lt1"/>
+          </a:fontRef>
+        </p:style>
+        <p:txBody>
+          <a:bodyPr rtlCol="0" anchor="ctr"/>
+          <a:lstStyle/>
+          <a:p>
+            <a:pPr algn="ctr"/>
+            <a:endParaRPr lang="en-US" sz="2800" dirty="0">
+              <a:solidFill>
+                <a:srgbClr val="B0B5BF"/>
+              </a:solidFill>
+              <a:latin typeface="Silom" charset="-34"/>
+              <a:ea typeface="Silom" charset="-34"/>
+              <a:cs typeface="Silom" charset="-34"/>
+            </a:endParaRPr>
+          </a:p>
+        </p:txBody>
+      </p:sp>
+      <p:sp>
+        <p:nvSpPr>
+          <p:cNvPr id="28" name="Oval 27"/>
+          <p:cNvSpPr/>
+          <p:nvPr/>
+        </p:nvSpPr>
+        <p:spPr>
+          <a:xfrm rot="10800000" flipV="1">
+            <a:off x="234776" y="1723168"/>
+            <a:ext cx="497013" cy="497013"/>
+          </a:xfrm>
+          <a:prstGeom prst="ellipse">
+            <a:avLst/>
+          </a:prstGeom>
+          <a:solidFill>
+            <a:schemeClr val="bg1"/>
+          </a:solidFill>
+          <a:ln>
+            <a:noFill/>
+          </a:ln>
+        </p:spPr>
+        <p:style>
+          <a:lnRef idx="2">
+            <a:schemeClr val="accent1">
+              <a:shade val="50000"/>
+            </a:schemeClr>
+          </a:lnRef>
+          <a:fillRef idx="1">
+            <a:schemeClr val="accent1"/>
+          </a:fillRef>
+          <a:effectRef idx="0">
+            <a:schemeClr val="accent1"/>
+          </a:effectRef>
+          <a:fontRef idx="minor">
+            <a:schemeClr val="lt1"/>
+          </a:fontRef>
+        </p:style>
+        <p:txBody>
+          <a:bodyPr rtlCol="0" anchor="ctr"/>
+          <a:lstStyle/>
+          <a:p>
+            <a:pPr algn="ctr"/>
+            <a:endParaRPr lang="en-US" sz="2800" dirty="0">
+              <a:solidFill>
+                <a:srgbClr val="B0B5BF"/>
+              </a:solidFill>
+              <a:latin typeface="Silom" charset="-34"/>
+              <a:ea typeface="Silom" charset="-34"/>
+              <a:cs typeface="Silom" charset="-34"/>
+            </a:endParaRPr>
+          </a:p>
+        </p:txBody>
+      </p:sp>
+      <p:sp>
+        <p:nvSpPr>
+          <p:cNvPr id="29" name="Oval 28"/>
+          <p:cNvSpPr/>
+          <p:nvPr/>
+        </p:nvSpPr>
+        <p:spPr>
+          <a:xfrm rot="10800000" flipV="1">
+            <a:off x="234776" y="2375631"/>
+            <a:ext cx="497013" cy="497013"/>
+          </a:xfrm>
+          <a:prstGeom prst="ellipse">
+            <a:avLst/>
+          </a:prstGeom>
+          <a:solidFill>
+            <a:schemeClr val="bg1"/>
+          </a:solidFill>
+          <a:ln>
+            <a:noFill/>
+          </a:ln>
+        </p:spPr>
+        <p:style>
+          <a:lnRef idx="2">
+            <a:schemeClr val="accent1">
+              <a:shade val="50000"/>
+            </a:schemeClr>
+          </a:lnRef>
+          <a:fillRef idx="1">
+            <a:schemeClr val="accent1"/>
+          </a:fillRef>
+          <a:effectRef idx="0">
+            <a:schemeClr val="accent1"/>
+          </a:effectRef>
+          <a:fontRef idx="minor">
+            <a:schemeClr val="lt1"/>
+          </a:fontRef>
+        </p:style>
+        <p:txBody>
+          <a:bodyPr rtlCol="0" anchor="ctr"/>
+          <a:lstStyle/>
+          <a:p>
+            <a:pPr algn="ctr"/>
+            <a:endParaRPr lang="en-US" sz="2800" dirty="0">
+              <a:solidFill>
+                <a:srgbClr val="B0B5BF"/>
+              </a:solidFill>
+              <a:latin typeface="Silom" charset="-34"/>
+              <a:ea typeface="Silom" charset="-34"/>
+              <a:cs typeface="Silom" charset="-34"/>
+            </a:endParaRPr>
+          </a:p>
+        </p:txBody>
+      </p:sp>
+      <p:sp>
+        <p:nvSpPr>
+          <p:cNvPr id="32" name="Oval 31"/>
+          <p:cNvSpPr/>
+          <p:nvPr/>
+        </p:nvSpPr>
+        <p:spPr>
+          <a:xfrm rot="10800000" flipV="1">
+            <a:off x="234775" y="3028094"/>
+            <a:ext cx="497013" cy="497013"/>
+          </a:xfrm>
+          <a:prstGeom prst="ellipse">
+            <a:avLst/>
+          </a:prstGeom>
+          <a:solidFill>
+            <a:schemeClr val="bg1"/>
+          </a:solidFill>
+          <a:ln>
+            <a:noFill/>
+          </a:ln>
+        </p:spPr>
+        <p:style>
+          <a:lnRef idx="2">
+            <a:schemeClr val="accent1">
+              <a:shade val="50000"/>
+            </a:schemeClr>
+          </a:lnRef>
+          <a:fillRef idx="1">
+            <a:schemeClr val="accent1"/>
+          </a:fillRef>
+          <a:effectRef idx="0">
+            <a:schemeClr val="accent1"/>
+          </a:effectRef>
+          <a:fontRef idx="minor">
+            <a:schemeClr val="lt1"/>
+          </a:fontRef>
+        </p:style>
+        <p:txBody>
+          <a:bodyPr rtlCol="0" anchor="ctr"/>
+          <a:lstStyle/>
+          <a:p>
+            <a:pPr algn="ctr"/>
+            <a:endParaRPr lang="en-US" sz="2800" dirty="0">
+              <a:solidFill>
+                <a:srgbClr val="B0B5BF"/>
+              </a:solidFill>
+              <a:latin typeface="Silom" charset="-34"/>
+              <a:ea typeface="Silom" charset="-34"/>
+              <a:cs typeface="Silom" charset="-34"/>
+            </a:endParaRPr>
+          </a:p>
+        </p:txBody>
+      </p:sp>
+      <p:sp>
+        <p:nvSpPr>
+          <p:cNvPr id="13" name="Rectangle 12"/>
+          <p:cNvSpPr/>
+          <p:nvPr/>
+        </p:nvSpPr>
+        <p:spPr>
+          <a:xfrm>
+            <a:off x="998806" y="0"/>
+            <a:ext cx="8145194" cy="5715000"/>
+          </a:xfrm>
+          <a:prstGeom prst="rect">
+            <a:avLst/>
+          </a:prstGeom>
+          <a:solidFill>
+            <a:schemeClr val="bg1"/>
+          </a:solidFill>
+          <a:ln>
+            <a:noFill/>
+          </a:ln>
+        </p:spPr>
+        <p:style>
+          <a:lnRef idx="2">
+            <a:schemeClr val="accent1">
+              <a:shade val="50000"/>
+            </a:schemeClr>
+          </a:lnRef>
+          <a:fillRef idx="1">
+            <a:schemeClr val="accent1"/>
+          </a:fillRef>
+          <a:effectRef idx="0">
+            <a:schemeClr val="accent1"/>
+          </a:effectRef>
+          <a:fontRef idx="minor">
+            <a:schemeClr val="lt1"/>
+          </a:fontRef>
+        </p:style>
+        <p:txBody>
+          <a:bodyPr rtlCol="0" anchor="ctr"/>
+          <a:lstStyle/>
+          <a:p>
+            <a:endParaRPr lang="en-US" sz="3600" dirty="0">
+              <a:solidFill>
+                <a:srgbClr val="334864"/>
+              </a:solidFill>
+              <a:latin typeface="Silom" charset="-34"/>
+              <a:ea typeface="Silom" charset="-34"/>
+              <a:cs typeface="Silom" charset="-34"/>
+            </a:endParaRPr>
+          </a:p>
+        </p:txBody>
+      </p:sp>
+      <p:sp>
+        <p:nvSpPr>
+          <p:cNvPr id="17" name="Oval 16"/>
+          <p:cNvSpPr/>
+          <p:nvPr/>
+        </p:nvSpPr>
+        <p:spPr>
+          <a:xfrm rot="5132827">
+            <a:off x="3377755" y="3392825"/>
+            <a:ext cx="940195" cy="940195"/>
+          </a:xfrm>
+          <a:prstGeom prst="ellipse">
+            <a:avLst/>
+          </a:prstGeom>
+          <a:solidFill>
+            <a:srgbClr val="FFC000"/>
+          </a:solidFill>
+          <a:ln w="38100">
+            <a:solidFill>
+              <a:srgbClr val="DAA301"/>
+            </a:solidFill>
+          </a:ln>
+        </p:spPr>
+        <p:style>
+          <a:lnRef idx="2">
+            <a:schemeClr val="accent1">
+              <a:shade val="50000"/>
+            </a:schemeClr>
+          </a:lnRef>
+          <a:fillRef idx="1">
+            <a:schemeClr val="accent1"/>
+          </a:fillRef>
+          <a:effectRef idx="0">
+            <a:schemeClr val="accent1"/>
+          </a:effectRef>
+          <a:fontRef idx="minor">
+            <a:schemeClr val="lt1"/>
+          </a:fontRef>
+        </p:style>
+        <p:txBody>
+          <a:bodyPr rtlCol="0" anchor="ctr"/>
+          <a:lstStyle/>
+          <a:p>
+            <a:pPr algn="ctr"/>
+            <a:endParaRPr lang="en-US"/>
+          </a:p>
+        </p:txBody>
+      </p:sp>
+      <p:sp>
+        <p:nvSpPr>
+          <p:cNvPr id="31" name="Oval 30"/>
+          <p:cNvSpPr/>
+          <p:nvPr/>
+        </p:nvSpPr>
+        <p:spPr>
+          <a:xfrm rot="18573915">
+            <a:off x="3879164" y="214974"/>
+            <a:ext cx="940195" cy="940195"/>
+          </a:xfrm>
+          <a:prstGeom prst="ellipse">
+            <a:avLst/>
+          </a:prstGeom>
+          <a:solidFill>
+            <a:srgbClr val="00FDFF"/>
+          </a:solidFill>
+          <a:ln w="38100">
+            <a:solidFill>
+              <a:srgbClr val="00E1E3"/>
+            </a:solidFill>
+          </a:ln>
+        </p:spPr>
+        <p:style>
+          <a:lnRef idx="2">
+            <a:schemeClr val="accent1">
+              <a:shade val="50000"/>
+            </a:schemeClr>
+          </a:lnRef>
+          <a:fillRef idx="1">
+            <a:schemeClr val="accent1"/>
+          </a:fillRef>
+          <a:effectRef idx="0">
+            <a:schemeClr val="accent1"/>
+          </a:effectRef>
+          <a:fontRef idx="minor">
+            <a:schemeClr val="lt1"/>
+          </a:fontRef>
+        </p:style>
+        <p:txBody>
+          <a:bodyPr rtlCol="0" anchor="ctr"/>
+          <a:lstStyle/>
+          <a:p>
+            <a:pPr algn="ctr"/>
+            <a:endParaRPr lang="en-US"/>
+          </a:p>
+        </p:txBody>
+      </p:sp>
+      <p:sp>
+        <p:nvSpPr>
+          <p:cNvPr id="38" name="Oval 37"/>
+          <p:cNvSpPr/>
+          <p:nvPr/>
+        </p:nvSpPr>
+        <p:spPr>
+          <a:xfrm rot="1778677">
+            <a:off x="7739461" y="1426632"/>
+            <a:ext cx="940195" cy="940195"/>
+          </a:xfrm>
+          <a:prstGeom prst="ellipse">
+            <a:avLst/>
+          </a:prstGeom>
+          <a:solidFill>
+            <a:srgbClr val="F45247"/>
+          </a:solidFill>
+          <a:ln w="38100">
+            <a:solidFill>
+              <a:srgbClr val="C7403A"/>
+            </a:solidFill>
+          </a:ln>
+        </p:spPr>
+        <p:style>
+          <a:lnRef idx="2">
+            <a:schemeClr val="accent1">
+              <a:shade val="50000"/>
+            </a:schemeClr>
+          </a:lnRef>
+          <a:fillRef idx="1">
+            <a:schemeClr val="accent1"/>
+          </a:fillRef>
+          <a:effectRef idx="0">
+            <a:schemeClr val="accent1"/>
+          </a:effectRef>
+          <a:fontRef idx="minor">
+            <a:schemeClr val="lt1"/>
+          </a:fontRef>
+        </p:style>
+        <p:txBody>
+          <a:bodyPr rtlCol="0" anchor="ctr"/>
+          <a:lstStyle/>
+          <a:p>
+            <a:pPr algn="ctr"/>
+            <a:endParaRPr lang="en-US"/>
+          </a:p>
+        </p:txBody>
+      </p:sp>
+      <p:sp>
+        <p:nvSpPr>
+          <p:cNvPr id="43" name="Oval 42"/>
+          <p:cNvSpPr/>
+          <p:nvPr/>
+        </p:nvSpPr>
+        <p:spPr>
+          <a:xfrm>
+            <a:off x="5998462" y="1109983"/>
+            <a:ext cx="291320" cy="291320"/>
+          </a:xfrm>
+          <a:prstGeom prst="ellipse">
+            <a:avLst/>
+          </a:prstGeom>
+          <a:solidFill>
+            <a:srgbClr val="00FDFF"/>
+          </a:solidFill>
+          <a:ln w="28575">
+            <a:solidFill>
+              <a:srgbClr val="00E1E3"/>
+            </a:solidFill>
+          </a:ln>
+        </p:spPr>
+        <p:style>
+          <a:lnRef idx="2">
+            <a:schemeClr val="accent1">
+              <a:shade val="50000"/>
+            </a:schemeClr>
+          </a:lnRef>
+          <a:fillRef idx="1">
+            <a:schemeClr val="accent1"/>
+          </a:fillRef>
+          <a:effectRef idx="0">
+            <a:schemeClr val="accent1"/>
+          </a:effectRef>
+          <a:fontRef idx="minor">
+            <a:schemeClr val="lt1"/>
+          </a:fontRef>
+        </p:style>
+        <p:txBody>
+          <a:bodyPr rtlCol="0" anchor="ctr"/>
+          <a:lstStyle/>
+          <a:p>
+            <a:pPr algn="ctr"/>
+            <a:endParaRPr lang="en-US" dirty="0"/>
+          </a:p>
+        </p:txBody>
+      </p:sp>
+      <p:sp>
+        <p:nvSpPr>
+          <p:cNvPr id="45" name="Oval 44"/>
+          <p:cNvSpPr/>
+          <p:nvPr/>
+        </p:nvSpPr>
+        <p:spPr>
+          <a:xfrm>
+            <a:off x="4719772" y="3326747"/>
+            <a:ext cx="291320" cy="291320"/>
+          </a:xfrm>
+          <a:prstGeom prst="ellipse">
+            <a:avLst/>
+          </a:prstGeom>
+          <a:solidFill>
+            <a:srgbClr val="FFC000"/>
+          </a:solidFill>
+          <a:ln w="28575">
+            <a:solidFill>
+              <a:srgbClr val="DAA301"/>
+            </a:solidFill>
+          </a:ln>
+        </p:spPr>
+        <p:style>
+          <a:lnRef idx="2">
+            <a:schemeClr val="accent1">
+              <a:shade val="50000"/>
+            </a:schemeClr>
+          </a:lnRef>
+          <a:fillRef idx="1">
+            <a:schemeClr val="accent1"/>
+          </a:fillRef>
+          <a:effectRef idx="0">
+            <a:schemeClr val="accent1"/>
+          </a:effectRef>
+          <a:fontRef idx="minor">
+            <a:schemeClr val="lt1"/>
+          </a:fontRef>
+        </p:style>
+        <p:txBody>
+          <a:bodyPr rtlCol="0" anchor="ctr"/>
+          <a:lstStyle/>
+          <a:p>
+            <a:pPr algn="ctr"/>
+            <a:endParaRPr lang="en-US" dirty="0"/>
+          </a:p>
+        </p:txBody>
+      </p:sp>
+      <p:sp>
+        <p:nvSpPr>
+          <p:cNvPr id="46" name="Oval 45"/>
+          <p:cNvSpPr/>
+          <p:nvPr/>
+        </p:nvSpPr>
+        <p:spPr>
+          <a:xfrm>
+            <a:off x="6419619" y="2711840"/>
+            <a:ext cx="291320" cy="291320"/>
+          </a:xfrm>
+          <a:prstGeom prst="ellipse">
+            <a:avLst/>
+          </a:prstGeom>
+          <a:solidFill>
+            <a:srgbClr val="FFC000"/>
+          </a:solidFill>
+          <a:ln w="28575">
+            <a:solidFill>
+              <a:srgbClr val="DAA301"/>
+            </a:solidFill>
+          </a:ln>
+        </p:spPr>
+        <p:style>
+          <a:lnRef idx="2">
+            <a:schemeClr val="accent1">
+              <a:shade val="50000"/>
+            </a:schemeClr>
+          </a:lnRef>
+          <a:fillRef idx="1">
+            <a:schemeClr val="accent1"/>
+          </a:fillRef>
+          <a:effectRef idx="0">
+            <a:schemeClr val="accent1"/>
+          </a:effectRef>
+          <a:fontRef idx="minor">
+            <a:schemeClr val="lt1"/>
+          </a:fontRef>
+        </p:style>
+        <p:txBody>
+          <a:bodyPr rtlCol="0" anchor="ctr"/>
+          <a:lstStyle/>
+          <a:p>
+            <a:pPr algn="ctr"/>
+            <a:endParaRPr lang="en-US" dirty="0"/>
+          </a:p>
+        </p:txBody>
+      </p:sp>
+    </p:spTree>
+    <p:extLst>
+      <p:ext uri="{BB962C8B-B14F-4D97-AF65-F5344CB8AC3E}">
+        <p14:creationId xmlns:p14="http://schemas.microsoft.com/office/powerpoint/2010/main" val="2087554167"/>
       </p:ext>
     </p:extLst>
   </p:cSld>
@@ -4820,9 +6096,9 @@
           <p:nvPr/>
         </p:nvSpPr>
         <p:spPr>
-          <a:xfrm rot="20897980">
-            <a:off x="6056861" y="498423"/>
-            <a:ext cx="2506050" cy="831271"/>
+          <a:xfrm rot="900000">
+            <a:off x="6283707" y="1197059"/>
+            <a:ext cx="1965492" cy="831271"/>
           </a:xfrm>
           <a:prstGeom prst="rect">
             <a:avLst/>
@@ -4830,6 +6106,7 @@
           <a:solidFill>
             <a:schemeClr val="bg1">
               <a:lumMod val="85000"/>
+              <a:alpha val="61000"/>
             </a:schemeClr>
           </a:solidFill>
           <a:ln>
@@ -4866,7 +6143,7 @@
                 <a:ea typeface="Silom" charset="-34"/>
                 <a:cs typeface="Silom" charset="-34"/>
               </a:rPr>
-              <a:t>  Leave</a:t>
+              <a:t>  Exit</a:t>
             </a:r>
             <a:endParaRPr lang="en-US" sz="3600" dirty="0">
               <a:solidFill>
@@ -4881,14 +6158,14 @@
       </p:sp>
       <p:sp>
         <p:nvSpPr>
-          <p:cNvPr id="54" name="Rectangle 53"/>
+          <p:cNvPr id="12" name="Rectangle 11"/>
           <p:cNvSpPr/>
           <p:nvPr/>
         </p:nvSpPr>
         <p:spPr>
-          <a:xfrm>
-            <a:off x="928468" y="1867546"/>
-            <a:ext cx="4702578" cy="2605980"/>
+          <a:xfrm rot="20700000">
+            <a:off x="6330237" y="432571"/>
+            <a:ext cx="2134800" cy="831271"/>
           </a:xfrm>
           <a:prstGeom prst="rect">
             <a:avLst/>
@@ -4920,58 +6197,7 @@
           <a:bodyPr rtlCol="0" anchor="ctr"/>
           <a:lstStyle/>
           <a:p>
-            <a:endParaRPr lang="en-US" sz="3600" dirty="0">
-              <a:solidFill>
-                <a:srgbClr val="334864"/>
-              </a:solidFill>
-              <a:latin typeface="Silom" charset="-34"/>
-              <a:ea typeface="Silom" charset="-34"/>
-              <a:cs typeface="Silom" charset="-34"/>
-            </a:endParaRPr>
-          </a:p>
-        </p:txBody>
-      </p:sp>
-      <p:sp>
-        <p:nvSpPr>
-          <p:cNvPr id="13" name="Rectangle 12"/>
-          <p:cNvSpPr/>
-          <p:nvPr/>
-        </p:nvSpPr>
-        <p:spPr>
-          <a:xfrm>
-            <a:off x="605642" y="848207"/>
-            <a:ext cx="4751345" cy="831271"/>
-          </a:xfrm>
-          <a:prstGeom prst="rect">
-            <a:avLst/>
-          </a:prstGeom>
-          <a:solidFill>
-            <a:schemeClr val="bg1"/>
-          </a:solidFill>
-          <a:ln>
-            <a:noFill/>
-          </a:ln>
-        </p:spPr>
-        <p:style>
-          <a:lnRef idx="2">
-            <a:schemeClr val="accent1">
-              <a:shade val="50000"/>
-            </a:schemeClr>
-          </a:lnRef>
-          <a:fillRef idx="1">
-            <a:schemeClr val="accent1"/>
-          </a:fillRef>
-          <a:effectRef idx="0">
-            <a:schemeClr val="accent1"/>
-          </a:effectRef>
-          <a:fontRef idx="minor">
-            <a:schemeClr val="lt1"/>
-          </a:fontRef>
-        </p:style>
-        <p:txBody>
-          <a:bodyPr rtlCol="0" anchor="ctr"/>
-          <a:lstStyle/>
-          <a:p>
+            <a:pPr algn="r"/>
             <a:r>
               <a:rPr lang="en-US" sz="3600" dirty="0" smtClean="0">
                 <a:solidFill>
@@ -4981,7 +6207,7 @@
                 <a:ea typeface="Silom" charset="-34"/>
                 <a:cs typeface="Silom" charset="-34"/>
               </a:rPr>
-              <a:t>Game1</a:t>
+              <a:t>  About</a:t>
             </a:r>
             <a:endParaRPr lang="en-US" sz="3600" dirty="0">
               <a:solidFill>
@@ -4996,6 +6222,69 @@
       </p:sp>
       <p:sp>
         <p:nvSpPr>
+          <p:cNvPr id="13" name="Rectangle 12"/>
+          <p:cNvSpPr/>
+          <p:nvPr/>
+        </p:nvSpPr>
+        <p:spPr>
+          <a:xfrm>
+            <a:off x="605642" y="848207"/>
+            <a:ext cx="4751345" cy="831271"/>
+          </a:xfrm>
+          <a:prstGeom prst="rect">
+            <a:avLst/>
+          </a:prstGeom>
+          <a:solidFill>
+            <a:schemeClr val="bg1"/>
+          </a:solidFill>
+          <a:ln>
+            <a:noFill/>
+          </a:ln>
+        </p:spPr>
+        <p:style>
+          <a:lnRef idx="2">
+            <a:schemeClr val="accent1">
+              <a:shade val="50000"/>
+            </a:schemeClr>
+          </a:lnRef>
+          <a:fillRef idx="1">
+            <a:schemeClr val="accent1"/>
+          </a:fillRef>
+          <a:effectRef idx="0">
+            <a:schemeClr val="accent1"/>
+          </a:effectRef>
+          <a:fontRef idx="minor">
+            <a:schemeClr val="lt1"/>
+          </a:fontRef>
+        </p:style>
+        <p:txBody>
+          <a:bodyPr rtlCol="0" anchor="ctr"/>
+          <a:lstStyle/>
+          <a:p>
+            <a:r>
+              <a:rPr lang="en-US" sz="3600" dirty="0" smtClean="0">
+                <a:solidFill>
+                  <a:srgbClr val="334864"/>
+                </a:solidFill>
+                <a:latin typeface="Silom" charset="-34"/>
+                <a:ea typeface="Silom" charset="-34"/>
+                <a:cs typeface="Silom" charset="-34"/>
+              </a:rPr>
+              <a:t>  Johny Gamer</a:t>
+            </a:r>
+            <a:endParaRPr lang="en-US" sz="3600" dirty="0">
+              <a:solidFill>
+                <a:srgbClr val="334864"/>
+              </a:solidFill>
+              <a:latin typeface="Silom" charset="-34"/>
+              <a:ea typeface="Silom" charset="-34"/>
+              <a:cs typeface="Silom" charset="-34"/>
+            </a:endParaRPr>
+          </a:p>
+        </p:txBody>
+      </p:sp>
+      <p:sp>
+        <p:nvSpPr>
           <p:cNvPr id="11" name="Oval 10"/>
           <p:cNvSpPr/>
           <p:nvPr/>
@@ -5143,6 +6432,51 @@
       </p:sp>
       <p:sp>
         <p:nvSpPr>
+          <p:cNvPr id="28" name="TextBox 27"/>
+          <p:cNvSpPr txBox="1"/>
+          <p:nvPr/>
+        </p:nvSpPr>
+        <p:spPr>
+          <a:xfrm>
+            <a:off x="4579923" y="812509"/>
+            <a:ext cx="2456174" cy="1015663"/>
+          </a:xfrm>
+          <a:prstGeom prst="rect">
+            <a:avLst/>
+          </a:prstGeom>
+          <a:noFill/>
+        </p:spPr>
+        <p:txBody>
+          <a:bodyPr wrap="square" rtlCol="0">
+            <a:spAutoFit/>
+          </a:bodyPr>
+          <a:lstStyle/>
+          <a:p>
+            <a:pPr algn="ctr"/>
+            <a:r>
+              <a:rPr lang="en-US" sz="6000" spc="-300" dirty="0" smtClean="0">
+                <a:solidFill>
+                  <a:srgbClr val="334864"/>
+                </a:solidFill>
+                <a:latin typeface="Silom" charset="-34"/>
+                <a:ea typeface="Silom" charset="-34"/>
+                <a:cs typeface="Silom" charset="-34"/>
+              </a:rPr>
+              <a:t>QUE</a:t>
+            </a:r>
+            <a:endParaRPr lang="en-US" sz="6000" spc="-300" dirty="0">
+              <a:solidFill>
+                <a:srgbClr val="334864"/>
+              </a:solidFill>
+              <a:latin typeface="Silom" charset="-34"/>
+              <a:ea typeface="Silom" charset="-34"/>
+              <a:cs typeface="Silom" charset="-34"/>
+            </a:endParaRPr>
+          </a:p>
+        </p:txBody>
+      </p:sp>
+      <p:sp>
+        <p:nvSpPr>
           <p:cNvPr id="44" name="Oval 43"/>
           <p:cNvSpPr/>
           <p:nvPr/>
@@ -5156,9 +6490,9 @@
             <a:avLst/>
           </a:prstGeom>
           <a:solidFill>
-            <a:srgbClr val="F45348"/>
-          </a:solidFill>
-          <a:ln w="28575">
+            <a:srgbClr val="334864"/>
+          </a:solidFill>
+          <a:ln>
             <a:noFill/>
           </a:ln>
         </p:spPr>
@@ -5183,7 +6517,14 @@
           <a:lstStyle/>
           <a:p>
             <a:pPr algn="ctr"/>
-            <a:endParaRPr lang="en-US" dirty="0"/>
+            <a:endParaRPr lang="en-US" sz="2800" dirty="0">
+              <a:solidFill>
+                <a:srgbClr val="B0B5BF"/>
+              </a:solidFill>
+              <a:latin typeface="Silom" charset="-34"/>
+              <a:ea typeface="Silom" charset="-34"/>
+              <a:cs typeface="Silom" charset="-34"/>
+            </a:endParaRPr>
           </a:p>
         </p:txBody>
       </p:sp>
@@ -5202,9 +6543,9 @@
             <a:avLst/>
           </a:prstGeom>
           <a:solidFill>
-            <a:srgbClr val="00FDFF"/>
-          </a:solidFill>
-          <a:ln w="28575">
+            <a:srgbClr val="334864"/>
+          </a:solidFill>
+          <a:ln>
             <a:noFill/>
           </a:ln>
         </p:spPr>
@@ -5229,7 +6570,14 @@
           <a:lstStyle/>
           <a:p>
             <a:pPr algn="ctr"/>
-            <a:endParaRPr lang="en-US" dirty="0"/>
+            <a:endParaRPr lang="en-US" sz="2800" dirty="0">
+              <a:solidFill>
+                <a:srgbClr val="B0B5BF"/>
+              </a:solidFill>
+              <a:latin typeface="Silom" charset="-34"/>
+              <a:ea typeface="Silom" charset="-34"/>
+              <a:cs typeface="Silom" charset="-34"/>
+            </a:endParaRPr>
           </a:p>
         </p:txBody>
       </p:sp>
@@ -5248,52 +6596,6 @@
             <a:avLst/>
           </a:prstGeom>
           <a:solidFill>
-            <a:srgbClr val="B733E3"/>
-          </a:solidFill>
-          <a:ln w="28575">
-            <a:noFill/>
-          </a:ln>
-        </p:spPr>
-        <p:style>
-          <a:lnRef idx="2">
-            <a:schemeClr val="accent1">
-              <a:shade val="50000"/>
-            </a:schemeClr>
-          </a:lnRef>
-          <a:fillRef idx="1">
-            <a:schemeClr val="accent1"/>
-          </a:fillRef>
-          <a:effectRef idx="0">
-            <a:schemeClr val="accent1"/>
-          </a:effectRef>
-          <a:fontRef idx="minor">
-            <a:schemeClr val="lt1"/>
-          </a:fontRef>
-        </p:style>
-        <p:txBody>
-          <a:bodyPr rtlCol="0" anchor="ctr"/>
-          <a:lstStyle/>
-          <a:p>
-            <a:pPr algn="ctr"/>
-            <a:endParaRPr lang="en-US" dirty="0"/>
-          </a:p>
-        </p:txBody>
-      </p:sp>
-      <p:sp>
-        <p:nvSpPr>
-          <p:cNvPr id="30" name="Triangle 29"/>
-          <p:cNvSpPr/>
-          <p:nvPr/>
-        </p:nvSpPr>
-        <p:spPr>
-          <a:xfrm rot="5400000">
-            <a:off x="5469373" y="914525"/>
-            <a:ext cx="831272" cy="698634"/>
-          </a:xfrm>
-          <a:prstGeom prst="triangle">
-            <a:avLst/>
-          </a:prstGeom>
-          <a:solidFill>
             <a:srgbClr val="334864"/>
           </a:solidFill>
           <a:ln>
@@ -5321,296 +6623,27 @@
           <a:lstStyle/>
           <a:p>
             <a:pPr algn="ctr"/>
-            <a:endParaRPr lang="en-US"/>
-          </a:p>
-        </p:txBody>
-      </p:sp>
-      <p:sp>
-        <p:nvSpPr>
-          <p:cNvPr id="55" name="Oval 54"/>
-          <p:cNvSpPr/>
+            <a:endParaRPr lang="en-US" sz="2800" dirty="0">
+              <a:solidFill>
+                <a:srgbClr val="B0B5BF"/>
+              </a:solidFill>
+              <a:latin typeface="Silom" charset="-34"/>
+              <a:ea typeface="Silom" charset="-34"/>
+              <a:cs typeface="Silom" charset="-34"/>
+            </a:endParaRPr>
+          </a:p>
+        </p:txBody>
+      </p:sp>
+      <p:sp>
+        <p:nvSpPr>
+          <p:cNvPr id="57" name="TextBox 56"/>
+          <p:cNvSpPr txBox="1"/>
           <p:nvPr/>
         </p:nvSpPr>
         <p:spPr>
           <a:xfrm>
-            <a:off x="2332697" y="2242126"/>
-            <a:ext cx="724251" cy="724251"/>
-          </a:xfrm>
-          <a:prstGeom prst="ellipse">
-            <a:avLst/>
-          </a:prstGeom>
-          <a:solidFill>
-            <a:srgbClr val="00B050"/>
-          </a:solidFill>
-          <a:ln w="28575">
-            <a:noFill/>
-          </a:ln>
-        </p:spPr>
-        <p:style>
-          <a:lnRef idx="2">
-            <a:schemeClr val="accent1">
-              <a:shade val="50000"/>
-            </a:schemeClr>
-          </a:lnRef>
-          <a:fillRef idx="1">
-            <a:schemeClr val="accent1"/>
-          </a:fillRef>
-          <a:effectRef idx="0">
-            <a:schemeClr val="accent1"/>
-          </a:effectRef>
-          <a:fontRef idx="minor">
-            <a:schemeClr val="lt1"/>
-          </a:fontRef>
-        </p:style>
-        <p:txBody>
-          <a:bodyPr rtlCol="0" anchor="ctr"/>
-          <a:lstStyle/>
-          <a:p>
-            <a:pPr algn="ctr"/>
-            <a:endParaRPr lang="en-US"/>
-          </a:p>
-        </p:txBody>
-      </p:sp>
-      <p:sp>
-        <p:nvSpPr>
-          <p:cNvPr id="56" name="Oval 55"/>
-          <p:cNvSpPr/>
-          <p:nvPr/>
-        </p:nvSpPr>
-        <p:spPr>
-          <a:xfrm>
-            <a:off x="3155207" y="1981571"/>
-            <a:ext cx="1239932" cy="1239932"/>
-          </a:xfrm>
-          <a:prstGeom prst="ellipse">
-            <a:avLst/>
-          </a:prstGeom>
-          <a:solidFill>
-            <a:srgbClr val="FFC000"/>
-          </a:solidFill>
-          <a:ln w="57150">
-            <a:noFill/>
-          </a:ln>
-        </p:spPr>
-        <p:style>
-          <a:lnRef idx="2">
-            <a:schemeClr val="accent1">
-              <a:shade val="50000"/>
-            </a:schemeClr>
-          </a:lnRef>
-          <a:fillRef idx="1">
-            <a:schemeClr val="accent1"/>
-          </a:fillRef>
-          <a:effectRef idx="0">
-            <a:schemeClr val="accent1"/>
-          </a:effectRef>
-          <a:fontRef idx="minor">
-            <a:schemeClr val="lt1"/>
-          </a:fontRef>
-        </p:style>
-        <p:txBody>
-          <a:bodyPr rtlCol="0" anchor="ctr"/>
-          <a:lstStyle/>
-          <a:p>
-            <a:pPr algn="ctr"/>
-            <a:endParaRPr lang="en-US"/>
-          </a:p>
-        </p:txBody>
-      </p:sp>
-      <p:sp>
-        <p:nvSpPr>
-          <p:cNvPr id="57" name="Oval 56"/>
-          <p:cNvSpPr/>
-          <p:nvPr/>
-        </p:nvSpPr>
-        <p:spPr>
-          <a:xfrm>
-            <a:off x="4493397" y="2235896"/>
-            <a:ext cx="724251" cy="724251"/>
-          </a:xfrm>
-          <a:prstGeom prst="ellipse">
-            <a:avLst/>
-          </a:prstGeom>
-          <a:solidFill>
-            <a:srgbClr val="00B0F0"/>
-          </a:solidFill>
-          <a:ln w="28575">
-            <a:noFill/>
-          </a:ln>
-        </p:spPr>
-        <p:style>
-          <a:lnRef idx="2">
-            <a:schemeClr val="accent1">
-              <a:shade val="50000"/>
-            </a:schemeClr>
-          </a:lnRef>
-          <a:fillRef idx="1">
-            <a:schemeClr val="accent1"/>
-          </a:fillRef>
-          <a:effectRef idx="0">
-            <a:schemeClr val="accent1"/>
-          </a:effectRef>
-          <a:fontRef idx="minor">
-            <a:schemeClr val="lt1"/>
-          </a:fontRef>
-        </p:style>
-        <p:txBody>
-          <a:bodyPr rtlCol="0" anchor="ctr"/>
-          <a:lstStyle/>
-          <a:p>
-            <a:pPr algn="ctr"/>
-            <a:endParaRPr lang="en-US"/>
-          </a:p>
-        </p:txBody>
-      </p:sp>
-      <p:sp>
-        <p:nvSpPr>
-          <p:cNvPr id="58" name="Oval 57"/>
-          <p:cNvSpPr/>
-          <p:nvPr/>
-        </p:nvSpPr>
-        <p:spPr>
-          <a:xfrm>
-            <a:off x="1248051" y="3331471"/>
-            <a:ext cx="724251" cy="724251"/>
-          </a:xfrm>
-          <a:prstGeom prst="ellipse">
-            <a:avLst/>
-          </a:prstGeom>
-          <a:solidFill>
-            <a:srgbClr val="BFBFBF"/>
-          </a:solidFill>
-          <a:ln w="28575">
-            <a:noFill/>
-          </a:ln>
-        </p:spPr>
-        <p:style>
-          <a:lnRef idx="2">
-            <a:schemeClr val="accent1">
-              <a:shade val="50000"/>
-            </a:schemeClr>
-          </a:lnRef>
-          <a:fillRef idx="1">
-            <a:schemeClr val="accent1"/>
-          </a:fillRef>
-          <a:effectRef idx="0">
-            <a:schemeClr val="accent1"/>
-          </a:effectRef>
-          <a:fontRef idx="minor">
-            <a:schemeClr val="lt1"/>
-          </a:fontRef>
-        </p:style>
-        <p:txBody>
-          <a:bodyPr rtlCol="0" anchor="ctr"/>
-          <a:lstStyle/>
-          <a:p>
-            <a:pPr algn="ctr"/>
-            <a:endParaRPr lang="en-US"/>
-          </a:p>
-        </p:txBody>
-      </p:sp>
-      <p:sp>
-        <p:nvSpPr>
-          <p:cNvPr id="59" name="Oval 58"/>
-          <p:cNvSpPr/>
-          <p:nvPr/>
-        </p:nvSpPr>
-        <p:spPr>
-          <a:xfrm>
-            <a:off x="2332697" y="3337701"/>
-            <a:ext cx="724251" cy="724251"/>
-          </a:xfrm>
-          <a:prstGeom prst="ellipse">
-            <a:avLst/>
-          </a:prstGeom>
-          <a:solidFill>
-            <a:srgbClr val="B97C2E"/>
-          </a:solidFill>
-          <a:ln w="28575">
-            <a:noFill/>
-          </a:ln>
-        </p:spPr>
-        <p:style>
-          <a:lnRef idx="2">
-            <a:schemeClr val="accent1">
-              <a:shade val="50000"/>
-            </a:schemeClr>
-          </a:lnRef>
-          <a:fillRef idx="1">
-            <a:schemeClr val="accent1"/>
-          </a:fillRef>
-          <a:effectRef idx="0">
-            <a:schemeClr val="accent1"/>
-          </a:effectRef>
-          <a:fontRef idx="minor">
-            <a:schemeClr val="lt1"/>
-          </a:fontRef>
-        </p:style>
-        <p:txBody>
-          <a:bodyPr rtlCol="0" anchor="ctr"/>
-          <a:lstStyle/>
-          <a:p>
-            <a:pPr algn="ctr"/>
-            <a:endParaRPr lang="en-US"/>
-          </a:p>
-        </p:txBody>
-      </p:sp>
-      <p:sp>
-        <p:nvSpPr>
-          <p:cNvPr id="64" name="Oval 63"/>
-          <p:cNvSpPr/>
-          <p:nvPr/>
-        </p:nvSpPr>
-        <p:spPr>
-          <a:xfrm>
-            <a:off x="7071301" y="5119228"/>
-            <a:ext cx="291320" cy="291320"/>
-          </a:xfrm>
-          <a:prstGeom prst="ellipse">
-            <a:avLst/>
-          </a:prstGeom>
-          <a:solidFill>
-            <a:srgbClr val="FFC000"/>
-          </a:solidFill>
-          <a:ln w="28575">
-            <a:noFill/>
-          </a:ln>
-        </p:spPr>
-        <p:style>
-          <a:lnRef idx="2">
-            <a:schemeClr val="accent1">
-              <a:shade val="50000"/>
-            </a:schemeClr>
-          </a:lnRef>
-          <a:fillRef idx="1">
-            <a:schemeClr val="accent1"/>
-          </a:fillRef>
-          <a:effectRef idx="0">
-            <a:schemeClr val="accent1"/>
-          </a:effectRef>
-          <a:fontRef idx="minor">
-            <a:schemeClr val="lt1"/>
-          </a:fontRef>
-        </p:style>
-        <p:txBody>
-          <a:bodyPr rtlCol="0" anchor="ctr"/>
-          <a:lstStyle/>
-          <a:p>
-            <a:pPr algn="ctr"/>
-            <a:endParaRPr lang="en-US" dirty="0"/>
-          </a:p>
-        </p:txBody>
-      </p:sp>
-      <p:sp>
-        <p:nvSpPr>
-          <p:cNvPr id="65" name="TextBox 64"/>
-          <p:cNvSpPr txBox="1"/>
-          <p:nvPr/>
-        </p:nvSpPr>
-        <p:spPr>
-          <a:xfrm>
-            <a:off x="5849170" y="2129547"/>
-            <a:ext cx="3222496" cy="2103542"/>
+            <a:off x="1001894" y="1852299"/>
+            <a:ext cx="4128245" cy="2103542"/>
           </a:xfrm>
           <a:prstGeom prst="rect">
             <a:avLst/>
@@ -5721,33 +6754,126 @@
               </a:lnSpc>
             </a:pPr>
             <a:r>
-              <a:rPr lang="en-US" sz="2400" dirty="0" smtClean="0">
+              <a:rPr lang="en-US" sz="2000" dirty="0" smtClean="0">
                 <a:solidFill>
                   <a:schemeClr val="bg1"/>
                 </a:solidFill>
               </a:rPr>
-              <a:t>Select the best color </a:t>
+              <a:t>Connecting:                            1/3</a:t>
             </a:r>
-            <a:r>
-              <a:rPr lang="en-US" sz="2400" smtClean="0">
-                <a:solidFill>
-                  <a:schemeClr val="bg1"/>
-                </a:solidFill>
-              </a:rPr>
-              <a:t>before than your friends</a:t>
-            </a:r>
-            <a:endParaRPr lang="en-US" sz="2400" dirty="0">
+          </a:p>
+          <a:p>
+            <a:pPr>
+              <a:lnSpc>
+                <a:spcPct val="150000"/>
+              </a:lnSpc>
+            </a:pPr>
+            <a:endParaRPr lang="en-US" sz="2000" dirty="0" smtClean="0">
               <a:solidFill>
                 <a:schemeClr val="bg1"/>
               </a:solidFill>
             </a:endParaRPr>
           </a:p>
+          <a:p>
+            <a:pPr>
+              <a:lnSpc>
+                <a:spcPct val="150000"/>
+              </a:lnSpc>
+            </a:pPr>
+            <a:r>
+              <a:rPr lang="en-US" sz="2000" dirty="0" smtClean="0">
+                <a:solidFill>
+                  <a:schemeClr val="bg1"/>
+                </a:solidFill>
+              </a:rPr>
+              <a:t>- Connect to Wi-Fi</a:t>
+            </a:r>
+          </a:p>
+          <a:p>
+            <a:pPr>
+              <a:lnSpc>
+                <a:spcPct val="150000"/>
+              </a:lnSpc>
+            </a:pPr>
+            <a:r>
+              <a:rPr lang="en-US" sz="2000" dirty="0" smtClean="0">
+                <a:solidFill>
+                  <a:schemeClr val="bg1"/>
+                </a:solidFill>
+              </a:rPr>
+              <a:t>- Select the game</a:t>
+            </a:r>
+          </a:p>
+        </p:txBody>
+      </p:sp>
+      <p:sp>
+        <p:nvSpPr>
+          <p:cNvPr id="59" name="Rectangle 58"/>
+          <p:cNvSpPr/>
+          <p:nvPr/>
+        </p:nvSpPr>
+        <p:spPr>
+          <a:xfrm>
+            <a:off x="1001894" y="4418650"/>
+            <a:ext cx="1097836" cy="520458"/>
+          </a:xfrm>
+          <a:prstGeom prst="rect">
+            <a:avLst/>
+          </a:prstGeom>
+          <a:solidFill>
+            <a:schemeClr val="bg1"/>
+          </a:solidFill>
+          <a:ln>
+            <a:noFill/>
+          </a:ln>
+        </p:spPr>
+        <p:style>
+          <a:lnRef idx="2">
+            <a:schemeClr val="accent1">
+              <a:shade val="50000"/>
+            </a:schemeClr>
+          </a:lnRef>
+          <a:fillRef idx="1">
+            <a:schemeClr val="accent1"/>
+          </a:fillRef>
+          <a:effectRef idx="0">
+            <a:schemeClr val="accent1"/>
+          </a:effectRef>
+          <a:fontRef idx="minor">
+            <a:schemeClr val="lt1"/>
+          </a:fontRef>
+        </p:style>
+        <p:txBody>
+          <a:bodyPr rtlCol="0" anchor="ctr"/>
+          <a:lstStyle/>
+          <a:p>
+            <a:pPr algn="ctr"/>
+            <a:r>
+              <a:rPr lang="en-US" sz="2400" dirty="0" smtClean="0">
+                <a:solidFill>
+                  <a:srgbClr val="334864"/>
+                </a:solidFill>
+                <a:latin typeface="Silom" charset="-34"/>
+                <a:ea typeface="Silom" charset="-34"/>
+                <a:cs typeface="Silom" charset="-34"/>
+              </a:rPr>
+              <a:t>Next</a:t>
+            </a:r>
+            <a:endParaRPr lang="en-US" sz="2400" dirty="0">
+              <a:solidFill>
+                <a:srgbClr val="334864"/>
+              </a:solidFill>
+              <a:latin typeface="Silom" charset="-34"/>
+              <a:ea typeface="Silom" charset="-34"/>
+              <a:cs typeface="Silom" charset="-34"/>
+            </a:endParaRPr>
+          </a:p>
         </p:txBody>
       </p:sp>
     </p:spTree>
     <p:extLst>
       <p:ext uri="{BB962C8B-B14F-4D97-AF65-F5344CB8AC3E}">
-        <p14:creationId xmlns:p14="http://schemas.microsoft.com/office/powerpoint/2010/main" val="280112177"/>
+        <p14:creationId xmlns:p14="http://schemas.microsoft.com/office/powerpoint/2010/main" val="1099121819"/>
       </p:ext>
     </p:extLst>
   </p:cSld>
@@ -5918,6 +7044,4763 @@
       </p:sp>
       <p:sp>
         <p:nvSpPr>
+          <p:cNvPr id="10" name="Rectangle 9"/>
+          <p:cNvSpPr/>
+          <p:nvPr/>
+        </p:nvSpPr>
+        <p:spPr>
+          <a:xfrm rot="900000">
+            <a:off x="6283707" y="1197059"/>
+            <a:ext cx="1965492" cy="831271"/>
+          </a:xfrm>
+          <a:prstGeom prst="rect">
+            <a:avLst/>
+          </a:prstGeom>
+          <a:solidFill>
+            <a:schemeClr val="bg1">
+              <a:lumMod val="85000"/>
+              <a:alpha val="61000"/>
+            </a:schemeClr>
+          </a:solidFill>
+          <a:ln>
+            <a:noFill/>
+          </a:ln>
+        </p:spPr>
+        <p:style>
+          <a:lnRef idx="2">
+            <a:schemeClr val="accent1">
+              <a:shade val="50000"/>
+            </a:schemeClr>
+          </a:lnRef>
+          <a:fillRef idx="1">
+            <a:schemeClr val="accent1"/>
+          </a:fillRef>
+          <a:effectRef idx="0">
+            <a:schemeClr val="accent1"/>
+          </a:effectRef>
+          <a:fontRef idx="minor">
+            <a:schemeClr val="lt1"/>
+          </a:fontRef>
+        </p:style>
+        <p:txBody>
+          <a:bodyPr rtlCol="0" anchor="ctr"/>
+          <a:lstStyle/>
+          <a:p>
+            <a:pPr algn="r"/>
+            <a:r>
+              <a:rPr lang="en-US" sz="3600" dirty="0" smtClean="0">
+                <a:solidFill>
+                  <a:srgbClr val="334864"/>
+                </a:solidFill>
+                <a:latin typeface="Silom" charset="-34"/>
+                <a:ea typeface="Silom" charset="-34"/>
+                <a:cs typeface="Silom" charset="-34"/>
+              </a:rPr>
+              <a:t>  Exit</a:t>
+            </a:r>
+            <a:endParaRPr lang="en-US" sz="3600" dirty="0">
+              <a:solidFill>
+                <a:srgbClr val="334864"/>
+              </a:solidFill>
+              <a:latin typeface="Silom" charset="-34"/>
+              <a:ea typeface="Silom" charset="-34"/>
+              <a:cs typeface="Silom" charset="-34"/>
+            </a:endParaRPr>
+          </a:p>
+        </p:txBody>
+      </p:sp>
+      <p:sp>
+        <p:nvSpPr>
+          <p:cNvPr id="12" name="Rectangle 11"/>
+          <p:cNvSpPr/>
+          <p:nvPr/>
+        </p:nvSpPr>
+        <p:spPr>
+          <a:xfrm rot="20700000">
+            <a:off x="6330237" y="432571"/>
+            <a:ext cx="2134800" cy="831271"/>
+          </a:xfrm>
+          <a:prstGeom prst="rect">
+            <a:avLst/>
+          </a:prstGeom>
+          <a:solidFill>
+            <a:schemeClr val="bg1"/>
+          </a:solidFill>
+          <a:ln>
+            <a:noFill/>
+          </a:ln>
+        </p:spPr>
+        <p:style>
+          <a:lnRef idx="2">
+            <a:schemeClr val="accent1">
+              <a:shade val="50000"/>
+            </a:schemeClr>
+          </a:lnRef>
+          <a:fillRef idx="1">
+            <a:schemeClr val="accent1"/>
+          </a:fillRef>
+          <a:effectRef idx="0">
+            <a:schemeClr val="accent1"/>
+          </a:effectRef>
+          <a:fontRef idx="minor">
+            <a:schemeClr val="lt1"/>
+          </a:fontRef>
+        </p:style>
+        <p:txBody>
+          <a:bodyPr rtlCol="0" anchor="ctr"/>
+          <a:lstStyle/>
+          <a:p>
+            <a:pPr algn="r"/>
+            <a:r>
+              <a:rPr lang="en-US" sz="3600" dirty="0" smtClean="0">
+                <a:solidFill>
+                  <a:srgbClr val="334864"/>
+                </a:solidFill>
+                <a:latin typeface="Silom" charset="-34"/>
+                <a:ea typeface="Silom" charset="-34"/>
+                <a:cs typeface="Silom" charset="-34"/>
+              </a:rPr>
+              <a:t>  About</a:t>
+            </a:r>
+            <a:endParaRPr lang="en-US" sz="3600" dirty="0">
+              <a:solidFill>
+                <a:srgbClr val="334864"/>
+              </a:solidFill>
+              <a:latin typeface="Silom" charset="-34"/>
+              <a:ea typeface="Silom" charset="-34"/>
+              <a:cs typeface="Silom" charset="-34"/>
+            </a:endParaRPr>
+          </a:p>
+        </p:txBody>
+      </p:sp>
+      <p:sp>
+        <p:nvSpPr>
+          <p:cNvPr id="13" name="Rectangle 12"/>
+          <p:cNvSpPr/>
+          <p:nvPr/>
+        </p:nvSpPr>
+        <p:spPr>
+          <a:xfrm>
+            <a:off x="605642" y="848207"/>
+            <a:ext cx="4751345" cy="831271"/>
+          </a:xfrm>
+          <a:prstGeom prst="rect">
+            <a:avLst/>
+          </a:prstGeom>
+          <a:solidFill>
+            <a:schemeClr val="bg1"/>
+          </a:solidFill>
+          <a:ln>
+            <a:noFill/>
+          </a:ln>
+        </p:spPr>
+        <p:style>
+          <a:lnRef idx="2">
+            <a:schemeClr val="accent1">
+              <a:shade val="50000"/>
+            </a:schemeClr>
+          </a:lnRef>
+          <a:fillRef idx="1">
+            <a:schemeClr val="accent1"/>
+          </a:fillRef>
+          <a:effectRef idx="0">
+            <a:schemeClr val="accent1"/>
+          </a:effectRef>
+          <a:fontRef idx="minor">
+            <a:schemeClr val="lt1"/>
+          </a:fontRef>
+        </p:style>
+        <p:txBody>
+          <a:bodyPr rtlCol="0" anchor="ctr"/>
+          <a:lstStyle/>
+          <a:p>
+            <a:r>
+              <a:rPr lang="en-US" sz="3600" dirty="0" smtClean="0">
+                <a:solidFill>
+                  <a:srgbClr val="334864"/>
+                </a:solidFill>
+                <a:latin typeface="Silom" charset="-34"/>
+                <a:ea typeface="Silom" charset="-34"/>
+                <a:cs typeface="Silom" charset="-34"/>
+              </a:rPr>
+              <a:t>  Johny Gamer</a:t>
+            </a:r>
+            <a:endParaRPr lang="en-US" sz="3600" dirty="0">
+              <a:solidFill>
+                <a:srgbClr val="334864"/>
+              </a:solidFill>
+              <a:latin typeface="Silom" charset="-34"/>
+              <a:ea typeface="Silom" charset="-34"/>
+              <a:cs typeface="Silom" charset="-34"/>
+            </a:endParaRPr>
+          </a:p>
+        </p:txBody>
+      </p:sp>
+      <p:sp>
+        <p:nvSpPr>
+          <p:cNvPr id="11" name="Oval 10"/>
+          <p:cNvSpPr/>
+          <p:nvPr/>
+        </p:nvSpPr>
+        <p:spPr>
+          <a:xfrm>
+            <a:off x="4855523" y="283386"/>
+            <a:ext cx="1960914" cy="1960914"/>
+          </a:xfrm>
+          <a:prstGeom prst="ellipse">
+            <a:avLst/>
+          </a:prstGeom>
+          <a:solidFill>
+            <a:srgbClr val="334864"/>
+          </a:solidFill>
+          <a:ln>
+            <a:noFill/>
+          </a:ln>
+        </p:spPr>
+        <p:style>
+          <a:lnRef idx="2">
+            <a:schemeClr val="accent1">
+              <a:shade val="50000"/>
+            </a:schemeClr>
+          </a:lnRef>
+          <a:fillRef idx="1">
+            <a:schemeClr val="accent1"/>
+          </a:fillRef>
+          <a:effectRef idx="0">
+            <a:schemeClr val="accent1"/>
+          </a:effectRef>
+          <a:fontRef idx="minor">
+            <a:schemeClr val="lt1"/>
+          </a:fontRef>
+        </p:style>
+        <p:txBody>
+          <a:bodyPr rtlCol="0" anchor="ctr"/>
+          <a:lstStyle/>
+          <a:p>
+            <a:pPr algn="ctr"/>
+            <a:endParaRPr lang="en-US"/>
+          </a:p>
+        </p:txBody>
+      </p:sp>
+      <p:sp>
+        <p:nvSpPr>
+          <p:cNvPr id="9" name="Oval 8"/>
+          <p:cNvSpPr/>
+          <p:nvPr/>
+        </p:nvSpPr>
+        <p:spPr>
+          <a:xfrm>
+            <a:off x="5070765" y="498626"/>
+            <a:ext cx="1531917" cy="1531917"/>
+          </a:xfrm>
+          <a:prstGeom prst="ellipse">
+            <a:avLst/>
+          </a:prstGeom>
+          <a:solidFill>
+            <a:schemeClr val="bg1"/>
+          </a:solidFill>
+          <a:ln>
+            <a:noFill/>
+          </a:ln>
+        </p:spPr>
+        <p:style>
+          <a:lnRef idx="2">
+            <a:schemeClr val="accent1">
+              <a:shade val="50000"/>
+            </a:schemeClr>
+          </a:lnRef>
+          <a:fillRef idx="1">
+            <a:schemeClr val="accent1"/>
+          </a:fillRef>
+          <a:effectRef idx="0">
+            <a:schemeClr val="accent1"/>
+          </a:effectRef>
+          <a:fontRef idx="minor">
+            <a:schemeClr val="lt1"/>
+          </a:fontRef>
+        </p:style>
+        <p:txBody>
+          <a:bodyPr rtlCol="0" anchor="ctr"/>
+          <a:lstStyle/>
+          <a:p>
+            <a:pPr algn="ctr"/>
+            <a:endParaRPr lang="en-US" sz="2800" dirty="0">
+              <a:solidFill>
+                <a:srgbClr val="B0B5BF"/>
+              </a:solidFill>
+              <a:latin typeface="Silom" charset="-34"/>
+              <a:ea typeface="Silom" charset="-34"/>
+              <a:cs typeface="Silom" charset="-34"/>
+            </a:endParaRPr>
+          </a:p>
+        </p:txBody>
+      </p:sp>
+      <p:sp>
+        <p:nvSpPr>
+          <p:cNvPr id="23" name="Triangle 22"/>
+          <p:cNvSpPr/>
+          <p:nvPr/>
+        </p:nvSpPr>
+        <p:spPr>
+          <a:xfrm rot="10800000">
+            <a:off x="0" y="-1"/>
+            <a:ext cx="5130140" cy="469491"/>
+          </a:xfrm>
+          <a:prstGeom prst="triangle">
+            <a:avLst>
+              <a:gd name="adj" fmla="val 100000"/>
+            </a:avLst>
+          </a:prstGeom>
+          <a:solidFill>
+            <a:schemeClr val="bg1"/>
+          </a:solidFill>
+          <a:ln>
+            <a:noFill/>
+          </a:ln>
+        </p:spPr>
+        <p:style>
+          <a:lnRef idx="2">
+            <a:schemeClr val="accent1">
+              <a:shade val="50000"/>
+            </a:schemeClr>
+          </a:lnRef>
+          <a:fillRef idx="1">
+            <a:schemeClr val="accent1"/>
+          </a:fillRef>
+          <a:effectRef idx="0">
+            <a:schemeClr val="accent1"/>
+          </a:effectRef>
+          <a:fontRef idx="minor">
+            <a:schemeClr val="lt1"/>
+          </a:fontRef>
+        </p:style>
+        <p:txBody>
+          <a:bodyPr rtlCol="0" anchor="ctr"/>
+          <a:lstStyle/>
+          <a:p>
+            <a:pPr algn="ctr"/>
+            <a:endParaRPr lang="en-US"/>
+          </a:p>
+        </p:txBody>
+      </p:sp>
+      <p:sp>
+        <p:nvSpPr>
+          <p:cNvPr id="28" name="TextBox 27"/>
+          <p:cNvSpPr txBox="1"/>
+          <p:nvPr/>
+        </p:nvSpPr>
+        <p:spPr>
+          <a:xfrm>
+            <a:off x="4579923" y="812509"/>
+            <a:ext cx="2456174" cy="1015663"/>
+          </a:xfrm>
+          <a:prstGeom prst="rect">
+            <a:avLst/>
+          </a:prstGeom>
+          <a:noFill/>
+        </p:spPr>
+        <p:txBody>
+          <a:bodyPr wrap="square" rtlCol="0">
+            <a:spAutoFit/>
+          </a:bodyPr>
+          <a:lstStyle/>
+          <a:p>
+            <a:pPr algn="ctr"/>
+            <a:r>
+              <a:rPr lang="en-US" sz="6000" spc="-300" dirty="0" smtClean="0">
+                <a:solidFill>
+                  <a:srgbClr val="334864"/>
+                </a:solidFill>
+                <a:latin typeface="Silom" charset="-34"/>
+                <a:ea typeface="Silom" charset="-34"/>
+                <a:cs typeface="Silom" charset="-34"/>
+              </a:rPr>
+              <a:t>QUE</a:t>
+            </a:r>
+            <a:endParaRPr lang="en-US" sz="6000" spc="-300" dirty="0">
+              <a:solidFill>
+                <a:srgbClr val="334864"/>
+              </a:solidFill>
+              <a:latin typeface="Silom" charset="-34"/>
+              <a:ea typeface="Silom" charset="-34"/>
+              <a:cs typeface="Silom" charset="-34"/>
+            </a:endParaRPr>
+          </a:p>
+        </p:txBody>
+      </p:sp>
+      <p:sp>
+        <p:nvSpPr>
+          <p:cNvPr id="44" name="Oval 43"/>
+          <p:cNvSpPr/>
+          <p:nvPr/>
+        </p:nvSpPr>
+        <p:spPr>
+          <a:xfrm>
+            <a:off x="8377915" y="5119228"/>
+            <a:ext cx="291320" cy="291320"/>
+          </a:xfrm>
+          <a:prstGeom prst="ellipse">
+            <a:avLst/>
+          </a:prstGeom>
+          <a:solidFill>
+            <a:srgbClr val="334864"/>
+          </a:solidFill>
+          <a:ln>
+            <a:noFill/>
+          </a:ln>
+        </p:spPr>
+        <p:style>
+          <a:lnRef idx="2">
+            <a:schemeClr val="accent1">
+              <a:shade val="50000"/>
+            </a:schemeClr>
+          </a:lnRef>
+          <a:fillRef idx="1">
+            <a:schemeClr val="accent1"/>
+          </a:fillRef>
+          <a:effectRef idx="0">
+            <a:schemeClr val="accent1"/>
+          </a:effectRef>
+          <a:fontRef idx="minor">
+            <a:schemeClr val="lt1"/>
+          </a:fontRef>
+        </p:style>
+        <p:txBody>
+          <a:bodyPr rtlCol="0" anchor="ctr"/>
+          <a:lstStyle/>
+          <a:p>
+            <a:pPr algn="ctr"/>
+            <a:endParaRPr lang="en-US" sz="2800" dirty="0">
+              <a:solidFill>
+                <a:srgbClr val="B0B5BF"/>
+              </a:solidFill>
+              <a:latin typeface="Silom" charset="-34"/>
+              <a:ea typeface="Silom" charset="-34"/>
+              <a:cs typeface="Silom" charset="-34"/>
+            </a:endParaRPr>
+          </a:p>
+        </p:txBody>
+      </p:sp>
+      <p:sp>
+        <p:nvSpPr>
+          <p:cNvPr id="45" name="Oval 44"/>
+          <p:cNvSpPr/>
+          <p:nvPr/>
+        </p:nvSpPr>
+        <p:spPr>
+          <a:xfrm>
+            <a:off x="7942377" y="5119228"/>
+            <a:ext cx="291320" cy="291320"/>
+          </a:xfrm>
+          <a:prstGeom prst="ellipse">
+            <a:avLst/>
+          </a:prstGeom>
+          <a:solidFill>
+            <a:srgbClr val="334864"/>
+          </a:solidFill>
+          <a:ln>
+            <a:noFill/>
+          </a:ln>
+        </p:spPr>
+        <p:style>
+          <a:lnRef idx="2">
+            <a:schemeClr val="accent1">
+              <a:shade val="50000"/>
+            </a:schemeClr>
+          </a:lnRef>
+          <a:fillRef idx="1">
+            <a:schemeClr val="accent1"/>
+          </a:fillRef>
+          <a:effectRef idx="0">
+            <a:schemeClr val="accent1"/>
+          </a:effectRef>
+          <a:fontRef idx="minor">
+            <a:schemeClr val="lt1"/>
+          </a:fontRef>
+        </p:style>
+        <p:txBody>
+          <a:bodyPr rtlCol="0" anchor="ctr"/>
+          <a:lstStyle/>
+          <a:p>
+            <a:pPr algn="ctr"/>
+            <a:endParaRPr lang="en-US" sz="2800" dirty="0">
+              <a:solidFill>
+                <a:srgbClr val="B0B5BF"/>
+              </a:solidFill>
+              <a:latin typeface="Silom" charset="-34"/>
+              <a:ea typeface="Silom" charset="-34"/>
+              <a:cs typeface="Silom" charset="-34"/>
+            </a:endParaRPr>
+          </a:p>
+        </p:txBody>
+      </p:sp>
+      <p:sp>
+        <p:nvSpPr>
+          <p:cNvPr id="46" name="Oval 45"/>
+          <p:cNvSpPr/>
+          <p:nvPr/>
+        </p:nvSpPr>
+        <p:spPr>
+          <a:xfrm>
+            <a:off x="7506839" y="5119228"/>
+            <a:ext cx="291320" cy="291320"/>
+          </a:xfrm>
+          <a:prstGeom prst="ellipse">
+            <a:avLst/>
+          </a:prstGeom>
+          <a:solidFill>
+            <a:srgbClr val="334864"/>
+          </a:solidFill>
+          <a:ln>
+            <a:noFill/>
+          </a:ln>
+        </p:spPr>
+        <p:style>
+          <a:lnRef idx="2">
+            <a:schemeClr val="accent1">
+              <a:shade val="50000"/>
+            </a:schemeClr>
+          </a:lnRef>
+          <a:fillRef idx="1">
+            <a:schemeClr val="accent1"/>
+          </a:fillRef>
+          <a:effectRef idx="0">
+            <a:schemeClr val="accent1"/>
+          </a:effectRef>
+          <a:fontRef idx="minor">
+            <a:schemeClr val="lt1"/>
+          </a:fontRef>
+        </p:style>
+        <p:txBody>
+          <a:bodyPr rtlCol="0" anchor="ctr"/>
+          <a:lstStyle/>
+          <a:p>
+            <a:pPr algn="ctr"/>
+            <a:endParaRPr lang="en-US" sz="2800" dirty="0">
+              <a:solidFill>
+                <a:srgbClr val="B0B5BF"/>
+              </a:solidFill>
+              <a:latin typeface="Silom" charset="-34"/>
+              <a:ea typeface="Silom" charset="-34"/>
+              <a:cs typeface="Silom" charset="-34"/>
+            </a:endParaRPr>
+          </a:p>
+        </p:txBody>
+      </p:sp>
+      <p:sp>
+        <p:nvSpPr>
+          <p:cNvPr id="20" name="TextBox 19"/>
+          <p:cNvSpPr txBox="1"/>
+          <p:nvPr/>
+        </p:nvSpPr>
+        <p:spPr>
+          <a:xfrm>
+            <a:off x="1001895" y="1852299"/>
+            <a:ext cx="4739148" cy="2103542"/>
+          </a:xfrm>
+          <a:prstGeom prst="rect">
+            <a:avLst/>
+          </a:prstGeom>
+          <a:noFill/>
+          <a:ln>
+            <a:noFill/>
+          </a:ln>
+        </p:spPr>
+        <p:style>
+          <a:lnRef idx="2">
+            <a:schemeClr val="accent1">
+              <a:shade val="50000"/>
+            </a:schemeClr>
+          </a:lnRef>
+          <a:fillRef idx="1">
+            <a:schemeClr val="accent1"/>
+          </a:fillRef>
+          <a:effectRef idx="0">
+            <a:schemeClr val="accent1"/>
+          </a:effectRef>
+          <a:fontRef idx="minor">
+            <a:schemeClr val="lt1"/>
+          </a:fontRef>
+        </p:style>
+        <p:txBody>
+          <a:bodyPr rot="0" spcFirstLastPara="0" vertOverflow="overflow" horzOverflow="overflow" vert="horz" wrap="square" lIns="91440" tIns="45720" rIns="91440" bIns="45720" numCol="1" spcCol="0" rtlCol="0" fromWordArt="0" anchor="ctr" anchorCtr="0" forceAA="0" compatLnSpc="1">
+            <a:prstTxWarp prst="textNoShape">
+              <a:avLst/>
+            </a:prstTxWarp>
+            <a:noAutofit/>
+          </a:bodyPr>
+          <a:lstStyle>
+            <a:defPPr>
+              <a:defRPr lang="en-US"/>
+            </a:defPPr>
+            <a:lvl1pPr>
+              <a:defRPr sz="3600">
+                <a:solidFill>
+                  <a:srgbClr val="334864"/>
+                </a:solidFill>
+                <a:latin typeface="Silom" charset="-34"/>
+                <a:ea typeface="Silom" charset="-34"/>
+                <a:cs typeface="Silom" charset="-34"/>
+              </a:defRPr>
+            </a:lvl1pPr>
+            <a:lvl2pPr>
+              <a:defRPr>
+                <a:solidFill>
+                  <a:schemeClr val="lt1"/>
+                </a:solidFill>
+              </a:defRPr>
+            </a:lvl2pPr>
+            <a:lvl3pPr>
+              <a:defRPr>
+                <a:solidFill>
+                  <a:schemeClr val="lt1"/>
+                </a:solidFill>
+              </a:defRPr>
+            </a:lvl3pPr>
+            <a:lvl4pPr>
+              <a:defRPr>
+                <a:solidFill>
+                  <a:schemeClr val="lt1"/>
+                </a:solidFill>
+              </a:defRPr>
+            </a:lvl4pPr>
+            <a:lvl5pPr>
+              <a:defRPr>
+                <a:solidFill>
+                  <a:schemeClr val="lt1"/>
+                </a:solidFill>
+              </a:defRPr>
+            </a:lvl5pPr>
+            <a:lvl6pPr>
+              <a:defRPr>
+                <a:solidFill>
+                  <a:schemeClr val="lt1"/>
+                </a:solidFill>
+              </a:defRPr>
+            </a:lvl6pPr>
+            <a:lvl7pPr>
+              <a:defRPr>
+                <a:solidFill>
+                  <a:schemeClr val="lt1"/>
+                </a:solidFill>
+              </a:defRPr>
+            </a:lvl7pPr>
+            <a:lvl8pPr>
+              <a:defRPr>
+                <a:solidFill>
+                  <a:schemeClr val="lt1"/>
+                </a:solidFill>
+              </a:defRPr>
+            </a:lvl8pPr>
+            <a:lvl9pPr>
+              <a:defRPr>
+                <a:solidFill>
+                  <a:schemeClr val="lt1"/>
+                </a:solidFill>
+              </a:defRPr>
+            </a:lvl9pPr>
+          </a:lstStyle>
+          <a:p>
+            <a:pPr>
+              <a:lnSpc>
+                <a:spcPct val="150000"/>
+              </a:lnSpc>
+            </a:pPr>
+            <a:r>
+              <a:rPr lang="en-US" sz="2000" dirty="0" smtClean="0">
+                <a:solidFill>
+                  <a:schemeClr val="bg1"/>
+                </a:solidFill>
+              </a:rPr>
+              <a:t>Before game:                         2/3</a:t>
+            </a:r>
+          </a:p>
+          <a:p>
+            <a:pPr>
+              <a:lnSpc>
+                <a:spcPct val="150000"/>
+              </a:lnSpc>
+            </a:pPr>
+            <a:endParaRPr lang="en-US" sz="2000" dirty="0" smtClean="0">
+              <a:solidFill>
+                <a:schemeClr val="bg1"/>
+              </a:solidFill>
+            </a:endParaRPr>
+          </a:p>
+          <a:p>
+            <a:pPr>
+              <a:lnSpc>
+                <a:spcPct val="150000"/>
+              </a:lnSpc>
+            </a:pPr>
+            <a:r>
+              <a:rPr lang="en-US" sz="2000" dirty="0" smtClean="0">
+                <a:solidFill>
+                  <a:schemeClr val="bg1"/>
+                </a:solidFill>
+              </a:rPr>
+              <a:t>- Select the color</a:t>
+            </a:r>
+          </a:p>
+          <a:p>
+            <a:pPr>
+              <a:lnSpc>
+                <a:spcPct val="150000"/>
+              </a:lnSpc>
+            </a:pPr>
+            <a:r>
+              <a:rPr lang="en-US" sz="2000" dirty="0" smtClean="0">
+                <a:solidFill>
+                  <a:schemeClr val="bg1"/>
+                </a:solidFill>
+              </a:rPr>
+              <a:t>- Click        when you are ready</a:t>
+            </a:r>
+          </a:p>
+        </p:txBody>
+      </p:sp>
+      <p:grpSp>
+        <p:nvGrpSpPr>
+          <p:cNvPr id="16" name="Group 15"/>
+          <p:cNvGrpSpPr/>
+          <p:nvPr/>
+        </p:nvGrpSpPr>
+        <p:grpSpPr>
+          <a:xfrm>
+            <a:off x="2088388" y="3481913"/>
+            <a:ext cx="281025" cy="281025"/>
+            <a:chOff x="5223165" y="651026"/>
+            <a:chExt cx="1531917" cy="1531917"/>
+          </a:xfrm>
+        </p:grpSpPr>
+        <p:sp>
+          <p:nvSpPr>
+            <p:cNvPr id="17" name="Oval 16"/>
+            <p:cNvSpPr/>
+            <p:nvPr/>
+          </p:nvSpPr>
+          <p:spPr>
+            <a:xfrm>
+              <a:off x="5223165" y="651026"/>
+              <a:ext cx="1531917" cy="1531917"/>
+            </a:xfrm>
+            <a:prstGeom prst="ellipse">
+              <a:avLst/>
+            </a:prstGeom>
+            <a:solidFill>
+              <a:schemeClr val="bg1"/>
+            </a:solidFill>
+            <a:ln>
+              <a:noFill/>
+            </a:ln>
+          </p:spPr>
+          <p:style>
+            <a:lnRef idx="2">
+              <a:schemeClr val="accent1">
+                <a:shade val="50000"/>
+              </a:schemeClr>
+            </a:lnRef>
+            <a:fillRef idx="1">
+              <a:schemeClr val="accent1"/>
+            </a:fillRef>
+            <a:effectRef idx="0">
+              <a:schemeClr val="accent1"/>
+            </a:effectRef>
+            <a:fontRef idx="minor">
+              <a:schemeClr val="lt1"/>
+            </a:fontRef>
+          </p:style>
+          <p:txBody>
+            <a:bodyPr rtlCol="0" anchor="ctr"/>
+            <a:lstStyle/>
+            <a:p>
+              <a:pPr algn="ctr"/>
+              <a:endParaRPr lang="en-US" sz="2800" dirty="0">
+                <a:solidFill>
+                  <a:srgbClr val="B0B5BF"/>
+                </a:solidFill>
+                <a:latin typeface="Silom" charset="-34"/>
+                <a:ea typeface="Silom" charset="-34"/>
+                <a:cs typeface="Silom" charset="-34"/>
+              </a:endParaRPr>
+            </a:p>
+          </p:txBody>
+        </p:sp>
+        <p:sp>
+          <p:nvSpPr>
+            <p:cNvPr id="18" name="Triangle 17"/>
+            <p:cNvSpPr/>
+            <p:nvPr/>
+          </p:nvSpPr>
+          <p:spPr>
+            <a:xfrm rot="5400000">
+              <a:off x="5621773" y="1066925"/>
+              <a:ext cx="831272" cy="698634"/>
+            </a:xfrm>
+            <a:prstGeom prst="triangle">
+              <a:avLst/>
+            </a:prstGeom>
+            <a:solidFill>
+              <a:srgbClr val="334864"/>
+            </a:solidFill>
+            <a:ln>
+              <a:noFill/>
+            </a:ln>
+          </p:spPr>
+          <p:style>
+            <a:lnRef idx="2">
+              <a:schemeClr val="accent1">
+                <a:shade val="50000"/>
+              </a:schemeClr>
+            </a:lnRef>
+            <a:fillRef idx="1">
+              <a:schemeClr val="accent1"/>
+            </a:fillRef>
+            <a:effectRef idx="0">
+              <a:schemeClr val="accent1"/>
+            </a:effectRef>
+            <a:fontRef idx="minor">
+              <a:schemeClr val="lt1"/>
+            </a:fontRef>
+          </p:style>
+          <p:txBody>
+            <a:bodyPr rtlCol="0" anchor="ctr"/>
+            <a:lstStyle/>
+            <a:p>
+              <a:pPr algn="ctr"/>
+              <a:endParaRPr lang="en-US"/>
+            </a:p>
+          </p:txBody>
+        </p:sp>
+      </p:grpSp>
+      <p:sp>
+        <p:nvSpPr>
+          <p:cNvPr id="22" name="Rectangle 21"/>
+          <p:cNvSpPr/>
+          <p:nvPr/>
+        </p:nvSpPr>
+        <p:spPr>
+          <a:xfrm>
+            <a:off x="1001894" y="4418650"/>
+            <a:ext cx="1097836" cy="520458"/>
+          </a:xfrm>
+          <a:prstGeom prst="rect">
+            <a:avLst/>
+          </a:prstGeom>
+          <a:solidFill>
+            <a:schemeClr val="bg1"/>
+          </a:solidFill>
+          <a:ln>
+            <a:noFill/>
+          </a:ln>
+        </p:spPr>
+        <p:style>
+          <a:lnRef idx="2">
+            <a:schemeClr val="accent1">
+              <a:shade val="50000"/>
+            </a:schemeClr>
+          </a:lnRef>
+          <a:fillRef idx="1">
+            <a:schemeClr val="accent1"/>
+          </a:fillRef>
+          <a:effectRef idx="0">
+            <a:schemeClr val="accent1"/>
+          </a:effectRef>
+          <a:fontRef idx="minor">
+            <a:schemeClr val="lt1"/>
+          </a:fontRef>
+        </p:style>
+        <p:txBody>
+          <a:bodyPr rtlCol="0" anchor="ctr"/>
+          <a:lstStyle/>
+          <a:p>
+            <a:pPr algn="ctr"/>
+            <a:r>
+              <a:rPr lang="en-US" sz="2400" dirty="0" smtClean="0">
+                <a:solidFill>
+                  <a:srgbClr val="334864"/>
+                </a:solidFill>
+                <a:latin typeface="Silom" charset="-34"/>
+                <a:ea typeface="Silom" charset="-34"/>
+                <a:cs typeface="Silom" charset="-34"/>
+              </a:rPr>
+              <a:t>Next</a:t>
+            </a:r>
+            <a:endParaRPr lang="en-US" sz="2400" dirty="0">
+              <a:solidFill>
+                <a:srgbClr val="334864"/>
+              </a:solidFill>
+              <a:latin typeface="Silom" charset="-34"/>
+              <a:ea typeface="Silom" charset="-34"/>
+              <a:cs typeface="Silom" charset="-34"/>
+            </a:endParaRPr>
+          </a:p>
+        </p:txBody>
+      </p:sp>
+    </p:spTree>
+    <p:extLst>
+      <p:ext uri="{BB962C8B-B14F-4D97-AF65-F5344CB8AC3E}">
+        <p14:creationId xmlns:p14="http://schemas.microsoft.com/office/powerpoint/2010/main" val="1135213067"/>
+      </p:ext>
+    </p:extLst>
+  </p:cSld>
+  <p:clrMapOvr>
+    <a:masterClrMapping/>
+  </p:clrMapOvr>
+  <p:timing>
+    <p:tnLst>
+      <p:par>
+        <p:cTn id="1" dur="indefinite" restart="never" nodeType="tmRoot"/>
+      </p:par>
+    </p:tnLst>
+  </p:timing>
+</p:sld>
+</file>
+
+<file path=ppt/slides/slide4.xml><?xml version="1.0" encoding="utf-8"?>
+<p:sld xmlns:a="http://schemas.openxmlformats.org/drawingml/2006/main" xmlns:r="http://schemas.openxmlformats.org/officeDocument/2006/relationships" xmlns:p="http://schemas.openxmlformats.org/presentationml/2006/main">
+  <p:cSld>
+    <p:bg>
+      <p:bgPr>
+        <a:solidFill>
+          <a:srgbClr val="334864"/>
+        </a:solidFill>
+        <a:effectLst/>
+      </p:bgPr>
+    </p:bg>
+    <p:spTree>
+      <p:nvGrpSpPr>
+        <p:cNvPr id="1" name=""/>
+        <p:cNvGrpSpPr/>
+        <p:nvPr/>
+      </p:nvGrpSpPr>
+      <p:grpSpPr>
+        <a:xfrm>
+          <a:off x="0" y="0"/>
+          <a:ext cx="0" cy="0"/>
+          <a:chOff x="0" y="0"/>
+          <a:chExt cx="0" cy="0"/>
+        </a:xfrm>
+      </p:grpSpPr>
+      <p:sp>
+        <p:nvSpPr>
+          <p:cNvPr id="21" name="Freeform 20"/>
+          <p:cNvSpPr/>
+          <p:nvPr/>
+        </p:nvSpPr>
+        <p:spPr>
+          <a:xfrm rot="16200000" flipH="1">
+            <a:off x="4054936" y="625293"/>
+            <a:ext cx="1035481" cy="9142655"/>
+          </a:xfrm>
+          <a:custGeom>
+            <a:avLst/>
+            <a:gdLst>
+              <a:gd name="connsiteX0" fmla="*/ 0 w 4488873"/>
+              <a:gd name="connsiteY0" fmla="*/ 4156364 h 4156364"/>
+              <a:gd name="connsiteX1" fmla="*/ 4488873 w 4488873"/>
+              <a:gd name="connsiteY1" fmla="*/ 4156364 h 4156364"/>
+              <a:gd name="connsiteX2" fmla="*/ 4488873 w 4488873"/>
+              <a:gd name="connsiteY2" fmla="*/ 3895106 h 4156364"/>
+              <a:gd name="connsiteX3" fmla="*/ 4488873 w 4488873"/>
+              <a:gd name="connsiteY3" fmla="*/ 0 h 4156364"/>
+              <a:gd name="connsiteX4" fmla="*/ 4370119 w 4488873"/>
+              <a:gd name="connsiteY4" fmla="*/ 0 h 4156364"/>
+              <a:gd name="connsiteX5" fmla="*/ 1876301 w 4488873"/>
+              <a:gd name="connsiteY5" fmla="*/ 0 h 4156364"/>
+              <a:gd name="connsiteX6" fmla="*/ 0 w 4488873"/>
+              <a:gd name="connsiteY6" fmla="*/ 4156364 h 4156364"/>
+              <a:gd name="connsiteX0" fmla="*/ 0 w 4488873"/>
+              <a:gd name="connsiteY0" fmla="*/ 4156364 h 4156364"/>
+              <a:gd name="connsiteX1" fmla="*/ 4488873 w 4488873"/>
+              <a:gd name="connsiteY1" fmla="*/ 4156364 h 4156364"/>
+              <a:gd name="connsiteX2" fmla="*/ 4488873 w 4488873"/>
+              <a:gd name="connsiteY2" fmla="*/ 3895106 h 4156364"/>
+              <a:gd name="connsiteX3" fmla="*/ 4488873 w 4488873"/>
+              <a:gd name="connsiteY3" fmla="*/ 0 h 4156364"/>
+              <a:gd name="connsiteX4" fmla="*/ 4370119 w 4488873"/>
+              <a:gd name="connsiteY4" fmla="*/ 0 h 4156364"/>
+              <a:gd name="connsiteX5" fmla="*/ 3507174 w 4488873"/>
+              <a:gd name="connsiteY5" fmla="*/ 0 h 4156364"/>
+              <a:gd name="connsiteX6" fmla="*/ 0 w 4488873"/>
+              <a:gd name="connsiteY6" fmla="*/ 4156364 h 4156364"/>
+            </a:gdLst>
+            <a:ahLst/>
+            <a:cxnLst>
+              <a:cxn ang="0">
+                <a:pos x="connsiteX0" y="connsiteY0"/>
+              </a:cxn>
+              <a:cxn ang="0">
+                <a:pos x="connsiteX1" y="connsiteY1"/>
+              </a:cxn>
+              <a:cxn ang="0">
+                <a:pos x="connsiteX2" y="connsiteY2"/>
+              </a:cxn>
+              <a:cxn ang="0">
+                <a:pos x="connsiteX3" y="connsiteY3"/>
+              </a:cxn>
+              <a:cxn ang="0">
+                <a:pos x="connsiteX4" y="connsiteY4"/>
+              </a:cxn>
+              <a:cxn ang="0">
+                <a:pos x="connsiteX5" y="connsiteY5"/>
+              </a:cxn>
+              <a:cxn ang="0">
+                <a:pos x="connsiteX6" y="connsiteY6"/>
+              </a:cxn>
+            </a:cxnLst>
+            <a:rect l="l" t="t" r="r" b="b"/>
+            <a:pathLst>
+              <a:path w="4488873" h="4156364">
+                <a:moveTo>
+                  <a:pt x="0" y="4156364"/>
+                </a:moveTo>
+                <a:lnTo>
+                  <a:pt x="4488873" y="4156364"/>
+                </a:lnTo>
+                <a:lnTo>
+                  <a:pt x="4488873" y="3895106"/>
+                </a:lnTo>
+                <a:lnTo>
+                  <a:pt x="4488873" y="0"/>
+                </a:lnTo>
+                <a:lnTo>
+                  <a:pt x="4370119" y="0"/>
+                </a:lnTo>
+                <a:lnTo>
+                  <a:pt x="3507174" y="0"/>
+                </a:lnTo>
+                <a:lnTo>
+                  <a:pt x="0" y="4156364"/>
+                </a:lnTo>
+                <a:close/>
+              </a:path>
+            </a:pathLst>
+          </a:custGeom>
+          <a:solidFill>
+            <a:schemeClr val="bg1"/>
+          </a:solidFill>
+          <a:ln>
+            <a:noFill/>
+          </a:ln>
+        </p:spPr>
+        <p:style>
+          <a:lnRef idx="2">
+            <a:schemeClr val="accent1">
+              <a:shade val="50000"/>
+            </a:schemeClr>
+          </a:lnRef>
+          <a:fillRef idx="1">
+            <a:schemeClr val="accent1"/>
+          </a:fillRef>
+          <a:effectRef idx="0">
+            <a:schemeClr val="accent1"/>
+          </a:effectRef>
+          <a:fontRef idx="minor">
+            <a:schemeClr val="lt1"/>
+          </a:fontRef>
+        </p:style>
+        <p:txBody>
+          <a:bodyPr rtlCol="0" anchor="ctr"/>
+          <a:lstStyle/>
+          <a:p>
+            <a:pPr algn="ctr"/>
+            <a:endParaRPr lang="en-US"/>
+          </a:p>
+        </p:txBody>
+      </p:sp>
+      <p:sp>
+        <p:nvSpPr>
+          <p:cNvPr id="10" name="Rectangle 9"/>
+          <p:cNvSpPr/>
+          <p:nvPr/>
+        </p:nvSpPr>
+        <p:spPr>
+          <a:xfrm rot="900000">
+            <a:off x="6283707" y="1197059"/>
+            <a:ext cx="1965492" cy="831271"/>
+          </a:xfrm>
+          <a:prstGeom prst="rect">
+            <a:avLst/>
+          </a:prstGeom>
+          <a:solidFill>
+            <a:schemeClr val="bg1">
+              <a:lumMod val="85000"/>
+              <a:alpha val="61000"/>
+            </a:schemeClr>
+          </a:solidFill>
+          <a:ln>
+            <a:noFill/>
+          </a:ln>
+        </p:spPr>
+        <p:style>
+          <a:lnRef idx="2">
+            <a:schemeClr val="accent1">
+              <a:shade val="50000"/>
+            </a:schemeClr>
+          </a:lnRef>
+          <a:fillRef idx="1">
+            <a:schemeClr val="accent1"/>
+          </a:fillRef>
+          <a:effectRef idx="0">
+            <a:schemeClr val="accent1"/>
+          </a:effectRef>
+          <a:fontRef idx="minor">
+            <a:schemeClr val="lt1"/>
+          </a:fontRef>
+        </p:style>
+        <p:txBody>
+          <a:bodyPr rtlCol="0" anchor="ctr"/>
+          <a:lstStyle/>
+          <a:p>
+            <a:pPr algn="r"/>
+            <a:r>
+              <a:rPr lang="en-US" sz="3600" dirty="0" smtClean="0">
+                <a:solidFill>
+                  <a:srgbClr val="334864"/>
+                </a:solidFill>
+                <a:latin typeface="Silom" charset="-34"/>
+                <a:ea typeface="Silom" charset="-34"/>
+                <a:cs typeface="Silom" charset="-34"/>
+              </a:rPr>
+              <a:t>  Exit</a:t>
+            </a:r>
+            <a:endParaRPr lang="en-US" sz="3600" dirty="0">
+              <a:solidFill>
+                <a:srgbClr val="334864"/>
+              </a:solidFill>
+              <a:latin typeface="Silom" charset="-34"/>
+              <a:ea typeface="Silom" charset="-34"/>
+              <a:cs typeface="Silom" charset="-34"/>
+            </a:endParaRPr>
+          </a:p>
+        </p:txBody>
+      </p:sp>
+      <p:sp>
+        <p:nvSpPr>
+          <p:cNvPr id="12" name="Rectangle 11"/>
+          <p:cNvSpPr/>
+          <p:nvPr/>
+        </p:nvSpPr>
+        <p:spPr>
+          <a:xfrm rot="20700000">
+            <a:off x="6330237" y="432571"/>
+            <a:ext cx="2134800" cy="831271"/>
+          </a:xfrm>
+          <a:prstGeom prst="rect">
+            <a:avLst/>
+          </a:prstGeom>
+          <a:solidFill>
+            <a:schemeClr val="bg1"/>
+          </a:solidFill>
+          <a:ln>
+            <a:noFill/>
+          </a:ln>
+        </p:spPr>
+        <p:style>
+          <a:lnRef idx="2">
+            <a:schemeClr val="accent1">
+              <a:shade val="50000"/>
+            </a:schemeClr>
+          </a:lnRef>
+          <a:fillRef idx="1">
+            <a:schemeClr val="accent1"/>
+          </a:fillRef>
+          <a:effectRef idx="0">
+            <a:schemeClr val="accent1"/>
+          </a:effectRef>
+          <a:fontRef idx="minor">
+            <a:schemeClr val="lt1"/>
+          </a:fontRef>
+        </p:style>
+        <p:txBody>
+          <a:bodyPr rtlCol="0" anchor="ctr"/>
+          <a:lstStyle/>
+          <a:p>
+            <a:pPr algn="r"/>
+            <a:r>
+              <a:rPr lang="en-US" sz="3600" dirty="0" smtClean="0">
+                <a:solidFill>
+                  <a:srgbClr val="334864"/>
+                </a:solidFill>
+                <a:latin typeface="Silom" charset="-34"/>
+                <a:ea typeface="Silom" charset="-34"/>
+                <a:cs typeface="Silom" charset="-34"/>
+              </a:rPr>
+              <a:t>  About</a:t>
+            </a:r>
+            <a:endParaRPr lang="en-US" sz="3600" dirty="0">
+              <a:solidFill>
+                <a:srgbClr val="334864"/>
+              </a:solidFill>
+              <a:latin typeface="Silom" charset="-34"/>
+              <a:ea typeface="Silom" charset="-34"/>
+              <a:cs typeface="Silom" charset="-34"/>
+            </a:endParaRPr>
+          </a:p>
+        </p:txBody>
+      </p:sp>
+      <p:sp>
+        <p:nvSpPr>
+          <p:cNvPr id="13" name="Rectangle 12"/>
+          <p:cNvSpPr/>
+          <p:nvPr/>
+        </p:nvSpPr>
+        <p:spPr>
+          <a:xfrm>
+            <a:off x="605642" y="848207"/>
+            <a:ext cx="4751345" cy="831271"/>
+          </a:xfrm>
+          <a:prstGeom prst="rect">
+            <a:avLst/>
+          </a:prstGeom>
+          <a:solidFill>
+            <a:schemeClr val="bg1"/>
+          </a:solidFill>
+          <a:ln>
+            <a:noFill/>
+          </a:ln>
+        </p:spPr>
+        <p:style>
+          <a:lnRef idx="2">
+            <a:schemeClr val="accent1">
+              <a:shade val="50000"/>
+            </a:schemeClr>
+          </a:lnRef>
+          <a:fillRef idx="1">
+            <a:schemeClr val="accent1"/>
+          </a:fillRef>
+          <a:effectRef idx="0">
+            <a:schemeClr val="accent1"/>
+          </a:effectRef>
+          <a:fontRef idx="minor">
+            <a:schemeClr val="lt1"/>
+          </a:fontRef>
+        </p:style>
+        <p:txBody>
+          <a:bodyPr rtlCol="0" anchor="ctr"/>
+          <a:lstStyle/>
+          <a:p>
+            <a:r>
+              <a:rPr lang="en-US" sz="3600" dirty="0" smtClean="0">
+                <a:solidFill>
+                  <a:srgbClr val="334864"/>
+                </a:solidFill>
+                <a:latin typeface="Silom" charset="-34"/>
+                <a:ea typeface="Silom" charset="-34"/>
+                <a:cs typeface="Silom" charset="-34"/>
+              </a:rPr>
+              <a:t>  Johny Gamer</a:t>
+            </a:r>
+            <a:endParaRPr lang="en-US" sz="3600" dirty="0">
+              <a:solidFill>
+                <a:srgbClr val="334864"/>
+              </a:solidFill>
+              <a:latin typeface="Silom" charset="-34"/>
+              <a:ea typeface="Silom" charset="-34"/>
+              <a:cs typeface="Silom" charset="-34"/>
+            </a:endParaRPr>
+          </a:p>
+        </p:txBody>
+      </p:sp>
+      <p:sp>
+        <p:nvSpPr>
+          <p:cNvPr id="11" name="Oval 10"/>
+          <p:cNvSpPr/>
+          <p:nvPr/>
+        </p:nvSpPr>
+        <p:spPr>
+          <a:xfrm>
+            <a:off x="4855523" y="283386"/>
+            <a:ext cx="1960914" cy="1960914"/>
+          </a:xfrm>
+          <a:prstGeom prst="ellipse">
+            <a:avLst/>
+          </a:prstGeom>
+          <a:solidFill>
+            <a:srgbClr val="334864"/>
+          </a:solidFill>
+          <a:ln>
+            <a:noFill/>
+          </a:ln>
+        </p:spPr>
+        <p:style>
+          <a:lnRef idx="2">
+            <a:schemeClr val="accent1">
+              <a:shade val="50000"/>
+            </a:schemeClr>
+          </a:lnRef>
+          <a:fillRef idx="1">
+            <a:schemeClr val="accent1"/>
+          </a:fillRef>
+          <a:effectRef idx="0">
+            <a:schemeClr val="accent1"/>
+          </a:effectRef>
+          <a:fontRef idx="minor">
+            <a:schemeClr val="lt1"/>
+          </a:fontRef>
+        </p:style>
+        <p:txBody>
+          <a:bodyPr rtlCol="0" anchor="ctr"/>
+          <a:lstStyle/>
+          <a:p>
+            <a:pPr algn="ctr"/>
+            <a:endParaRPr lang="en-US"/>
+          </a:p>
+        </p:txBody>
+      </p:sp>
+      <p:sp>
+        <p:nvSpPr>
+          <p:cNvPr id="9" name="Oval 8"/>
+          <p:cNvSpPr/>
+          <p:nvPr/>
+        </p:nvSpPr>
+        <p:spPr>
+          <a:xfrm>
+            <a:off x="5070765" y="498626"/>
+            <a:ext cx="1531917" cy="1531917"/>
+          </a:xfrm>
+          <a:prstGeom prst="ellipse">
+            <a:avLst/>
+          </a:prstGeom>
+          <a:solidFill>
+            <a:schemeClr val="bg1"/>
+          </a:solidFill>
+          <a:ln>
+            <a:noFill/>
+          </a:ln>
+        </p:spPr>
+        <p:style>
+          <a:lnRef idx="2">
+            <a:schemeClr val="accent1">
+              <a:shade val="50000"/>
+            </a:schemeClr>
+          </a:lnRef>
+          <a:fillRef idx="1">
+            <a:schemeClr val="accent1"/>
+          </a:fillRef>
+          <a:effectRef idx="0">
+            <a:schemeClr val="accent1"/>
+          </a:effectRef>
+          <a:fontRef idx="minor">
+            <a:schemeClr val="lt1"/>
+          </a:fontRef>
+        </p:style>
+        <p:txBody>
+          <a:bodyPr rtlCol="0" anchor="ctr"/>
+          <a:lstStyle/>
+          <a:p>
+            <a:pPr algn="ctr"/>
+            <a:endParaRPr lang="en-US" sz="2800" dirty="0">
+              <a:solidFill>
+                <a:srgbClr val="B0B5BF"/>
+              </a:solidFill>
+              <a:latin typeface="Silom" charset="-34"/>
+              <a:ea typeface="Silom" charset="-34"/>
+              <a:cs typeface="Silom" charset="-34"/>
+            </a:endParaRPr>
+          </a:p>
+        </p:txBody>
+      </p:sp>
+      <p:sp>
+        <p:nvSpPr>
+          <p:cNvPr id="23" name="Triangle 22"/>
+          <p:cNvSpPr/>
+          <p:nvPr/>
+        </p:nvSpPr>
+        <p:spPr>
+          <a:xfrm rot="10800000">
+            <a:off x="0" y="-1"/>
+            <a:ext cx="5130140" cy="469491"/>
+          </a:xfrm>
+          <a:prstGeom prst="triangle">
+            <a:avLst>
+              <a:gd name="adj" fmla="val 100000"/>
+            </a:avLst>
+          </a:prstGeom>
+          <a:solidFill>
+            <a:schemeClr val="bg1"/>
+          </a:solidFill>
+          <a:ln>
+            <a:noFill/>
+          </a:ln>
+        </p:spPr>
+        <p:style>
+          <a:lnRef idx="2">
+            <a:schemeClr val="accent1">
+              <a:shade val="50000"/>
+            </a:schemeClr>
+          </a:lnRef>
+          <a:fillRef idx="1">
+            <a:schemeClr val="accent1"/>
+          </a:fillRef>
+          <a:effectRef idx="0">
+            <a:schemeClr val="accent1"/>
+          </a:effectRef>
+          <a:fontRef idx="minor">
+            <a:schemeClr val="lt1"/>
+          </a:fontRef>
+        </p:style>
+        <p:txBody>
+          <a:bodyPr rtlCol="0" anchor="ctr"/>
+          <a:lstStyle/>
+          <a:p>
+            <a:pPr algn="ctr"/>
+            <a:endParaRPr lang="en-US"/>
+          </a:p>
+        </p:txBody>
+      </p:sp>
+      <p:sp>
+        <p:nvSpPr>
+          <p:cNvPr id="28" name="TextBox 27"/>
+          <p:cNvSpPr txBox="1"/>
+          <p:nvPr/>
+        </p:nvSpPr>
+        <p:spPr>
+          <a:xfrm>
+            <a:off x="4579923" y="812509"/>
+            <a:ext cx="2456174" cy="1015663"/>
+          </a:xfrm>
+          <a:prstGeom prst="rect">
+            <a:avLst/>
+          </a:prstGeom>
+          <a:noFill/>
+        </p:spPr>
+        <p:txBody>
+          <a:bodyPr wrap="square" rtlCol="0">
+            <a:spAutoFit/>
+          </a:bodyPr>
+          <a:lstStyle/>
+          <a:p>
+            <a:pPr algn="ctr"/>
+            <a:r>
+              <a:rPr lang="en-US" sz="6000" spc="-300" dirty="0" smtClean="0">
+                <a:solidFill>
+                  <a:srgbClr val="334864"/>
+                </a:solidFill>
+                <a:latin typeface="Silom" charset="-34"/>
+                <a:ea typeface="Silom" charset="-34"/>
+                <a:cs typeface="Silom" charset="-34"/>
+              </a:rPr>
+              <a:t>QUE</a:t>
+            </a:r>
+            <a:endParaRPr lang="en-US" sz="6000" spc="-300" dirty="0">
+              <a:solidFill>
+                <a:srgbClr val="334864"/>
+              </a:solidFill>
+              <a:latin typeface="Silom" charset="-34"/>
+              <a:ea typeface="Silom" charset="-34"/>
+              <a:cs typeface="Silom" charset="-34"/>
+            </a:endParaRPr>
+          </a:p>
+        </p:txBody>
+      </p:sp>
+      <p:sp>
+        <p:nvSpPr>
+          <p:cNvPr id="44" name="Oval 43"/>
+          <p:cNvSpPr/>
+          <p:nvPr/>
+        </p:nvSpPr>
+        <p:spPr>
+          <a:xfrm>
+            <a:off x="8377915" y="5119228"/>
+            <a:ext cx="291320" cy="291320"/>
+          </a:xfrm>
+          <a:prstGeom prst="ellipse">
+            <a:avLst/>
+          </a:prstGeom>
+          <a:solidFill>
+            <a:srgbClr val="334864"/>
+          </a:solidFill>
+          <a:ln>
+            <a:noFill/>
+          </a:ln>
+        </p:spPr>
+        <p:style>
+          <a:lnRef idx="2">
+            <a:schemeClr val="accent1">
+              <a:shade val="50000"/>
+            </a:schemeClr>
+          </a:lnRef>
+          <a:fillRef idx="1">
+            <a:schemeClr val="accent1"/>
+          </a:fillRef>
+          <a:effectRef idx="0">
+            <a:schemeClr val="accent1"/>
+          </a:effectRef>
+          <a:fontRef idx="minor">
+            <a:schemeClr val="lt1"/>
+          </a:fontRef>
+        </p:style>
+        <p:txBody>
+          <a:bodyPr rtlCol="0" anchor="ctr"/>
+          <a:lstStyle/>
+          <a:p>
+            <a:pPr algn="ctr"/>
+            <a:endParaRPr lang="en-US" sz="2800" dirty="0">
+              <a:solidFill>
+                <a:srgbClr val="B0B5BF"/>
+              </a:solidFill>
+              <a:latin typeface="Silom" charset="-34"/>
+              <a:ea typeface="Silom" charset="-34"/>
+              <a:cs typeface="Silom" charset="-34"/>
+            </a:endParaRPr>
+          </a:p>
+        </p:txBody>
+      </p:sp>
+      <p:sp>
+        <p:nvSpPr>
+          <p:cNvPr id="45" name="Oval 44"/>
+          <p:cNvSpPr/>
+          <p:nvPr/>
+        </p:nvSpPr>
+        <p:spPr>
+          <a:xfrm>
+            <a:off x="7942377" y="5119228"/>
+            <a:ext cx="291320" cy="291320"/>
+          </a:xfrm>
+          <a:prstGeom prst="ellipse">
+            <a:avLst/>
+          </a:prstGeom>
+          <a:solidFill>
+            <a:srgbClr val="334864"/>
+          </a:solidFill>
+          <a:ln>
+            <a:noFill/>
+          </a:ln>
+        </p:spPr>
+        <p:style>
+          <a:lnRef idx="2">
+            <a:schemeClr val="accent1">
+              <a:shade val="50000"/>
+            </a:schemeClr>
+          </a:lnRef>
+          <a:fillRef idx="1">
+            <a:schemeClr val="accent1"/>
+          </a:fillRef>
+          <a:effectRef idx="0">
+            <a:schemeClr val="accent1"/>
+          </a:effectRef>
+          <a:fontRef idx="minor">
+            <a:schemeClr val="lt1"/>
+          </a:fontRef>
+        </p:style>
+        <p:txBody>
+          <a:bodyPr rtlCol="0" anchor="ctr"/>
+          <a:lstStyle/>
+          <a:p>
+            <a:pPr algn="ctr"/>
+            <a:endParaRPr lang="en-US" sz="2800" dirty="0">
+              <a:solidFill>
+                <a:srgbClr val="B0B5BF"/>
+              </a:solidFill>
+              <a:latin typeface="Silom" charset="-34"/>
+              <a:ea typeface="Silom" charset="-34"/>
+              <a:cs typeface="Silom" charset="-34"/>
+            </a:endParaRPr>
+          </a:p>
+        </p:txBody>
+      </p:sp>
+      <p:sp>
+        <p:nvSpPr>
+          <p:cNvPr id="46" name="Oval 45"/>
+          <p:cNvSpPr/>
+          <p:nvPr/>
+        </p:nvSpPr>
+        <p:spPr>
+          <a:xfrm>
+            <a:off x="7506839" y="5119228"/>
+            <a:ext cx="291320" cy="291320"/>
+          </a:xfrm>
+          <a:prstGeom prst="ellipse">
+            <a:avLst/>
+          </a:prstGeom>
+          <a:solidFill>
+            <a:srgbClr val="334864"/>
+          </a:solidFill>
+          <a:ln>
+            <a:noFill/>
+          </a:ln>
+        </p:spPr>
+        <p:style>
+          <a:lnRef idx="2">
+            <a:schemeClr val="accent1">
+              <a:shade val="50000"/>
+            </a:schemeClr>
+          </a:lnRef>
+          <a:fillRef idx="1">
+            <a:schemeClr val="accent1"/>
+          </a:fillRef>
+          <a:effectRef idx="0">
+            <a:schemeClr val="accent1"/>
+          </a:effectRef>
+          <a:fontRef idx="minor">
+            <a:schemeClr val="lt1"/>
+          </a:fontRef>
+        </p:style>
+        <p:txBody>
+          <a:bodyPr rtlCol="0" anchor="ctr"/>
+          <a:lstStyle/>
+          <a:p>
+            <a:pPr algn="ctr"/>
+            <a:endParaRPr lang="en-US" sz="2800" dirty="0">
+              <a:solidFill>
+                <a:srgbClr val="B0B5BF"/>
+              </a:solidFill>
+              <a:latin typeface="Silom" charset="-34"/>
+              <a:ea typeface="Silom" charset="-34"/>
+              <a:cs typeface="Silom" charset="-34"/>
+            </a:endParaRPr>
+          </a:p>
+        </p:txBody>
+      </p:sp>
+      <p:sp>
+        <p:nvSpPr>
+          <p:cNvPr id="59" name="Rectangle 58"/>
+          <p:cNvSpPr/>
+          <p:nvPr/>
+        </p:nvSpPr>
+        <p:spPr>
+          <a:xfrm>
+            <a:off x="2809817" y="4211144"/>
+            <a:ext cx="3186848" cy="520458"/>
+          </a:xfrm>
+          <a:prstGeom prst="rect">
+            <a:avLst/>
+          </a:prstGeom>
+          <a:solidFill>
+            <a:schemeClr val="bg1"/>
+          </a:solidFill>
+          <a:ln>
+            <a:noFill/>
+          </a:ln>
+        </p:spPr>
+        <p:style>
+          <a:lnRef idx="2">
+            <a:schemeClr val="accent1">
+              <a:shade val="50000"/>
+            </a:schemeClr>
+          </a:lnRef>
+          <a:fillRef idx="1">
+            <a:schemeClr val="accent1"/>
+          </a:fillRef>
+          <a:effectRef idx="0">
+            <a:schemeClr val="accent1"/>
+          </a:effectRef>
+          <a:fontRef idx="minor">
+            <a:schemeClr val="lt1"/>
+          </a:fontRef>
+        </p:style>
+        <p:txBody>
+          <a:bodyPr rtlCol="0" anchor="ctr"/>
+          <a:lstStyle/>
+          <a:p>
+            <a:pPr algn="ctr"/>
+            <a:r>
+              <a:rPr lang="en-US" sz="2400" dirty="0" smtClean="0">
+                <a:solidFill>
+                  <a:srgbClr val="334864"/>
+                </a:solidFill>
+                <a:latin typeface="Silom" charset="-34"/>
+                <a:ea typeface="Silom" charset="-34"/>
+                <a:cs typeface="Silom" charset="-34"/>
+              </a:rPr>
+              <a:t>Ok, let</a:t>
+            </a:r>
+            <a:r>
+              <a:rPr lang="en-US" sz="2400" dirty="0" smtClean="0">
+                <a:solidFill>
+                  <a:srgbClr val="334864"/>
+                </a:solidFill>
+                <a:latin typeface="Silom" charset="-34"/>
+                <a:ea typeface="Silom" charset="-34"/>
+                <a:cs typeface="Silom" charset="-34"/>
+              </a:rPr>
+              <a:t>’s play</a:t>
+            </a:r>
+            <a:endParaRPr lang="en-US" sz="2400" dirty="0">
+              <a:solidFill>
+                <a:srgbClr val="334864"/>
+              </a:solidFill>
+              <a:latin typeface="Silom" charset="-34"/>
+              <a:ea typeface="Silom" charset="-34"/>
+              <a:cs typeface="Silom" charset="-34"/>
+            </a:endParaRPr>
+          </a:p>
+        </p:txBody>
+      </p:sp>
+      <p:grpSp>
+        <p:nvGrpSpPr>
+          <p:cNvPr id="2" name="Group 1"/>
+          <p:cNvGrpSpPr/>
+          <p:nvPr/>
+        </p:nvGrpSpPr>
+        <p:grpSpPr>
+          <a:xfrm>
+            <a:off x="822025" y="2129595"/>
+            <a:ext cx="1500507" cy="1500507"/>
+            <a:chOff x="928689" y="-785811"/>
+            <a:chExt cx="7286624" cy="7286624"/>
+          </a:xfrm>
+        </p:grpSpPr>
+        <p:sp>
+          <p:nvSpPr>
+            <p:cNvPr id="19" name="Oval 18"/>
+            <p:cNvSpPr/>
+            <p:nvPr/>
+          </p:nvSpPr>
+          <p:spPr>
+            <a:xfrm>
+              <a:off x="928689" y="-785811"/>
+              <a:ext cx="7286624" cy="7286624"/>
+            </a:xfrm>
+            <a:prstGeom prst="ellipse">
+              <a:avLst/>
+            </a:prstGeom>
+            <a:solidFill>
+              <a:srgbClr val="98A2B0"/>
+            </a:solidFill>
+            <a:ln>
+              <a:noFill/>
+            </a:ln>
+          </p:spPr>
+          <p:style>
+            <a:lnRef idx="2">
+              <a:schemeClr val="accent1">
+                <a:shade val="50000"/>
+              </a:schemeClr>
+            </a:lnRef>
+            <a:fillRef idx="1">
+              <a:schemeClr val="accent1"/>
+            </a:fillRef>
+            <a:effectRef idx="0">
+              <a:schemeClr val="accent1"/>
+            </a:effectRef>
+            <a:fontRef idx="minor">
+              <a:schemeClr val="lt1"/>
+            </a:fontRef>
+          </p:style>
+          <p:txBody>
+            <a:bodyPr rtlCol="0" anchor="ctr"/>
+            <a:lstStyle/>
+            <a:p>
+              <a:pPr algn="ctr"/>
+              <a:endParaRPr lang="en-US" sz="2800" dirty="0">
+                <a:solidFill>
+                  <a:srgbClr val="B0B5BF"/>
+                </a:solidFill>
+                <a:latin typeface="Silom" charset="-34"/>
+                <a:ea typeface="Silom" charset="-34"/>
+                <a:cs typeface="Silom" charset="-34"/>
+              </a:endParaRPr>
+            </a:p>
+          </p:txBody>
+        </p:sp>
+        <p:sp>
+          <p:nvSpPr>
+            <p:cNvPr id="20" name="Oval 19"/>
+            <p:cNvSpPr/>
+            <p:nvPr/>
+          </p:nvSpPr>
+          <p:spPr>
+            <a:xfrm>
+              <a:off x="3934681" y="2220181"/>
+              <a:ext cx="1274640" cy="1274640"/>
+            </a:xfrm>
+            <a:prstGeom prst="ellipse">
+              <a:avLst/>
+            </a:prstGeom>
+            <a:solidFill>
+              <a:schemeClr val="bg1"/>
+            </a:solidFill>
+            <a:ln>
+              <a:noFill/>
+            </a:ln>
+          </p:spPr>
+          <p:style>
+            <a:lnRef idx="2">
+              <a:schemeClr val="accent1">
+                <a:shade val="50000"/>
+              </a:schemeClr>
+            </a:lnRef>
+            <a:fillRef idx="1">
+              <a:schemeClr val="accent1"/>
+            </a:fillRef>
+            <a:effectRef idx="0">
+              <a:schemeClr val="accent1"/>
+            </a:effectRef>
+            <a:fontRef idx="minor">
+              <a:schemeClr val="lt1"/>
+            </a:fontRef>
+          </p:style>
+          <p:txBody>
+            <a:bodyPr rtlCol="0" anchor="ctr"/>
+            <a:lstStyle/>
+            <a:p>
+              <a:pPr algn="ctr"/>
+              <a:endParaRPr lang="en-US" sz="2800" dirty="0">
+                <a:solidFill>
+                  <a:srgbClr val="B0B5BF"/>
+                </a:solidFill>
+                <a:latin typeface="Silom" charset="-34"/>
+                <a:ea typeface="Silom" charset="-34"/>
+                <a:cs typeface="Silom" charset="-34"/>
+              </a:endParaRPr>
+            </a:p>
+          </p:txBody>
+        </p:sp>
+      </p:grpSp>
+      <p:sp>
+        <p:nvSpPr>
+          <p:cNvPr id="22" name="TextBox 21"/>
+          <p:cNvSpPr txBox="1"/>
+          <p:nvPr/>
+        </p:nvSpPr>
+        <p:spPr>
+          <a:xfrm>
+            <a:off x="2774168" y="1715176"/>
+            <a:ext cx="3435449" cy="2276084"/>
+          </a:xfrm>
+          <a:prstGeom prst="rect">
+            <a:avLst/>
+          </a:prstGeom>
+          <a:noFill/>
+          <a:ln>
+            <a:noFill/>
+          </a:ln>
+        </p:spPr>
+        <p:style>
+          <a:lnRef idx="2">
+            <a:schemeClr val="accent1">
+              <a:shade val="50000"/>
+            </a:schemeClr>
+          </a:lnRef>
+          <a:fillRef idx="1">
+            <a:schemeClr val="accent1"/>
+          </a:fillRef>
+          <a:effectRef idx="0">
+            <a:schemeClr val="accent1"/>
+          </a:effectRef>
+          <a:fontRef idx="minor">
+            <a:schemeClr val="lt1"/>
+          </a:fontRef>
+        </p:style>
+        <p:txBody>
+          <a:bodyPr rot="0" spcFirstLastPara="0" vertOverflow="overflow" horzOverflow="overflow" vert="horz" wrap="square" lIns="91440" tIns="45720" rIns="91440" bIns="45720" numCol="1" spcCol="0" rtlCol="0" fromWordArt="0" anchor="t" anchorCtr="0" forceAA="0" compatLnSpc="1">
+            <a:prstTxWarp prst="textNoShape">
+              <a:avLst/>
+            </a:prstTxWarp>
+            <a:noAutofit/>
+          </a:bodyPr>
+          <a:lstStyle>
+            <a:defPPr>
+              <a:defRPr lang="en-US"/>
+            </a:defPPr>
+            <a:lvl1pPr>
+              <a:defRPr sz="3600">
+                <a:solidFill>
+                  <a:srgbClr val="334864"/>
+                </a:solidFill>
+                <a:latin typeface="Silom" charset="-34"/>
+                <a:ea typeface="Silom" charset="-34"/>
+                <a:cs typeface="Silom" charset="-34"/>
+              </a:defRPr>
+            </a:lvl1pPr>
+            <a:lvl2pPr>
+              <a:defRPr>
+                <a:solidFill>
+                  <a:schemeClr val="lt1"/>
+                </a:solidFill>
+              </a:defRPr>
+            </a:lvl2pPr>
+            <a:lvl3pPr>
+              <a:defRPr>
+                <a:solidFill>
+                  <a:schemeClr val="lt1"/>
+                </a:solidFill>
+              </a:defRPr>
+            </a:lvl3pPr>
+            <a:lvl4pPr>
+              <a:defRPr>
+                <a:solidFill>
+                  <a:schemeClr val="lt1"/>
+                </a:solidFill>
+              </a:defRPr>
+            </a:lvl4pPr>
+            <a:lvl5pPr>
+              <a:defRPr>
+                <a:solidFill>
+                  <a:schemeClr val="lt1"/>
+                </a:solidFill>
+              </a:defRPr>
+            </a:lvl5pPr>
+            <a:lvl6pPr>
+              <a:defRPr>
+                <a:solidFill>
+                  <a:schemeClr val="lt1"/>
+                </a:solidFill>
+              </a:defRPr>
+            </a:lvl6pPr>
+            <a:lvl7pPr>
+              <a:defRPr>
+                <a:solidFill>
+                  <a:schemeClr val="lt1"/>
+                </a:solidFill>
+              </a:defRPr>
+            </a:lvl7pPr>
+            <a:lvl8pPr>
+              <a:defRPr>
+                <a:solidFill>
+                  <a:schemeClr val="lt1"/>
+                </a:solidFill>
+              </a:defRPr>
+            </a:lvl8pPr>
+            <a:lvl9pPr>
+              <a:defRPr>
+                <a:solidFill>
+                  <a:schemeClr val="lt1"/>
+                </a:solidFill>
+              </a:defRPr>
+            </a:lvl9pPr>
+          </a:lstStyle>
+          <a:p>
+            <a:pPr>
+              <a:lnSpc>
+                <a:spcPct val="150000"/>
+              </a:lnSpc>
+            </a:pPr>
+            <a:r>
+              <a:rPr lang="en-US" sz="2000" dirty="0" smtClean="0">
+                <a:solidFill>
+                  <a:schemeClr val="bg1"/>
+                </a:solidFill>
+              </a:rPr>
+              <a:t>Playing:        3/3</a:t>
+            </a:r>
+          </a:p>
+          <a:p>
+            <a:pPr>
+              <a:lnSpc>
+                <a:spcPct val="150000"/>
+              </a:lnSpc>
+            </a:pPr>
+            <a:endParaRPr lang="en-US" sz="2000" dirty="0" smtClean="0">
+              <a:solidFill>
+                <a:schemeClr val="bg1"/>
+              </a:solidFill>
+            </a:endParaRPr>
+          </a:p>
+          <a:p>
+            <a:pPr>
+              <a:lnSpc>
+                <a:spcPct val="150000"/>
+              </a:lnSpc>
+            </a:pPr>
+            <a:r>
+              <a:rPr lang="en-US" sz="2000" dirty="0" smtClean="0">
+                <a:solidFill>
+                  <a:schemeClr val="bg1"/>
+                </a:solidFill>
+              </a:rPr>
+              <a:t>- Click to the gray area</a:t>
+            </a:r>
+            <a:br>
+              <a:rPr lang="en-US" sz="2000" dirty="0" smtClean="0">
+                <a:solidFill>
+                  <a:schemeClr val="bg1"/>
+                </a:solidFill>
+              </a:rPr>
+            </a:br>
+            <a:r>
+              <a:rPr lang="en-US" sz="2000" dirty="0" smtClean="0">
+                <a:solidFill>
+                  <a:schemeClr val="bg1"/>
+                </a:solidFill>
+              </a:rPr>
+              <a:t>   to fire (with direction</a:t>
+            </a:r>
+            <a:br>
+              <a:rPr lang="en-US" sz="2000" dirty="0" smtClean="0">
+                <a:solidFill>
+                  <a:schemeClr val="bg1"/>
+                </a:solidFill>
+              </a:rPr>
+            </a:br>
+            <a:r>
+              <a:rPr lang="en-US" sz="2000" dirty="0" smtClean="0">
+                <a:solidFill>
+                  <a:schemeClr val="bg1"/>
+                </a:solidFill>
+              </a:rPr>
+              <a:t>   of the touch)</a:t>
+            </a:r>
+          </a:p>
+          <a:p>
+            <a:pPr>
+              <a:lnSpc>
+                <a:spcPct val="150000"/>
+              </a:lnSpc>
+            </a:pPr>
+            <a:endParaRPr lang="en-US" sz="2000" dirty="0">
+              <a:solidFill>
+                <a:schemeClr val="bg1"/>
+              </a:solidFill>
+            </a:endParaRPr>
+          </a:p>
+        </p:txBody>
+      </p:sp>
+      <p:sp>
+        <p:nvSpPr>
+          <p:cNvPr id="24" name="Oval 23"/>
+          <p:cNvSpPr/>
+          <p:nvPr/>
+        </p:nvSpPr>
+        <p:spPr>
+          <a:xfrm>
+            <a:off x="1730271" y="3231959"/>
+            <a:ext cx="239786" cy="340035"/>
+          </a:xfrm>
+          <a:prstGeom prst="ellipse">
+            <a:avLst/>
+          </a:prstGeom>
+          <a:solidFill>
+            <a:schemeClr val="accent4">
+              <a:lumMod val="40000"/>
+              <a:lumOff val="60000"/>
+            </a:schemeClr>
+          </a:solidFill>
+          <a:ln>
+            <a:noFill/>
+          </a:ln>
+        </p:spPr>
+        <p:style>
+          <a:lnRef idx="2">
+            <a:schemeClr val="accent1">
+              <a:shade val="50000"/>
+            </a:schemeClr>
+          </a:lnRef>
+          <a:fillRef idx="1">
+            <a:schemeClr val="accent1"/>
+          </a:fillRef>
+          <a:effectRef idx="0">
+            <a:schemeClr val="accent1"/>
+          </a:effectRef>
+          <a:fontRef idx="minor">
+            <a:schemeClr val="lt1"/>
+          </a:fontRef>
+        </p:style>
+        <p:txBody>
+          <a:bodyPr rtlCol="0" anchor="ctr"/>
+          <a:lstStyle/>
+          <a:p>
+            <a:pPr algn="ctr"/>
+            <a:endParaRPr lang="en-US" sz="2800" dirty="0">
+              <a:solidFill>
+                <a:srgbClr val="B0B5BF"/>
+              </a:solidFill>
+              <a:latin typeface="Silom" charset="-34"/>
+              <a:ea typeface="Silom" charset="-34"/>
+              <a:cs typeface="Silom" charset="-34"/>
+            </a:endParaRPr>
+          </a:p>
+        </p:txBody>
+      </p:sp>
+      <p:sp>
+        <p:nvSpPr>
+          <p:cNvPr id="25" name="TextBox 24"/>
+          <p:cNvSpPr txBox="1"/>
+          <p:nvPr/>
+        </p:nvSpPr>
+        <p:spPr>
+          <a:xfrm>
+            <a:off x="896149" y="3849986"/>
+            <a:ext cx="2116704" cy="1299796"/>
+          </a:xfrm>
+          <a:prstGeom prst="rect">
+            <a:avLst/>
+          </a:prstGeom>
+          <a:noFill/>
+          <a:ln>
+            <a:noFill/>
+          </a:ln>
+        </p:spPr>
+        <p:style>
+          <a:lnRef idx="2">
+            <a:schemeClr val="accent1">
+              <a:shade val="50000"/>
+            </a:schemeClr>
+          </a:lnRef>
+          <a:fillRef idx="1">
+            <a:schemeClr val="accent1"/>
+          </a:fillRef>
+          <a:effectRef idx="0">
+            <a:schemeClr val="accent1"/>
+          </a:effectRef>
+          <a:fontRef idx="minor">
+            <a:schemeClr val="lt1"/>
+          </a:fontRef>
+        </p:style>
+        <p:txBody>
+          <a:bodyPr rot="0" spcFirstLastPara="0" vertOverflow="overflow" horzOverflow="overflow" vert="horz" wrap="square" lIns="91440" tIns="45720" rIns="91440" bIns="45720" numCol="1" spcCol="0" rtlCol="0" fromWordArt="0" anchor="t" anchorCtr="0" forceAA="0" compatLnSpc="1">
+            <a:prstTxWarp prst="textNoShape">
+              <a:avLst/>
+            </a:prstTxWarp>
+            <a:noAutofit/>
+          </a:bodyPr>
+          <a:lstStyle>
+            <a:defPPr>
+              <a:defRPr lang="en-US"/>
+            </a:defPPr>
+            <a:lvl1pPr>
+              <a:defRPr sz="3600">
+                <a:solidFill>
+                  <a:srgbClr val="334864"/>
+                </a:solidFill>
+                <a:latin typeface="Silom" charset="-34"/>
+                <a:ea typeface="Silom" charset="-34"/>
+                <a:cs typeface="Silom" charset="-34"/>
+              </a:defRPr>
+            </a:lvl1pPr>
+            <a:lvl2pPr>
+              <a:defRPr>
+                <a:solidFill>
+                  <a:schemeClr val="lt1"/>
+                </a:solidFill>
+              </a:defRPr>
+            </a:lvl2pPr>
+            <a:lvl3pPr>
+              <a:defRPr>
+                <a:solidFill>
+                  <a:schemeClr val="lt1"/>
+                </a:solidFill>
+              </a:defRPr>
+            </a:lvl3pPr>
+            <a:lvl4pPr>
+              <a:defRPr>
+                <a:solidFill>
+                  <a:schemeClr val="lt1"/>
+                </a:solidFill>
+              </a:defRPr>
+            </a:lvl4pPr>
+            <a:lvl5pPr>
+              <a:defRPr>
+                <a:solidFill>
+                  <a:schemeClr val="lt1"/>
+                </a:solidFill>
+              </a:defRPr>
+            </a:lvl5pPr>
+            <a:lvl6pPr>
+              <a:defRPr>
+                <a:solidFill>
+                  <a:schemeClr val="lt1"/>
+                </a:solidFill>
+              </a:defRPr>
+            </a:lvl6pPr>
+            <a:lvl7pPr>
+              <a:defRPr>
+                <a:solidFill>
+                  <a:schemeClr val="lt1"/>
+                </a:solidFill>
+              </a:defRPr>
+            </a:lvl7pPr>
+            <a:lvl8pPr>
+              <a:defRPr>
+                <a:solidFill>
+                  <a:schemeClr val="lt1"/>
+                </a:solidFill>
+              </a:defRPr>
+            </a:lvl8pPr>
+            <a:lvl9pPr>
+              <a:defRPr>
+                <a:solidFill>
+                  <a:schemeClr val="lt1"/>
+                </a:solidFill>
+              </a:defRPr>
+            </a:lvl9pPr>
+          </a:lstStyle>
+          <a:p>
+            <a:pPr>
+              <a:lnSpc>
+                <a:spcPct val="150000"/>
+              </a:lnSpc>
+            </a:pPr>
+            <a:r>
+              <a:rPr lang="en-US" sz="2000" dirty="0" smtClean="0">
+                <a:solidFill>
+                  <a:schemeClr val="bg1"/>
+                </a:solidFill>
+              </a:rPr>
+              <a:t>fire</a:t>
+            </a:r>
+          </a:p>
+          <a:p>
+            <a:pPr>
+              <a:lnSpc>
+                <a:spcPct val="150000"/>
+              </a:lnSpc>
+            </a:pPr>
+            <a:r>
+              <a:rPr lang="en-US" sz="2000" dirty="0" smtClean="0">
+                <a:solidFill>
+                  <a:schemeClr val="bg1"/>
+                </a:solidFill>
+              </a:rPr>
+              <a:t>direction</a:t>
+            </a:r>
+            <a:endParaRPr lang="en-US" sz="2000" dirty="0">
+              <a:solidFill>
+                <a:schemeClr val="bg1"/>
+              </a:solidFill>
+            </a:endParaRPr>
+          </a:p>
+        </p:txBody>
+      </p:sp>
+      <p:cxnSp>
+        <p:nvCxnSpPr>
+          <p:cNvPr id="14" name="Straight Arrow Connector 13"/>
+          <p:cNvCxnSpPr/>
+          <p:nvPr/>
+        </p:nvCxnSpPr>
+        <p:spPr>
+          <a:xfrm>
+            <a:off x="1572278" y="2879848"/>
+            <a:ext cx="764446" cy="1437873"/>
+          </a:xfrm>
+          <a:prstGeom prst="straightConnector1">
+            <a:avLst/>
+          </a:prstGeom>
+          <a:ln w="63500">
+            <a:solidFill>
+              <a:schemeClr val="bg1"/>
+            </a:solidFill>
+            <a:tailEnd type="triangle"/>
+          </a:ln>
+        </p:spPr>
+        <p:style>
+          <a:lnRef idx="1">
+            <a:schemeClr val="accent1"/>
+          </a:lnRef>
+          <a:fillRef idx="0">
+            <a:schemeClr val="accent1"/>
+          </a:fillRef>
+          <a:effectRef idx="0">
+            <a:schemeClr val="accent1"/>
+          </a:effectRef>
+          <a:fontRef idx="minor">
+            <a:schemeClr val="tx1"/>
+          </a:fontRef>
+        </p:style>
+      </p:cxnSp>
+    </p:spTree>
+    <p:extLst>
+      <p:ext uri="{BB962C8B-B14F-4D97-AF65-F5344CB8AC3E}">
+        <p14:creationId xmlns:p14="http://schemas.microsoft.com/office/powerpoint/2010/main" val="1158513457"/>
+      </p:ext>
+    </p:extLst>
+  </p:cSld>
+  <p:clrMapOvr>
+    <a:masterClrMapping/>
+  </p:clrMapOvr>
+  <p:timing>
+    <p:tnLst>
+      <p:par>
+        <p:cTn id="1" dur="indefinite" restart="never" nodeType="tmRoot"/>
+      </p:par>
+    </p:tnLst>
+  </p:timing>
+</p:sld>
+</file>
+
+<file path=ppt/slides/slide5.xml><?xml version="1.0" encoding="utf-8"?>
+<p:sld xmlns:a="http://schemas.openxmlformats.org/drawingml/2006/main" xmlns:r="http://schemas.openxmlformats.org/officeDocument/2006/relationships" xmlns:p="http://schemas.openxmlformats.org/presentationml/2006/main">
+  <p:cSld>
+    <p:bg>
+      <p:bgPr>
+        <a:solidFill>
+          <a:srgbClr val="334864"/>
+        </a:solidFill>
+        <a:effectLst/>
+      </p:bgPr>
+    </p:bg>
+    <p:spTree>
+      <p:nvGrpSpPr>
+        <p:cNvPr id="1" name=""/>
+        <p:cNvGrpSpPr/>
+        <p:nvPr/>
+      </p:nvGrpSpPr>
+      <p:grpSpPr>
+        <a:xfrm>
+          <a:off x="0" y="0"/>
+          <a:ext cx="0" cy="0"/>
+          <a:chOff x="0" y="0"/>
+          <a:chExt cx="0" cy="0"/>
+        </a:xfrm>
+      </p:grpSpPr>
+      <p:sp>
+        <p:nvSpPr>
+          <p:cNvPr id="21" name="Freeform 20"/>
+          <p:cNvSpPr/>
+          <p:nvPr/>
+        </p:nvSpPr>
+        <p:spPr>
+          <a:xfrm rot="16200000" flipH="1">
+            <a:off x="4054936" y="625293"/>
+            <a:ext cx="1035481" cy="9142655"/>
+          </a:xfrm>
+          <a:custGeom>
+            <a:avLst/>
+            <a:gdLst>
+              <a:gd name="connsiteX0" fmla="*/ 0 w 4488873"/>
+              <a:gd name="connsiteY0" fmla="*/ 4156364 h 4156364"/>
+              <a:gd name="connsiteX1" fmla="*/ 4488873 w 4488873"/>
+              <a:gd name="connsiteY1" fmla="*/ 4156364 h 4156364"/>
+              <a:gd name="connsiteX2" fmla="*/ 4488873 w 4488873"/>
+              <a:gd name="connsiteY2" fmla="*/ 3895106 h 4156364"/>
+              <a:gd name="connsiteX3" fmla="*/ 4488873 w 4488873"/>
+              <a:gd name="connsiteY3" fmla="*/ 0 h 4156364"/>
+              <a:gd name="connsiteX4" fmla="*/ 4370119 w 4488873"/>
+              <a:gd name="connsiteY4" fmla="*/ 0 h 4156364"/>
+              <a:gd name="connsiteX5" fmla="*/ 1876301 w 4488873"/>
+              <a:gd name="connsiteY5" fmla="*/ 0 h 4156364"/>
+              <a:gd name="connsiteX6" fmla="*/ 0 w 4488873"/>
+              <a:gd name="connsiteY6" fmla="*/ 4156364 h 4156364"/>
+              <a:gd name="connsiteX0" fmla="*/ 0 w 4488873"/>
+              <a:gd name="connsiteY0" fmla="*/ 4156364 h 4156364"/>
+              <a:gd name="connsiteX1" fmla="*/ 4488873 w 4488873"/>
+              <a:gd name="connsiteY1" fmla="*/ 4156364 h 4156364"/>
+              <a:gd name="connsiteX2" fmla="*/ 4488873 w 4488873"/>
+              <a:gd name="connsiteY2" fmla="*/ 3895106 h 4156364"/>
+              <a:gd name="connsiteX3" fmla="*/ 4488873 w 4488873"/>
+              <a:gd name="connsiteY3" fmla="*/ 0 h 4156364"/>
+              <a:gd name="connsiteX4" fmla="*/ 4370119 w 4488873"/>
+              <a:gd name="connsiteY4" fmla="*/ 0 h 4156364"/>
+              <a:gd name="connsiteX5" fmla="*/ 3507174 w 4488873"/>
+              <a:gd name="connsiteY5" fmla="*/ 0 h 4156364"/>
+              <a:gd name="connsiteX6" fmla="*/ 0 w 4488873"/>
+              <a:gd name="connsiteY6" fmla="*/ 4156364 h 4156364"/>
+            </a:gdLst>
+            <a:ahLst/>
+            <a:cxnLst>
+              <a:cxn ang="0">
+                <a:pos x="connsiteX0" y="connsiteY0"/>
+              </a:cxn>
+              <a:cxn ang="0">
+                <a:pos x="connsiteX1" y="connsiteY1"/>
+              </a:cxn>
+              <a:cxn ang="0">
+                <a:pos x="connsiteX2" y="connsiteY2"/>
+              </a:cxn>
+              <a:cxn ang="0">
+                <a:pos x="connsiteX3" y="connsiteY3"/>
+              </a:cxn>
+              <a:cxn ang="0">
+                <a:pos x="connsiteX4" y="connsiteY4"/>
+              </a:cxn>
+              <a:cxn ang="0">
+                <a:pos x="connsiteX5" y="connsiteY5"/>
+              </a:cxn>
+              <a:cxn ang="0">
+                <a:pos x="connsiteX6" y="connsiteY6"/>
+              </a:cxn>
+            </a:cxnLst>
+            <a:rect l="l" t="t" r="r" b="b"/>
+            <a:pathLst>
+              <a:path w="4488873" h="4156364">
+                <a:moveTo>
+                  <a:pt x="0" y="4156364"/>
+                </a:moveTo>
+                <a:lnTo>
+                  <a:pt x="4488873" y="4156364"/>
+                </a:lnTo>
+                <a:lnTo>
+                  <a:pt x="4488873" y="3895106"/>
+                </a:lnTo>
+                <a:lnTo>
+                  <a:pt x="4488873" y="0"/>
+                </a:lnTo>
+                <a:lnTo>
+                  <a:pt x="4370119" y="0"/>
+                </a:lnTo>
+                <a:lnTo>
+                  <a:pt x="3507174" y="0"/>
+                </a:lnTo>
+                <a:lnTo>
+                  <a:pt x="0" y="4156364"/>
+                </a:lnTo>
+                <a:close/>
+              </a:path>
+            </a:pathLst>
+          </a:custGeom>
+          <a:solidFill>
+            <a:schemeClr val="bg1"/>
+          </a:solidFill>
+          <a:ln>
+            <a:noFill/>
+          </a:ln>
+        </p:spPr>
+        <p:style>
+          <a:lnRef idx="2">
+            <a:schemeClr val="accent1">
+              <a:shade val="50000"/>
+            </a:schemeClr>
+          </a:lnRef>
+          <a:fillRef idx="1">
+            <a:schemeClr val="accent1"/>
+          </a:fillRef>
+          <a:effectRef idx="0">
+            <a:schemeClr val="accent1"/>
+          </a:effectRef>
+          <a:fontRef idx="minor">
+            <a:schemeClr val="lt1"/>
+          </a:fontRef>
+        </p:style>
+        <p:txBody>
+          <a:bodyPr rtlCol="0" anchor="ctr"/>
+          <a:lstStyle/>
+          <a:p>
+            <a:pPr algn="ctr"/>
+            <a:endParaRPr lang="en-US"/>
+          </a:p>
+        </p:txBody>
+      </p:sp>
+      <p:sp>
+        <p:nvSpPr>
+          <p:cNvPr id="10" name="Rectangle 9"/>
+          <p:cNvSpPr/>
+          <p:nvPr/>
+        </p:nvSpPr>
+        <p:spPr>
+          <a:xfrm rot="20897980">
+            <a:off x="6053139" y="427356"/>
+            <a:ext cx="2506050" cy="831271"/>
+          </a:xfrm>
+          <a:prstGeom prst="rect">
+            <a:avLst/>
+          </a:prstGeom>
+          <a:solidFill>
+            <a:schemeClr val="bg1">
+              <a:lumMod val="85000"/>
+              <a:alpha val="61000"/>
+            </a:schemeClr>
+          </a:solidFill>
+          <a:ln>
+            <a:noFill/>
+          </a:ln>
+        </p:spPr>
+        <p:style>
+          <a:lnRef idx="2">
+            <a:schemeClr val="accent1">
+              <a:shade val="50000"/>
+            </a:schemeClr>
+          </a:lnRef>
+          <a:fillRef idx="1">
+            <a:schemeClr val="accent1"/>
+          </a:fillRef>
+          <a:effectRef idx="0">
+            <a:schemeClr val="accent1"/>
+          </a:effectRef>
+          <a:fontRef idx="minor">
+            <a:schemeClr val="lt1"/>
+          </a:fontRef>
+        </p:style>
+        <p:txBody>
+          <a:bodyPr rtlCol="0" anchor="ctr"/>
+          <a:lstStyle/>
+          <a:p>
+            <a:pPr algn="r"/>
+            <a:r>
+              <a:rPr lang="en-US" sz="3600" dirty="0" smtClean="0">
+                <a:solidFill>
+                  <a:srgbClr val="334864"/>
+                </a:solidFill>
+                <a:latin typeface="Silom" charset="-34"/>
+                <a:ea typeface="Silom" charset="-34"/>
+                <a:cs typeface="Silom" charset="-34"/>
+              </a:rPr>
+              <a:t>  Leave</a:t>
+            </a:r>
+            <a:endParaRPr lang="en-US" sz="3600" dirty="0">
+              <a:solidFill>
+                <a:srgbClr val="334864"/>
+              </a:solidFill>
+              <a:latin typeface="Silom" charset="-34"/>
+              <a:ea typeface="Silom" charset="-34"/>
+              <a:cs typeface="Silom" charset="-34"/>
+            </a:endParaRPr>
+          </a:p>
+        </p:txBody>
+      </p:sp>
+      <p:sp>
+        <p:nvSpPr>
+          <p:cNvPr id="54" name="Rectangle 53"/>
+          <p:cNvSpPr/>
+          <p:nvPr/>
+        </p:nvSpPr>
+        <p:spPr>
+          <a:xfrm>
+            <a:off x="928468" y="1867546"/>
+            <a:ext cx="4702578" cy="2605980"/>
+          </a:xfrm>
+          <a:prstGeom prst="rect">
+            <a:avLst/>
+          </a:prstGeom>
+          <a:solidFill>
+            <a:schemeClr val="bg1"/>
+          </a:solidFill>
+          <a:ln>
+            <a:noFill/>
+          </a:ln>
+        </p:spPr>
+        <p:style>
+          <a:lnRef idx="2">
+            <a:schemeClr val="accent1">
+              <a:shade val="50000"/>
+            </a:schemeClr>
+          </a:lnRef>
+          <a:fillRef idx="1">
+            <a:schemeClr val="accent1"/>
+          </a:fillRef>
+          <a:effectRef idx="0">
+            <a:schemeClr val="accent1"/>
+          </a:effectRef>
+          <a:fontRef idx="minor">
+            <a:schemeClr val="lt1"/>
+          </a:fontRef>
+        </p:style>
+        <p:txBody>
+          <a:bodyPr rtlCol="0" anchor="ctr"/>
+          <a:lstStyle/>
+          <a:p>
+            <a:endParaRPr lang="en-US" sz="3600" dirty="0">
+              <a:solidFill>
+                <a:srgbClr val="334864"/>
+              </a:solidFill>
+              <a:latin typeface="Silom" charset="-34"/>
+              <a:ea typeface="Silom" charset="-34"/>
+              <a:cs typeface="Silom" charset="-34"/>
+            </a:endParaRPr>
+          </a:p>
+        </p:txBody>
+      </p:sp>
+      <p:sp>
+        <p:nvSpPr>
+          <p:cNvPr id="66" name="Rectangle 65"/>
+          <p:cNvSpPr/>
+          <p:nvPr/>
+        </p:nvSpPr>
+        <p:spPr>
+          <a:xfrm rot="697670">
+            <a:off x="6056754" y="1159527"/>
+            <a:ext cx="2134800" cy="831271"/>
+          </a:xfrm>
+          <a:prstGeom prst="rect">
+            <a:avLst/>
+          </a:prstGeom>
+          <a:solidFill>
+            <a:schemeClr val="bg1"/>
+          </a:solidFill>
+          <a:ln>
+            <a:noFill/>
+          </a:ln>
+        </p:spPr>
+        <p:style>
+          <a:lnRef idx="2">
+            <a:schemeClr val="accent1">
+              <a:shade val="50000"/>
+            </a:schemeClr>
+          </a:lnRef>
+          <a:fillRef idx="1">
+            <a:schemeClr val="accent1"/>
+          </a:fillRef>
+          <a:effectRef idx="0">
+            <a:schemeClr val="accent1"/>
+          </a:effectRef>
+          <a:fontRef idx="minor">
+            <a:schemeClr val="lt1"/>
+          </a:fontRef>
+        </p:style>
+        <p:txBody>
+          <a:bodyPr rtlCol="0" anchor="ctr"/>
+          <a:lstStyle/>
+          <a:p>
+            <a:pPr algn="r"/>
+            <a:r>
+              <a:rPr lang="en-US" sz="3600" dirty="0" smtClean="0">
+                <a:solidFill>
+                  <a:srgbClr val="334864"/>
+                </a:solidFill>
+                <a:latin typeface="Silom" charset="-34"/>
+                <a:ea typeface="Silom" charset="-34"/>
+                <a:cs typeface="Silom" charset="-34"/>
+              </a:rPr>
+              <a:t>  Help</a:t>
+            </a:r>
+            <a:endParaRPr lang="en-US" sz="3600" dirty="0">
+              <a:solidFill>
+                <a:srgbClr val="334864"/>
+              </a:solidFill>
+              <a:latin typeface="Silom" charset="-34"/>
+              <a:ea typeface="Silom" charset="-34"/>
+              <a:cs typeface="Silom" charset="-34"/>
+            </a:endParaRPr>
+          </a:p>
+        </p:txBody>
+      </p:sp>
+      <p:sp>
+        <p:nvSpPr>
+          <p:cNvPr id="13" name="Rectangle 12"/>
+          <p:cNvSpPr/>
+          <p:nvPr/>
+        </p:nvSpPr>
+        <p:spPr>
+          <a:xfrm>
+            <a:off x="605642" y="848207"/>
+            <a:ext cx="4751345" cy="831271"/>
+          </a:xfrm>
+          <a:prstGeom prst="rect">
+            <a:avLst/>
+          </a:prstGeom>
+          <a:solidFill>
+            <a:schemeClr val="bg1"/>
+          </a:solidFill>
+          <a:ln>
+            <a:noFill/>
+          </a:ln>
+        </p:spPr>
+        <p:style>
+          <a:lnRef idx="2">
+            <a:schemeClr val="accent1">
+              <a:shade val="50000"/>
+            </a:schemeClr>
+          </a:lnRef>
+          <a:fillRef idx="1">
+            <a:schemeClr val="accent1"/>
+          </a:fillRef>
+          <a:effectRef idx="0">
+            <a:schemeClr val="accent1"/>
+          </a:effectRef>
+          <a:fontRef idx="minor">
+            <a:schemeClr val="lt1"/>
+          </a:fontRef>
+        </p:style>
+        <p:txBody>
+          <a:bodyPr rtlCol="0" anchor="ctr"/>
+          <a:lstStyle/>
+          <a:p>
+            <a:r>
+              <a:rPr lang="en-US" sz="3600" dirty="0" smtClean="0">
+                <a:solidFill>
+                  <a:srgbClr val="334864"/>
+                </a:solidFill>
+                <a:latin typeface="Silom" charset="-34"/>
+                <a:ea typeface="Silom" charset="-34"/>
+                <a:cs typeface="Silom" charset="-34"/>
+              </a:rPr>
+              <a:t>Game1</a:t>
+            </a:r>
+            <a:endParaRPr lang="en-US" sz="3600" dirty="0">
+              <a:solidFill>
+                <a:srgbClr val="334864"/>
+              </a:solidFill>
+              <a:latin typeface="Silom" charset="-34"/>
+              <a:ea typeface="Silom" charset="-34"/>
+              <a:cs typeface="Silom" charset="-34"/>
+            </a:endParaRPr>
+          </a:p>
+        </p:txBody>
+      </p:sp>
+      <p:sp>
+        <p:nvSpPr>
+          <p:cNvPr id="11" name="Oval 10"/>
+          <p:cNvSpPr/>
+          <p:nvPr/>
+        </p:nvSpPr>
+        <p:spPr>
+          <a:xfrm>
+            <a:off x="4855523" y="283386"/>
+            <a:ext cx="1960914" cy="1960914"/>
+          </a:xfrm>
+          <a:prstGeom prst="ellipse">
+            <a:avLst/>
+          </a:prstGeom>
+          <a:solidFill>
+            <a:srgbClr val="334864"/>
+          </a:solidFill>
+          <a:ln>
+            <a:noFill/>
+          </a:ln>
+        </p:spPr>
+        <p:style>
+          <a:lnRef idx="2">
+            <a:schemeClr val="accent1">
+              <a:shade val="50000"/>
+            </a:schemeClr>
+          </a:lnRef>
+          <a:fillRef idx="1">
+            <a:schemeClr val="accent1"/>
+          </a:fillRef>
+          <a:effectRef idx="0">
+            <a:schemeClr val="accent1"/>
+          </a:effectRef>
+          <a:fontRef idx="minor">
+            <a:schemeClr val="lt1"/>
+          </a:fontRef>
+        </p:style>
+        <p:txBody>
+          <a:bodyPr rtlCol="0" anchor="ctr"/>
+          <a:lstStyle/>
+          <a:p>
+            <a:pPr algn="ctr"/>
+            <a:endParaRPr lang="en-US"/>
+          </a:p>
+        </p:txBody>
+      </p:sp>
+      <p:sp>
+        <p:nvSpPr>
+          <p:cNvPr id="9" name="Oval 8"/>
+          <p:cNvSpPr/>
+          <p:nvPr/>
+        </p:nvSpPr>
+        <p:spPr>
+          <a:xfrm>
+            <a:off x="5070765" y="498626"/>
+            <a:ext cx="1531917" cy="1531917"/>
+          </a:xfrm>
+          <a:prstGeom prst="ellipse">
+            <a:avLst/>
+          </a:prstGeom>
+          <a:solidFill>
+            <a:schemeClr val="bg1"/>
+          </a:solidFill>
+          <a:ln>
+            <a:noFill/>
+          </a:ln>
+        </p:spPr>
+        <p:style>
+          <a:lnRef idx="2">
+            <a:schemeClr val="accent1">
+              <a:shade val="50000"/>
+            </a:schemeClr>
+          </a:lnRef>
+          <a:fillRef idx="1">
+            <a:schemeClr val="accent1"/>
+          </a:fillRef>
+          <a:effectRef idx="0">
+            <a:schemeClr val="accent1"/>
+          </a:effectRef>
+          <a:fontRef idx="minor">
+            <a:schemeClr val="lt1"/>
+          </a:fontRef>
+        </p:style>
+        <p:txBody>
+          <a:bodyPr rtlCol="0" anchor="ctr"/>
+          <a:lstStyle/>
+          <a:p>
+            <a:pPr algn="ctr"/>
+            <a:endParaRPr lang="en-US" sz="2800" dirty="0">
+              <a:solidFill>
+                <a:srgbClr val="B0B5BF"/>
+              </a:solidFill>
+              <a:latin typeface="Silom" charset="-34"/>
+              <a:ea typeface="Silom" charset="-34"/>
+              <a:cs typeface="Silom" charset="-34"/>
+            </a:endParaRPr>
+          </a:p>
+        </p:txBody>
+      </p:sp>
+      <p:sp>
+        <p:nvSpPr>
+          <p:cNvPr id="23" name="Triangle 22"/>
+          <p:cNvSpPr/>
+          <p:nvPr/>
+        </p:nvSpPr>
+        <p:spPr>
+          <a:xfrm rot="10800000">
+            <a:off x="0" y="-1"/>
+            <a:ext cx="5130140" cy="469491"/>
+          </a:xfrm>
+          <a:prstGeom prst="triangle">
+            <a:avLst>
+              <a:gd name="adj" fmla="val 100000"/>
+            </a:avLst>
+          </a:prstGeom>
+          <a:solidFill>
+            <a:schemeClr val="bg1"/>
+          </a:solidFill>
+          <a:ln>
+            <a:noFill/>
+          </a:ln>
+        </p:spPr>
+        <p:style>
+          <a:lnRef idx="2">
+            <a:schemeClr val="accent1">
+              <a:shade val="50000"/>
+            </a:schemeClr>
+          </a:lnRef>
+          <a:fillRef idx="1">
+            <a:schemeClr val="accent1"/>
+          </a:fillRef>
+          <a:effectRef idx="0">
+            <a:schemeClr val="accent1"/>
+          </a:effectRef>
+          <a:fontRef idx="minor">
+            <a:schemeClr val="lt1"/>
+          </a:fontRef>
+        </p:style>
+        <p:txBody>
+          <a:bodyPr rtlCol="0" anchor="ctr"/>
+          <a:lstStyle/>
+          <a:p>
+            <a:pPr algn="ctr"/>
+            <a:endParaRPr lang="en-US"/>
+          </a:p>
+        </p:txBody>
+      </p:sp>
+      <p:sp>
+        <p:nvSpPr>
+          <p:cNvPr id="44" name="Oval 43"/>
+          <p:cNvSpPr/>
+          <p:nvPr/>
+        </p:nvSpPr>
+        <p:spPr>
+          <a:xfrm>
+            <a:off x="8377915" y="5119228"/>
+            <a:ext cx="291320" cy="291320"/>
+          </a:xfrm>
+          <a:prstGeom prst="ellipse">
+            <a:avLst/>
+          </a:prstGeom>
+          <a:solidFill>
+            <a:srgbClr val="F45348"/>
+          </a:solidFill>
+          <a:ln w="28575">
+            <a:noFill/>
+          </a:ln>
+        </p:spPr>
+        <p:style>
+          <a:lnRef idx="2">
+            <a:schemeClr val="accent1">
+              <a:shade val="50000"/>
+            </a:schemeClr>
+          </a:lnRef>
+          <a:fillRef idx="1">
+            <a:schemeClr val="accent1"/>
+          </a:fillRef>
+          <a:effectRef idx="0">
+            <a:schemeClr val="accent1"/>
+          </a:effectRef>
+          <a:fontRef idx="minor">
+            <a:schemeClr val="lt1"/>
+          </a:fontRef>
+        </p:style>
+        <p:txBody>
+          <a:bodyPr rtlCol="0" anchor="ctr"/>
+          <a:lstStyle/>
+          <a:p>
+            <a:pPr algn="ctr"/>
+            <a:endParaRPr lang="en-US" dirty="0"/>
+          </a:p>
+        </p:txBody>
+      </p:sp>
+      <p:sp>
+        <p:nvSpPr>
+          <p:cNvPr id="45" name="Oval 44"/>
+          <p:cNvSpPr/>
+          <p:nvPr/>
+        </p:nvSpPr>
+        <p:spPr>
+          <a:xfrm>
+            <a:off x="7942377" y="5119228"/>
+            <a:ext cx="291320" cy="291320"/>
+          </a:xfrm>
+          <a:prstGeom prst="ellipse">
+            <a:avLst/>
+          </a:prstGeom>
+          <a:solidFill>
+            <a:srgbClr val="00FDFF"/>
+          </a:solidFill>
+          <a:ln w="28575">
+            <a:noFill/>
+          </a:ln>
+        </p:spPr>
+        <p:style>
+          <a:lnRef idx="2">
+            <a:schemeClr val="accent1">
+              <a:shade val="50000"/>
+            </a:schemeClr>
+          </a:lnRef>
+          <a:fillRef idx="1">
+            <a:schemeClr val="accent1"/>
+          </a:fillRef>
+          <a:effectRef idx="0">
+            <a:schemeClr val="accent1"/>
+          </a:effectRef>
+          <a:fontRef idx="minor">
+            <a:schemeClr val="lt1"/>
+          </a:fontRef>
+        </p:style>
+        <p:txBody>
+          <a:bodyPr rtlCol="0" anchor="ctr"/>
+          <a:lstStyle/>
+          <a:p>
+            <a:pPr algn="ctr"/>
+            <a:endParaRPr lang="en-US" dirty="0"/>
+          </a:p>
+        </p:txBody>
+      </p:sp>
+      <p:sp>
+        <p:nvSpPr>
+          <p:cNvPr id="46" name="Oval 45"/>
+          <p:cNvSpPr/>
+          <p:nvPr/>
+        </p:nvSpPr>
+        <p:spPr>
+          <a:xfrm>
+            <a:off x="7506839" y="5119228"/>
+            <a:ext cx="291320" cy="291320"/>
+          </a:xfrm>
+          <a:prstGeom prst="ellipse">
+            <a:avLst/>
+          </a:prstGeom>
+          <a:solidFill>
+            <a:srgbClr val="B733E3"/>
+          </a:solidFill>
+          <a:ln w="28575">
+            <a:noFill/>
+          </a:ln>
+        </p:spPr>
+        <p:style>
+          <a:lnRef idx="2">
+            <a:schemeClr val="accent1">
+              <a:shade val="50000"/>
+            </a:schemeClr>
+          </a:lnRef>
+          <a:fillRef idx="1">
+            <a:schemeClr val="accent1"/>
+          </a:fillRef>
+          <a:effectRef idx="0">
+            <a:schemeClr val="accent1"/>
+          </a:effectRef>
+          <a:fontRef idx="minor">
+            <a:schemeClr val="lt1"/>
+          </a:fontRef>
+        </p:style>
+        <p:txBody>
+          <a:bodyPr rtlCol="0" anchor="ctr"/>
+          <a:lstStyle/>
+          <a:p>
+            <a:pPr algn="ctr"/>
+            <a:endParaRPr lang="en-US" dirty="0"/>
+          </a:p>
+        </p:txBody>
+      </p:sp>
+      <p:sp>
+        <p:nvSpPr>
+          <p:cNvPr id="30" name="Triangle 29"/>
+          <p:cNvSpPr/>
+          <p:nvPr/>
+        </p:nvSpPr>
+        <p:spPr>
+          <a:xfrm rot="5400000">
+            <a:off x="5469373" y="914525"/>
+            <a:ext cx="831272" cy="698634"/>
+          </a:xfrm>
+          <a:prstGeom prst="triangle">
+            <a:avLst/>
+          </a:prstGeom>
+          <a:solidFill>
+            <a:srgbClr val="334864"/>
+          </a:solidFill>
+          <a:ln>
+            <a:noFill/>
+          </a:ln>
+        </p:spPr>
+        <p:style>
+          <a:lnRef idx="2">
+            <a:schemeClr val="accent1">
+              <a:shade val="50000"/>
+            </a:schemeClr>
+          </a:lnRef>
+          <a:fillRef idx="1">
+            <a:schemeClr val="accent1"/>
+          </a:fillRef>
+          <a:effectRef idx="0">
+            <a:schemeClr val="accent1"/>
+          </a:effectRef>
+          <a:fontRef idx="minor">
+            <a:schemeClr val="lt1"/>
+          </a:fontRef>
+        </p:style>
+        <p:txBody>
+          <a:bodyPr rtlCol="0" anchor="ctr"/>
+          <a:lstStyle/>
+          <a:p>
+            <a:pPr algn="ctr"/>
+            <a:endParaRPr lang="en-US"/>
+          </a:p>
+        </p:txBody>
+      </p:sp>
+      <p:sp>
+        <p:nvSpPr>
+          <p:cNvPr id="55" name="Oval 54"/>
+          <p:cNvSpPr/>
+          <p:nvPr/>
+        </p:nvSpPr>
+        <p:spPr>
+          <a:xfrm>
+            <a:off x="2332697" y="2242126"/>
+            <a:ext cx="724251" cy="724251"/>
+          </a:xfrm>
+          <a:prstGeom prst="ellipse">
+            <a:avLst/>
+          </a:prstGeom>
+          <a:solidFill>
+            <a:srgbClr val="00B050"/>
+          </a:solidFill>
+          <a:ln w="28575">
+            <a:noFill/>
+          </a:ln>
+        </p:spPr>
+        <p:style>
+          <a:lnRef idx="2">
+            <a:schemeClr val="accent1">
+              <a:shade val="50000"/>
+            </a:schemeClr>
+          </a:lnRef>
+          <a:fillRef idx="1">
+            <a:schemeClr val="accent1"/>
+          </a:fillRef>
+          <a:effectRef idx="0">
+            <a:schemeClr val="accent1"/>
+          </a:effectRef>
+          <a:fontRef idx="minor">
+            <a:schemeClr val="lt1"/>
+          </a:fontRef>
+        </p:style>
+        <p:txBody>
+          <a:bodyPr rtlCol="0" anchor="ctr"/>
+          <a:lstStyle/>
+          <a:p>
+            <a:pPr algn="ctr"/>
+            <a:endParaRPr lang="en-US"/>
+          </a:p>
+        </p:txBody>
+      </p:sp>
+      <p:sp>
+        <p:nvSpPr>
+          <p:cNvPr id="56" name="Oval 55"/>
+          <p:cNvSpPr/>
+          <p:nvPr/>
+        </p:nvSpPr>
+        <p:spPr>
+          <a:xfrm>
+            <a:off x="3155207" y="1981571"/>
+            <a:ext cx="1239932" cy="1239932"/>
+          </a:xfrm>
+          <a:prstGeom prst="ellipse">
+            <a:avLst/>
+          </a:prstGeom>
+          <a:solidFill>
+            <a:srgbClr val="FFC000"/>
+          </a:solidFill>
+          <a:ln w="57150">
+            <a:noFill/>
+          </a:ln>
+        </p:spPr>
+        <p:style>
+          <a:lnRef idx="2">
+            <a:schemeClr val="accent1">
+              <a:shade val="50000"/>
+            </a:schemeClr>
+          </a:lnRef>
+          <a:fillRef idx="1">
+            <a:schemeClr val="accent1"/>
+          </a:fillRef>
+          <a:effectRef idx="0">
+            <a:schemeClr val="accent1"/>
+          </a:effectRef>
+          <a:fontRef idx="minor">
+            <a:schemeClr val="lt1"/>
+          </a:fontRef>
+        </p:style>
+        <p:txBody>
+          <a:bodyPr rtlCol="0" anchor="ctr"/>
+          <a:lstStyle/>
+          <a:p>
+            <a:pPr algn="ctr"/>
+            <a:endParaRPr lang="en-US"/>
+          </a:p>
+        </p:txBody>
+      </p:sp>
+      <p:sp>
+        <p:nvSpPr>
+          <p:cNvPr id="57" name="Oval 56"/>
+          <p:cNvSpPr/>
+          <p:nvPr/>
+        </p:nvSpPr>
+        <p:spPr>
+          <a:xfrm>
+            <a:off x="4493397" y="2235896"/>
+            <a:ext cx="724251" cy="724251"/>
+          </a:xfrm>
+          <a:prstGeom prst="ellipse">
+            <a:avLst/>
+          </a:prstGeom>
+          <a:solidFill>
+            <a:srgbClr val="00B0F0"/>
+          </a:solidFill>
+          <a:ln w="28575">
+            <a:noFill/>
+          </a:ln>
+        </p:spPr>
+        <p:style>
+          <a:lnRef idx="2">
+            <a:schemeClr val="accent1">
+              <a:shade val="50000"/>
+            </a:schemeClr>
+          </a:lnRef>
+          <a:fillRef idx="1">
+            <a:schemeClr val="accent1"/>
+          </a:fillRef>
+          <a:effectRef idx="0">
+            <a:schemeClr val="accent1"/>
+          </a:effectRef>
+          <a:fontRef idx="minor">
+            <a:schemeClr val="lt1"/>
+          </a:fontRef>
+        </p:style>
+        <p:txBody>
+          <a:bodyPr rtlCol="0" anchor="ctr"/>
+          <a:lstStyle/>
+          <a:p>
+            <a:pPr algn="ctr"/>
+            <a:endParaRPr lang="en-US"/>
+          </a:p>
+        </p:txBody>
+      </p:sp>
+      <p:sp>
+        <p:nvSpPr>
+          <p:cNvPr id="58" name="Oval 57"/>
+          <p:cNvSpPr/>
+          <p:nvPr/>
+        </p:nvSpPr>
+        <p:spPr>
+          <a:xfrm>
+            <a:off x="1248051" y="3331471"/>
+            <a:ext cx="724251" cy="724251"/>
+          </a:xfrm>
+          <a:prstGeom prst="ellipse">
+            <a:avLst/>
+          </a:prstGeom>
+          <a:solidFill>
+            <a:srgbClr val="BFBFBF"/>
+          </a:solidFill>
+          <a:ln w="28575">
+            <a:noFill/>
+          </a:ln>
+        </p:spPr>
+        <p:style>
+          <a:lnRef idx="2">
+            <a:schemeClr val="accent1">
+              <a:shade val="50000"/>
+            </a:schemeClr>
+          </a:lnRef>
+          <a:fillRef idx="1">
+            <a:schemeClr val="accent1"/>
+          </a:fillRef>
+          <a:effectRef idx="0">
+            <a:schemeClr val="accent1"/>
+          </a:effectRef>
+          <a:fontRef idx="minor">
+            <a:schemeClr val="lt1"/>
+          </a:fontRef>
+        </p:style>
+        <p:txBody>
+          <a:bodyPr rtlCol="0" anchor="ctr"/>
+          <a:lstStyle/>
+          <a:p>
+            <a:pPr algn="ctr"/>
+            <a:endParaRPr lang="en-US"/>
+          </a:p>
+        </p:txBody>
+      </p:sp>
+      <p:sp>
+        <p:nvSpPr>
+          <p:cNvPr id="59" name="Oval 58"/>
+          <p:cNvSpPr/>
+          <p:nvPr/>
+        </p:nvSpPr>
+        <p:spPr>
+          <a:xfrm>
+            <a:off x="2332697" y="3337701"/>
+            <a:ext cx="724251" cy="724251"/>
+          </a:xfrm>
+          <a:prstGeom prst="ellipse">
+            <a:avLst/>
+          </a:prstGeom>
+          <a:solidFill>
+            <a:srgbClr val="B97C2E"/>
+          </a:solidFill>
+          <a:ln w="28575">
+            <a:noFill/>
+          </a:ln>
+        </p:spPr>
+        <p:style>
+          <a:lnRef idx="2">
+            <a:schemeClr val="accent1">
+              <a:shade val="50000"/>
+            </a:schemeClr>
+          </a:lnRef>
+          <a:fillRef idx="1">
+            <a:schemeClr val="accent1"/>
+          </a:fillRef>
+          <a:effectRef idx="0">
+            <a:schemeClr val="accent1"/>
+          </a:effectRef>
+          <a:fontRef idx="minor">
+            <a:schemeClr val="lt1"/>
+          </a:fontRef>
+        </p:style>
+        <p:txBody>
+          <a:bodyPr rtlCol="0" anchor="ctr"/>
+          <a:lstStyle/>
+          <a:p>
+            <a:pPr algn="ctr"/>
+            <a:endParaRPr lang="en-US"/>
+          </a:p>
+        </p:txBody>
+      </p:sp>
+      <p:sp>
+        <p:nvSpPr>
+          <p:cNvPr id="64" name="Oval 63"/>
+          <p:cNvSpPr/>
+          <p:nvPr/>
+        </p:nvSpPr>
+        <p:spPr>
+          <a:xfrm>
+            <a:off x="7071301" y="5119228"/>
+            <a:ext cx="291320" cy="291320"/>
+          </a:xfrm>
+          <a:prstGeom prst="ellipse">
+            <a:avLst/>
+          </a:prstGeom>
+          <a:solidFill>
+            <a:srgbClr val="FFC000"/>
+          </a:solidFill>
+          <a:ln w="28575">
+            <a:noFill/>
+          </a:ln>
+        </p:spPr>
+        <p:style>
+          <a:lnRef idx="2">
+            <a:schemeClr val="accent1">
+              <a:shade val="50000"/>
+            </a:schemeClr>
+          </a:lnRef>
+          <a:fillRef idx="1">
+            <a:schemeClr val="accent1"/>
+          </a:fillRef>
+          <a:effectRef idx="0">
+            <a:schemeClr val="accent1"/>
+          </a:effectRef>
+          <a:fontRef idx="minor">
+            <a:schemeClr val="lt1"/>
+          </a:fontRef>
+        </p:style>
+        <p:txBody>
+          <a:bodyPr rtlCol="0" anchor="ctr"/>
+          <a:lstStyle/>
+          <a:p>
+            <a:pPr algn="ctr"/>
+            <a:endParaRPr lang="en-US" dirty="0"/>
+          </a:p>
+        </p:txBody>
+      </p:sp>
+    </p:spTree>
+    <p:extLst>
+      <p:ext uri="{BB962C8B-B14F-4D97-AF65-F5344CB8AC3E}">
+        <p14:creationId xmlns:p14="http://schemas.microsoft.com/office/powerpoint/2010/main" val="280112177"/>
+      </p:ext>
+    </p:extLst>
+  </p:cSld>
+  <p:clrMapOvr>
+    <a:masterClrMapping/>
+  </p:clrMapOvr>
+  <p:timing>
+    <p:tnLst>
+      <p:par>
+        <p:cTn id="1" dur="indefinite" restart="never" nodeType="tmRoot"/>
+      </p:par>
+    </p:tnLst>
+  </p:timing>
+</p:sld>
+</file>
+
+<file path=ppt/slides/slide6.xml><?xml version="1.0" encoding="utf-8"?>
+<p:sld xmlns:a="http://schemas.openxmlformats.org/drawingml/2006/main" xmlns:r="http://schemas.openxmlformats.org/officeDocument/2006/relationships" xmlns:p="http://schemas.openxmlformats.org/presentationml/2006/main">
+  <p:cSld>
+    <p:bg>
+      <p:bgPr>
+        <a:solidFill>
+          <a:srgbClr val="334864"/>
+        </a:solidFill>
+        <a:effectLst/>
+      </p:bgPr>
+    </p:bg>
+    <p:spTree>
+      <p:nvGrpSpPr>
+        <p:cNvPr id="1" name=""/>
+        <p:cNvGrpSpPr/>
+        <p:nvPr/>
+      </p:nvGrpSpPr>
+      <p:grpSpPr>
+        <a:xfrm>
+          <a:off x="0" y="0"/>
+          <a:ext cx="0" cy="0"/>
+          <a:chOff x="0" y="0"/>
+          <a:chExt cx="0" cy="0"/>
+        </a:xfrm>
+      </p:grpSpPr>
+      <p:sp>
+        <p:nvSpPr>
+          <p:cNvPr id="21" name="Freeform 20"/>
+          <p:cNvSpPr/>
+          <p:nvPr/>
+        </p:nvSpPr>
+        <p:spPr>
+          <a:xfrm rot="16200000" flipH="1">
+            <a:off x="4054936" y="625293"/>
+            <a:ext cx="1035481" cy="9142655"/>
+          </a:xfrm>
+          <a:custGeom>
+            <a:avLst/>
+            <a:gdLst>
+              <a:gd name="connsiteX0" fmla="*/ 0 w 4488873"/>
+              <a:gd name="connsiteY0" fmla="*/ 4156364 h 4156364"/>
+              <a:gd name="connsiteX1" fmla="*/ 4488873 w 4488873"/>
+              <a:gd name="connsiteY1" fmla="*/ 4156364 h 4156364"/>
+              <a:gd name="connsiteX2" fmla="*/ 4488873 w 4488873"/>
+              <a:gd name="connsiteY2" fmla="*/ 3895106 h 4156364"/>
+              <a:gd name="connsiteX3" fmla="*/ 4488873 w 4488873"/>
+              <a:gd name="connsiteY3" fmla="*/ 0 h 4156364"/>
+              <a:gd name="connsiteX4" fmla="*/ 4370119 w 4488873"/>
+              <a:gd name="connsiteY4" fmla="*/ 0 h 4156364"/>
+              <a:gd name="connsiteX5" fmla="*/ 1876301 w 4488873"/>
+              <a:gd name="connsiteY5" fmla="*/ 0 h 4156364"/>
+              <a:gd name="connsiteX6" fmla="*/ 0 w 4488873"/>
+              <a:gd name="connsiteY6" fmla="*/ 4156364 h 4156364"/>
+              <a:gd name="connsiteX0" fmla="*/ 0 w 4488873"/>
+              <a:gd name="connsiteY0" fmla="*/ 4156364 h 4156364"/>
+              <a:gd name="connsiteX1" fmla="*/ 4488873 w 4488873"/>
+              <a:gd name="connsiteY1" fmla="*/ 4156364 h 4156364"/>
+              <a:gd name="connsiteX2" fmla="*/ 4488873 w 4488873"/>
+              <a:gd name="connsiteY2" fmla="*/ 3895106 h 4156364"/>
+              <a:gd name="connsiteX3" fmla="*/ 4488873 w 4488873"/>
+              <a:gd name="connsiteY3" fmla="*/ 0 h 4156364"/>
+              <a:gd name="connsiteX4" fmla="*/ 4370119 w 4488873"/>
+              <a:gd name="connsiteY4" fmla="*/ 0 h 4156364"/>
+              <a:gd name="connsiteX5" fmla="*/ 3507174 w 4488873"/>
+              <a:gd name="connsiteY5" fmla="*/ 0 h 4156364"/>
+              <a:gd name="connsiteX6" fmla="*/ 0 w 4488873"/>
+              <a:gd name="connsiteY6" fmla="*/ 4156364 h 4156364"/>
+            </a:gdLst>
+            <a:ahLst/>
+            <a:cxnLst>
+              <a:cxn ang="0">
+                <a:pos x="connsiteX0" y="connsiteY0"/>
+              </a:cxn>
+              <a:cxn ang="0">
+                <a:pos x="connsiteX1" y="connsiteY1"/>
+              </a:cxn>
+              <a:cxn ang="0">
+                <a:pos x="connsiteX2" y="connsiteY2"/>
+              </a:cxn>
+              <a:cxn ang="0">
+                <a:pos x="connsiteX3" y="connsiteY3"/>
+              </a:cxn>
+              <a:cxn ang="0">
+                <a:pos x="connsiteX4" y="connsiteY4"/>
+              </a:cxn>
+              <a:cxn ang="0">
+                <a:pos x="connsiteX5" y="connsiteY5"/>
+              </a:cxn>
+              <a:cxn ang="0">
+                <a:pos x="connsiteX6" y="connsiteY6"/>
+              </a:cxn>
+            </a:cxnLst>
+            <a:rect l="l" t="t" r="r" b="b"/>
+            <a:pathLst>
+              <a:path w="4488873" h="4156364">
+                <a:moveTo>
+                  <a:pt x="0" y="4156364"/>
+                </a:moveTo>
+                <a:lnTo>
+                  <a:pt x="4488873" y="4156364"/>
+                </a:lnTo>
+                <a:lnTo>
+                  <a:pt x="4488873" y="3895106"/>
+                </a:lnTo>
+                <a:lnTo>
+                  <a:pt x="4488873" y="0"/>
+                </a:lnTo>
+                <a:lnTo>
+                  <a:pt x="4370119" y="0"/>
+                </a:lnTo>
+                <a:lnTo>
+                  <a:pt x="3507174" y="0"/>
+                </a:lnTo>
+                <a:lnTo>
+                  <a:pt x="0" y="4156364"/>
+                </a:lnTo>
+                <a:close/>
+              </a:path>
+            </a:pathLst>
+          </a:custGeom>
+          <a:solidFill>
+            <a:schemeClr val="bg1"/>
+          </a:solidFill>
+          <a:ln>
+            <a:noFill/>
+          </a:ln>
+        </p:spPr>
+        <p:style>
+          <a:lnRef idx="2">
+            <a:schemeClr val="accent1">
+              <a:shade val="50000"/>
+            </a:schemeClr>
+          </a:lnRef>
+          <a:fillRef idx="1">
+            <a:schemeClr val="accent1"/>
+          </a:fillRef>
+          <a:effectRef idx="0">
+            <a:schemeClr val="accent1"/>
+          </a:effectRef>
+          <a:fontRef idx="minor">
+            <a:schemeClr val="lt1"/>
+          </a:fontRef>
+        </p:style>
+        <p:txBody>
+          <a:bodyPr rtlCol="0" anchor="ctr"/>
+          <a:lstStyle/>
+          <a:p>
+            <a:pPr algn="ctr"/>
+            <a:endParaRPr lang="en-US"/>
+          </a:p>
+        </p:txBody>
+      </p:sp>
+      <p:sp>
+        <p:nvSpPr>
+          <p:cNvPr id="10" name="Rectangle 9"/>
+          <p:cNvSpPr/>
+          <p:nvPr/>
+        </p:nvSpPr>
+        <p:spPr>
+          <a:xfrm rot="20897980">
+            <a:off x="6056861" y="498423"/>
+            <a:ext cx="2506050" cy="831271"/>
+          </a:xfrm>
+          <a:prstGeom prst="rect">
+            <a:avLst/>
+          </a:prstGeom>
+          <a:solidFill>
+            <a:schemeClr val="bg1">
+              <a:lumMod val="85000"/>
+              <a:alpha val="61000"/>
+            </a:schemeClr>
+          </a:solidFill>
+          <a:ln>
+            <a:noFill/>
+          </a:ln>
+        </p:spPr>
+        <p:style>
+          <a:lnRef idx="2">
+            <a:schemeClr val="accent1">
+              <a:shade val="50000"/>
+            </a:schemeClr>
+          </a:lnRef>
+          <a:fillRef idx="1">
+            <a:schemeClr val="accent1"/>
+          </a:fillRef>
+          <a:effectRef idx="0">
+            <a:schemeClr val="accent1"/>
+          </a:effectRef>
+          <a:fontRef idx="minor">
+            <a:schemeClr val="lt1"/>
+          </a:fontRef>
+        </p:style>
+        <p:txBody>
+          <a:bodyPr rtlCol="0" anchor="ctr"/>
+          <a:lstStyle/>
+          <a:p>
+            <a:pPr algn="r"/>
+            <a:r>
+              <a:rPr lang="en-US" sz="3600" dirty="0" smtClean="0">
+                <a:solidFill>
+                  <a:srgbClr val="334864"/>
+                </a:solidFill>
+                <a:latin typeface="Silom" charset="-34"/>
+                <a:ea typeface="Silom" charset="-34"/>
+                <a:cs typeface="Silom" charset="-34"/>
+              </a:rPr>
+              <a:t>  Leave</a:t>
+            </a:r>
+            <a:endParaRPr lang="en-US" sz="3600" dirty="0">
+              <a:solidFill>
+                <a:srgbClr val="334864"/>
+              </a:solidFill>
+              <a:latin typeface="Silom" charset="-34"/>
+              <a:ea typeface="Silom" charset="-34"/>
+              <a:cs typeface="Silom" charset="-34"/>
+            </a:endParaRPr>
+          </a:p>
+        </p:txBody>
+      </p:sp>
+      <p:sp>
+        <p:nvSpPr>
+          <p:cNvPr id="54" name="Rectangle 53"/>
+          <p:cNvSpPr/>
+          <p:nvPr/>
+        </p:nvSpPr>
+        <p:spPr>
+          <a:xfrm>
+            <a:off x="928468" y="1867546"/>
+            <a:ext cx="4702578" cy="2605980"/>
+          </a:xfrm>
+          <a:prstGeom prst="rect">
+            <a:avLst/>
+          </a:prstGeom>
+          <a:solidFill>
+            <a:schemeClr val="bg1"/>
+          </a:solidFill>
+          <a:ln>
+            <a:noFill/>
+          </a:ln>
+        </p:spPr>
+        <p:style>
+          <a:lnRef idx="2">
+            <a:schemeClr val="accent1">
+              <a:shade val="50000"/>
+            </a:schemeClr>
+          </a:lnRef>
+          <a:fillRef idx="1">
+            <a:schemeClr val="accent1"/>
+          </a:fillRef>
+          <a:effectRef idx="0">
+            <a:schemeClr val="accent1"/>
+          </a:effectRef>
+          <a:fontRef idx="minor">
+            <a:schemeClr val="lt1"/>
+          </a:fontRef>
+        </p:style>
+        <p:txBody>
+          <a:bodyPr rtlCol="0" anchor="ctr"/>
+          <a:lstStyle/>
+          <a:p>
+            <a:endParaRPr lang="en-US" sz="3600" dirty="0">
+              <a:solidFill>
+                <a:srgbClr val="334864"/>
+              </a:solidFill>
+              <a:latin typeface="Silom" charset="-34"/>
+              <a:ea typeface="Silom" charset="-34"/>
+              <a:cs typeface="Silom" charset="-34"/>
+            </a:endParaRPr>
+          </a:p>
+        </p:txBody>
+      </p:sp>
+      <p:sp>
+        <p:nvSpPr>
+          <p:cNvPr id="13" name="Rectangle 12"/>
+          <p:cNvSpPr/>
+          <p:nvPr/>
+        </p:nvSpPr>
+        <p:spPr>
+          <a:xfrm>
+            <a:off x="605642" y="848207"/>
+            <a:ext cx="4751345" cy="831271"/>
+          </a:xfrm>
+          <a:prstGeom prst="rect">
+            <a:avLst/>
+          </a:prstGeom>
+          <a:solidFill>
+            <a:schemeClr val="bg1"/>
+          </a:solidFill>
+          <a:ln>
+            <a:noFill/>
+          </a:ln>
+        </p:spPr>
+        <p:style>
+          <a:lnRef idx="2">
+            <a:schemeClr val="accent1">
+              <a:shade val="50000"/>
+            </a:schemeClr>
+          </a:lnRef>
+          <a:fillRef idx="1">
+            <a:schemeClr val="accent1"/>
+          </a:fillRef>
+          <a:effectRef idx="0">
+            <a:schemeClr val="accent1"/>
+          </a:effectRef>
+          <a:fontRef idx="minor">
+            <a:schemeClr val="lt1"/>
+          </a:fontRef>
+        </p:style>
+        <p:txBody>
+          <a:bodyPr rtlCol="0" anchor="ctr"/>
+          <a:lstStyle/>
+          <a:p>
+            <a:r>
+              <a:rPr lang="en-US" sz="3600" dirty="0" smtClean="0">
+                <a:solidFill>
+                  <a:srgbClr val="334864"/>
+                </a:solidFill>
+                <a:latin typeface="Silom" charset="-34"/>
+                <a:ea typeface="Silom" charset="-34"/>
+                <a:cs typeface="Silom" charset="-34"/>
+              </a:rPr>
+              <a:t>Game1</a:t>
+            </a:r>
+            <a:endParaRPr lang="en-US" sz="3600" dirty="0">
+              <a:solidFill>
+                <a:srgbClr val="334864"/>
+              </a:solidFill>
+              <a:latin typeface="Silom" charset="-34"/>
+              <a:ea typeface="Silom" charset="-34"/>
+              <a:cs typeface="Silom" charset="-34"/>
+            </a:endParaRPr>
+          </a:p>
+        </p:txBody>
+      </p:sp>
+      <p:sp>
+        <p:nvSpPr>
+          <p:cNvPr id="11" name="Oval 10"/>
+          <p:cNvSpPr/>
+          <p:nvPr/>
+        </p:nvSpPr>
+        <p:spPr>
+          <a:xfrm>
+            <a:off x="4855523" y="283386"/>
+            <a:ext cx="1960914" cy="1960914"/>
+          </a:xfrm>
+          <a:prstGeom prst="ellipse">
+            <a:avLst/>
+          </a:prstGeom>
+          <a:solidFill>
+            <a:srgbClr val="334864"/>
+          </a:solidFill>
+          <a:ln>
+            <a:noFill/>
+          </a:ln>
+        </p:spPr>
+        <p:style>
+          <a:lnRef idx="2">
+            <a:schemeClr val="accent1">
+              <a:shade val="50000"/>
+            </a:schemeClr>
+          </a:lnRef>
+          <a:fillRef idx="1">
+            <a:schemeClr val="accent1"/>
+          </a:fillRef>
+          <a:effectRef idx="0">
+            <a:schemeClr val="accent1"/>
+          </a:effectRef>
+          <a:fontRef idx="minor">
+            <a:schemeClr val="lt1"/>
+          </a:fontRef>
+        </p:style>
+        <p:txBody>
+          <a:bodyPr rtlCol="0" anchor="ctr"/>
+          <a:lstStyle/>
+          <a:p>
+            <a:pPr algn="ctr"/>
+            <a:endParaRPr lang="en-US"/>
+          </a:p>
+        </p:txBody>
+      </p:sp>
+      <p:sp>
+        <p:nvSpPr>
+          <p:cNvPr id="9" name="Oval 8"/>
+          <p:cNvSpPr/>
+          <p:nvPr/>
+        </p:nvSpPr>
+        <p:spPr>
+          <a:xfrm>
+            <a:off x="5070765" y="498626"/>
+            <a:ext cx="1531917" cy="1531917"/>
+          </a:xfrm>
+          <a:prstGeom prst="ellipse">
+            <a:avLst/>
+          </a:prstGeom>
+          <a:solidFill>
+            <a:schemeClr val="bg1"/>
+          </a:solidFill>
+          <a:ln>
+            <a:noFill/>
+          </a:ln>
+        </p:spPr>
+        <p:style>
+          <a:lnRef idx="2">
+            <a:schemeClr val="accent1">
+              <a:shade val="50000"/>
+            </a:schemeClr>
+          </a:lnRef>
+          <a:fillRef idx="1">
+            <a:schemeClr val="accent1"/>
+          </a:fillRef>
+          <a:effectRef idx="0">
+            <a:schemeClr val="accent1"/>
+          </a:effectRef>
+          <a:fontRef idx="minor">
+            <a:schemeClr val="lt1"/>
+          </a:fontRef>
+        </p:style>
+        <p:txBody>
+          <a:bodyPr rtlCol="0" anchor="ctr"/>
+          <a:lstStyle/>
+          <a:p>
+            <a:pPr algn="ctr"/>
+            <a:endParaRPr lang="en-US" sz="2800" dirty="0">
+              <a:solidFill>
+                <a:srgbClr val="B0B5BF"/>
+              </a:solidFill>
+              <a:latin typeface="Silom" charset="-34"/>
+              <a:ea typeface="Silom" charset="-34"/>
+              <a:cs typeface="Silom" charset="-34"/>
+            </a:endParaRPr>
+          </a:p>
+        </p:txBody>
+      </p:sp>
+      <p:sp>
+        <p:nvSpPr>
+          <p:cNvPr id="23" name="Triangle 22"/>
+          <p:cNvSpPr/>
+          <p:nvPr/>
+        </p:nvSpPr>
+        <p:spPr>
+          <a:xfrm rot="10800000">
+            <a:off x="0" y="-1"/>
+            <a:ext cx="5130140" cy="469491"/>
+          </a:xfrm>
+          <a:prstGeom prst="triangle">
+            <a:avLst>
+              <a:gd name="adj" fmla="val 100000"/>
+            </a:avLst>
+          </a:prstGeom>
+          <a:solidFill>
+            <a:schemeClr val="bg1"/>
+          </a:solidFill>
+          <a:ln>
+            <a:noFill/>
+          </a:ln>
+        </p:spPr>
+        <p:style>
+          <a:lnRef idx="2">
+            <a:schemeClr val="accent1">
+              <a:shade val="50000"/>
+            </a:schemeClr>
+          </a:lnRef>
+          <a:fillRef idx="1">
+            <a:schemeClr val="accent1"/>
+          </a:fillRef>
+          <a:effectRef idx="0">
+            <a:schemeClr val="accent1"/>
+          </a:effectRef>
+          <a:fontRef idx="minor">
+            <a:schemeClr val="lt1"/>
+          </a:fontRef>
+        </p:style>
+        <p:txBody>
+          <a:bodyPr rtlCol="0" anchor="ctr"/>
+          <a:lstStyle/>
+          <a:p>
+            <a:pPr algn="ctr"/>
+            <a:endParaRPr lang="en-US"/>
+          </a:p>
+        </p:txBody>
+      </p:sp>
+      <p:sp>
+        <p:nvSpPr>
+          <p:cNvPr id="44" name="Oval 43"/>
+          <p:cNvSpPr/>
+          <p:nvPr/>
+        </p:nvSpPr>
+        <p:spPr>
+          <a:xfrm>
+            <a:off x="8377915" y="5119228"/>
+            <a:ext cx="291320" cy="291320"/>
+          </a:xfrm>
+          <a:prstGeom prst="ellipse">
+            <a:avLst/>
+          </a:prstGeom>
+          <a:solidFill>
+            <a:srgbClr val="F45348"/>
+          </a:solidFill>
+          <a:ln w="28575">
+            <a:noFill/>
+          </a:ln>
+        </p:spPr>
+        <p:style>
+          <a:lnRef idx="2">
+            <a:schemeClr val="accent1">
+              <a:shade val="50000"/>
+            </a:schemeClr>
+          </a:lnRef>
+          <a:fillRef idx="1">
+            <a:schemeClr val="accent1"/>
+          </a:fillRef>
+          <a:effectRef idx="0">
+            <a:schemeClr val="accent1"/>
+          </a:effectRef>
+          <a:fontRef idx="minor">
+            <a:schemeClr val="lt1"/>
+          </a:fontRef>
+        </p:style>
+        <p:txBody>
+          <a:bodyPr rtlCol="0" anchor="ctr"/>
+          <a:lstStyle/>
+          <a:p>
+            <a:pPr algn="ctr"/>
+            <a:endParaRPr lang="en-US" dirty="0"/>
+          </a:p>
+        </p:txBody>
+      </p:sp>
+      <p:sp>
+        <p:nvSpPr>
+          <p:cNvPr id="45" name="Oval 44"/>
+          <p:cNvSpPr/>
+          <p:nvPr/>
+        </p:nvSpPr>
+        <p:spPr>
+          <a:xfrm>
+            <a:off x="7942377" y="5119228"/>
+            <a:ext cx="291320" cy="291320"/>
+          </a:xfrm>
+          <a:prstGeom prst="ellipse">
+            <a:avLst/>
+          </a:prstGeom>
+          <a:solidFill>
+            <a:srgbClr val="00FDFF"/>
+          </a:solidFill>
+          <a:ln w="28575">
+            <a:noFill/>
+          </a:ln>
+        </p:spPr>
+        <p:style>
+          <a:lnRef idx="2">
+            <a:schemeClr val="accent1">
+              <a:shade val="50000"/>
+            </a:schemeClr>
+          </a:lnRef>
+          <a:fillRef idx="1">
+            <a:schemeClr val="accent1"/>
+          </a:fillRef>
+          <a:effectRef idx="0">
+            <a:schemeClr val="accent1"/>
+          </a:effectRef>
+          <a:fontRef idx="minor">
+            <a:schemeClr val="lt1"/>
+          </a:fontRef>
+        </p:style>
+        <p:txBody>
+          <a:bodyPr rtlCol="0" anchor="ctr"/>
+          <a:lstStyle/>
+          <a:p>
+            <a:pPr algn="ctr"/>
+            <a:endParaRPr lang="en-US" dirty="0"/>
+          </a:p>
+        </p:txBody>
+      </p:sp>
+      <p:sp>
+        <p:nvSpPr>
+          <p:cNvPr id="46" name="Oval 45"/>
+          <p:cNvSpPr/>
+          <p:nvPr/>
+        </p:nvSpPr>
+        <p:spPr>
+          <a:xfrm>
+            <a:off x="7506839" y="5119228"/>
+            <a:ext cx="291320" cy="291320"/>
+          </a:xfrm>
+          <a:prstGeom prst="ellipse">
+            <a:avLst/>
+          </a:prstGeom>
+          <a:solidFill>
+            <a:srgbClr val="B733E3"/>
+          </a:solidFill>
+          <a:ln w="28575">
+            <a:noFill/>
+          </a:ln>
+        </p:spPr>
+        <p:style>
+          <a:lnRef idx="2">
+            <a:schemeClr val="accent1">
+              <a:shade val="50000"/>
+            </a:schemeClr>
+          </a:lnRef>
+          <a:fillRef idx="1">
+            <a:schemeClr val="accent1"/>
+          </a:fillRef>
+          <a:effectRef idx="0">
+            <a:schemeClr val="accent1"/>
+          </a:effectRef>
+          <a:fontRef idx="minor">
+            <a:schemeClr val="lt1"/>
+          </a:fontRef>
+        </p:style>
+        <p:txBody>
+          <a:bodyPr rtlCol="0" anchor="ctr"/>
+          <a:lstStyle/>
+          <a:p>
+            <a:pPr algn="ctr"/>
+            <a:endParaRPr lang="en-US" dirty="0"/>
+          </a:p>
+        </p:txBody>
+      </p:sp>
+      <p:sp>
+        <p:nvSpPr>
+          <p:cNvPr id="30" name="Triangle 29"/>
+          <p:cNvSpPr/>
+          <p:nvPr/>
+        </p:nvSpPr>
+        <p:spPr>
+          <a:xfrm rot="5400000">
+            <a:off x="5469373" y="914525"/>
+            <a:ext cx="831272" cy="698634"/>
+          </a:xfrm>
+          <a:prstGeom prst="triangle">
+            <a:avLst/>
+          </a:prstGeom>
+          <a:solidFill>
+            <a:srgbClr val="334864"/>
+          </a:solidFill>
+          <a:ln>
+            <a:noFill/>
+          </a:ln>
+        </p:spPr>
+        <p:style>
+          <a:lnRef idx="2">
+            <a:schemeClr val="accent1">
+              <a:shade val="50000"/>
+            </a:schemeClr>
+          </a:lnRef>
+          <a:fillRef idx="1">
+            <a:schemeClr val="accent1"/>
+          </a:fillRef>
+          <a:effectRef idx="0">
+            <a:schemeClr val="accent1"/>
+          </a:effectRef>
+          <a:fontRef idx="minor">
+            <a:schemeClr val="lt1"/>
+          </a:fontRef>
+        </p:style>
+        <p:txBody>
+          <a:bodyPr rtlCol="0" anchor="ctr"/>
+          <a:lstStyle/>
+          <a:p>
+            <a:pPr algn="ctr"/>
+            <a:endParaRPr lang="en-US"/>
+          </a:p>
+        </p:txBody>
+      </p:sp>
+      <p:sp>
+        <p:nvSpPr>
+          <p:cNvPr id="55" name="Oval 54"/>
+          <p:cNvSpPr/>
+          <p:nvPr/>
+        </p:nvSpPr>
+        <p:spPr>
+          <a:xfrm>
+            <a:off x="2332697" y="2242126"/>
+            <a:ext cx="724251" cy="724251"/>
+          </a:xfrm>
+          <a:prstGeom prst="ellipse">
+            <a:avLst/>
+          </a:prstGeom>
+          <a:solidFill>
+            <a:srgbClr val="00B050"/>
+          </a:solidFill>
+          <a:ln w="28575">
+            <a:noFill/>
+          </a:ln>
+        </p:spPr>
+        <p:style>
+          <a:lnRef idx="2">
+            <a:schemeClr val="accent1">
+              <a:shade val="50000"/>
+            </a:schemeClr>
+          </a:lnRef>
+          <a:fillRef idx="1">
+            <a:schemeClr val="accent1"/>
+          </a:fillRef>
+          <a:effectRef idx="0">
+            <a:schemeClr val="accent1"/>
+          </a:effectRef>
+          <a:fontRef idx="minor">
+            <a:schemeClr val="lt1"/>
+          </a:fontRef>
+        </p:style>
+        <p:txBody>
+          <a:bodyPr rtlCol="0" anchor="ctr"/>
+          <a:lstStyle/>
+          <a:p>
+            <a:pPr algn="ctr"/>
+            <a:endParaRPr lang="en-US"/>
+          </a:p>
+        </p:txBody>
+      </p:sp>
+      <p:sp>
+        <p:nvSpPr>
+          <p:cNvPr id="56" name="Oval 55"/>
+          <p:cNvSpPr/>
+          <p:nvPr/>
+        </p:nvSpPr>
+        <p:spPr>
+          <a:xfrm>
+            <a:off x="3155207" y="1981571"/>
+            <a:ext cx="1239932" cy="1239932"/>
+          </a:xfrm>
+          <a:prstGeom prst="ellipse">
+            <a:avLst/>
+          </a:prstGeom>
+          <a:solidFill>
+            <a:srgbClr val="FFC000"/>
+          </a:solidFill>
+          <a:ln w="57150">
+            <a:noFill/>
+          </a:ln>
+        </p:spPr>
+        <p:style>
+          <a:lnRef idx="2">
+            <a:schemeClr val="accent1">
+              <a:shade val="50000"/>
+            </a:schemeClr>
+          </a:lnRef>
+          <a:fillRef idx="1">
+            <a:schemeClr val="accent1"/>
+          </a:fillRef>
+          <a:effectRef idx="0">
+            <a:schemeClr val="accent1"/>
+          </a:effectRef>
+          <a:fontRef idx="minor">
+            <a:schemeClr val="lt1"/>
+          </a:fontRef>
+        </p:style>
+        <p:txBody>
+          <a:bodyPr rtlCol="0" anchor="ctr"/>
+          <a:lstStyle/>
+          <a:p>
+            <a:pPr algn="ctr"/>
+            <a:endParaRPr lang="en-US"/>
+          </a:p>
+        </p:txBody>
+      </p:sp>
+      <p:sp>
+        <p:nvSpPr>
+          <p:cNvPr id="57" name="Oval 56"/>
+          <p:cNvSpPr/>
+          <p:nvPr/>
+        </p:nvSpPr>
+        <p:spPr>
+          <a:xfrm>
+            <a:off x="4493397" y="2235896"/>
+            <a:ext cx="724251" cy="724251"/>
+          </a:xfrm>
+          <a:prstGeom prst="ellipse">
+            <a:avLst/>
+          </a:prstGeom>
+          <a:solidFill>
+            <a:srgbClr val="00B0F0"/>
+          </a:solidFill>
+          <a:ln w="28575">
+            <a:noFill/>
+          </a:ln>
+        </p:spPr>
+        <p:style>
+          <a:lnRef idx="2">
+            <a:schemeClr val="accent1">
+              <a:shade val="50000"/>
+            </a:schemeClr>
+          </a:lnRef>
+          <a:fillRef idx="1">
+            <a:schemeClr val="accent1"/>
+          </a:fillRef>
+          <a:effectRef idx="0">
+            <a:schemeClr val="accent1"/>
+          </a:effectRef>
+          <a:fontRef idx="minor">
+            <a:schemeClr val="lt1"/>
+          </a:fontRef>
+        </p:style>
+        <p:txBody>
+          <a:bodyPr rtlCol="0" anchor="ctr"/>
+          <a:lstStyle/>
+          <a:p>
+            <a:pPr algn="ctr"/>
+            <a:endParaRPr lang="en-US"/>
+          </a:p>
+        </p:txBody>
+      </p:sp>
+      <p:sp>
+        <p:nvSpPr>
+          <p:cNvPr id="58" name="Oval 57"/>
+          <p:cNvSpPr/>
+          <p:nvPr/>
+        </p:nvSpPr>
+        <p:spPr>
+          <a:xfrm>
+            <a:off x="1248051" y="3331471"/>
+            <a:ext cx="724251" cy="724251"/>
+          </a:xfrm>
+          <a:prstGeom prst="ellipse">
+            <a:avLst/>
+          </a:prstGeom>
+          <a:solidFill>
+            <a:srgbClr val="BFBFBF"/>
+          </a:solidFill>
+          <a:ln w="28575">
+            <a:noFill/>
+          </a:ln>
+        </p:spPr>
+        <p:style>
+          <a:lnRef idx="2">
+            <a:schemeClr val="accent1">
+              <a:shade val="50000"/>
+            </a:schemeClr>
+          </a:lnRef>
+          <a:fillRef idx="1">
+            <a:schemeClr val="accent1"/>
+          </a:fillRef>
+          <a:effectRef idx="0">
+            <a:schemeClr val="accent1"/>
+          </a:effectRef>
+          <a:fontRef idx="minor">
+            <a:schemeClr val="lt1"/>
+          </a:fontRef>
+        </p:style>
+        <p:txBody>
+          <a:bodyPr rtlCol="0" anchor="ctr"/>
+          <a:lstStyle/>
+          <a:p>
+            <a:pPr algn="ctr"/>
+            <a:endParaRPr lang="en-US"/>
+          </a:p>
+        </p:txBody>
+      </p:sp>
+      <p:sp>
+        <p:nvSpPr>
+          <p:cNvPr id="59" name="Oval 58"/>
+          <p:cNvSpPr/>
+          <p:nvPr/>
+        </p:nvSpPr>
+        <p:spPr>
+          <a:xfrm>
+            <a:off x="2332697" y="3337701"/>
+            <a:ext cx="724251" cy="724251"/>
+          </a:xfrm>
+          <a:prstGeom prst="ellipse">
+            <a:avLst/>
+          </a:prstGeom>
+          <a:solidFill>
+            <a:srgbClr val="B97C2E"/>
+          </a:solidFill>
+          <a:ln w="28575">
+            <a:noFill/>
+          </a:ln>
+        </p:spPr>
+        <p:style>
+          <a:lnRef idx="2">
+            <a:schemeClr val="accent1">
+              <a:shade val="50000"/>
+            </a:schemeClr>
+          </a:lnRef>
+          <a:fillRef idx="1">
+            <a:schemeClr val="accent1"/>
+          </a:fillRef>
+          <a:effectRef idx="0">
+            <a:schemeClr val="accent1"/>
+          </a:effectRef>
+          <a:fontRef idx="minor">
+            <a:schemeClr val="lt1"/>
+          </a:fontRef>
+        </p:style>
+        <p:txBody>
+          <a:bodyPr rtlCol="0" anchor="ctr"/>
+          <a:lstStyle/>
+          <a:p>
+            <a:pPr algn="ctr"/>
+            <a:endParaRPr lang="en-US"/>
+          </a:p>
+        </p:txBody>
+      </p:sp>
+      <p:sp>
+        <p:nvSpPr>
+          <p:cNvPr id="64" name="Oval 63"/>
+          <p:cNvSpPr/>
+          <p:nvPr/>
+        </p:nvSpPr>
+        <p:spPr>
+          <a:xfrm>
+            <a:off x="7071301" y="5119228"/>
+            <a:ext cx="291320" cy="291320"/>
+          </a:xfrm>
+          <a:prstGeom prst="ellipse">
+            <a:avLst/>
+          </a:prstGeom>
+          <a:solidFill>
+            <a:srgbClr val="FFC000"/>
+          </a:solidFill>
+          <a:ln w="28575">
+            <a:noFill/>
+          </a:ln>
+        </p:spPr>
+        <p:style>
+          <a:lnRef idx="2">
+            <a:schemeClr val="accent1">
+              <a:shade val="50000"/>
+            </a:schemeClr>
+          </a:lnRef>
+          <a:fillRef idx="1">
+            <a:schemeClr val="accent1"/>
+          </a:fillRef>
+          <a:effectRef idx="0">
+            <a:schemeClr val="accent1"/>
+          </a:effectRef>
+          <a:fontRef idx="minor">
+            <a:schemeClr val="lt1"/>
+          </a:fontRef>
+        </p:style>
+        <p:txBody>
+          <a:bodyPr rtlCol="0" anchor="ctr"/>
+          <a:lstStyle/>
+          <a:p>
+            <a:pPr algn="ctr"/>
+            <a:endParaRPr lang="en-US" dirty="0"/>
+          </a:p>
+        </p:txBody>
+      </p:sp>
+      <p:sp>
+        <p:nvSpPr>
+          <p:cNvPr id="65" name="TextBox 64"/>
+          <p:cNvSpPr txBox="1"/>
+          <p:nvPr/>
+        </p:nvSpPr>
+        <p:spPr>
+          <a:xfrm>
+            <a:off x="5751373" y="2202756"/>
+            <a:ext cx="3222496" cy="1852966"/>
+          </a:xfrm>
+          <a:prstGeom prst="rect">
+            <a:avLst/>
+          </a:prstGeom>
+          <a:noFill/>
+          <a:ln>
+            <a:noFill/>
+          </a:ln>
+        </p:spPr>
+        <p:style>
+          <a:lnRef idx="2">
+            <a:schemeClr val="accent1">
+              <a:shade val="50000"/>
+            </a:schemeClr>
+          </a:lnRef>
+          <a:fillRef idx="1">
+            <a:schemeClr val="accent1"/>
+          </a:fillRef>
+          <a:effectRef idx="0">
+            <a:schemeClr val="accent1"/>
+          </a:effectRef>
+          <a:fontRef idx="minor">
+            <a:schemeClr val="lt1"/>
+          </a:fontRef>
+        </p:style>
+        <p:txBody>
+          <a:bodyPr rot="0" spcFirstLastPara="0" vertOverflow="overflow" horzOverflow="overflow" vert="horz" wrap="square" lIns="91440" tIns="45720" rIns="91440" bIns="45720" numCol="1" spcCol="0" rtlCol="0" fromWordArt="0" anchor="ctr" anchorCtr="0" forceAA="0" compatLnSpc="1">
+            <a:prstTxWarp prst="textNoShape">
+              <a:avLst/>
+            </a:prstTxWarp>
+            <a:noAutofit/>
+          </a:bodyPr>
+          <a:lstStyle>
+            <a:defPPr>
+              <a:defRPr lang="en-US"/>
+            </a:defPPr>
+            <a:lvl1pPr>
+              <a:defRPr sz="3600">
+                <a:solidFill>
+                  <a:srgbClr val="334864"/>
+                </a:solidFill>
+                <a:latin typeface="Silom" charset="-34"/>
+                <a:ea typeface="Silom" charset="-34"/>
+                <a:cs typeface="Silom" charset="-34"/>
+              </a:defRPr>
+            </a:lvl1pPr>
+            <a:lvl2pPr>
+              <a:defRPr>
+                <a:solidFill>
+                  <a:schemeClr val="lt1"/>
+                </a:solidFill>
+              </a:defRPr>
+            </a:lvl2pPr>
+            <a:lvl3pPr>
+              <a:defRPr>
+                <a:solidFill>
+                  <a:schemeClr val="lt1"/>
+                </a:solidFill>
+              </a:defRPr>
+            </a:lvl3pPr>
+            <a:lvl4pPr>
+              <a:defRPr>
+                <a:solidFill>
+                  <a:schemeClr val="lt1"/>
+                </a:solidFill>
+              </a:defRPr>
+            </a:lvl4pPr>
+            <a:lvl5pPr>
+              <a:defRPr>
+                <a:solidFill>
+                  <a:schemeClr val="lt1"/>
+                </a:solidFill>
+              </a:defRPr>
+            </a:lvl5pPr>
+            <a:lvl6pPr>
+              <a:defRPr>
+                <a:solidFill>
+                  <a:schemeClr val="lt1"/>
+                </a:solidFill>
+              </a:defRPr>
+            </a:lvl6pPr>
+            <a:lvl7pPr>
+              <a:defRPr>
+                <a:solidFill>
+                  <a:schemeClr val="lt1"/>
+                </a:solidFill>
+              </a:defRPr>
+            </a:lvl7pPr>
+            <a:lvl8pPr>
+              <a:defRPr>
+                <a:solidFill>
+                  <a:schemeClr val="lt1"/>
+                </a:solidFill>
+              </a:defRPr>
+            </a:lvl8pPr>
+            <a:lvl9pPr>
+              <a:defRPr>
+                <a:solidFill>
+                  <a:schemeClr val="lt1"/>
+                </a:solidFill>
+              </a:defRPr>
+            </a:lvl9pPr>
+          </a:lstStyle>
+          <a:p>
+            <a:pPr>
+              <a:lnSpc>
+                <a:spcPct val="150000"/>
+              </a:lnSpc>
+            </a:pPr>
+            <a:r>
+              <a:rPr lang="en-US" sz="2000" dirty="0" smtClean="0">
+                <a:solidFill>
+                  <a:schemeClr val="bg1"/>
+                </a:solidFill>
+              </a:rPr>
+              <a:t>- Select the color</a:t>
+            </a:r>
+          </a:p>
+          <a:p>
+            <a:pPr>
+              <a:lnSpc>
+                <a:spcPct val="150000"/>
+              </a:lnSpc>
+            </a:pPr>
+            <a:r>
+              <a:rPr lang="en-US" sz="2000" dirty="0" smtClean="0">
+                <a:solidFill>
+                  <a:schemeClr val="bg1"/>
+                </a:solidFill>
+              </a:rPr>
+              <a:t>- Click        when </a:t>
+            </a:r>
+            <a:br>
+              <a:rPr lang="en-US" sz="2000" dirty="0" smtClean="0">
+                <a:solidFill>
+                  <a:schemeClr val="bg1"/>
+                </a:solidFill>
+              </a:rPr>
+            </a:br>
+            <a:r>
+              <a:rPr lang="en-US" sz="2000" dirty="0" smtClean="0">
+                <a:solidFill>
+                  <a:schemeClr val="bg1"/>
+                </a:solidFill>
+              </a:rPr>
+              <a:t>   you are ready</a:t>
+            </a:r>
+          </a:p>
+          <a:p>
+            <a:pPr>
+              <a:lnSpc>
+                <a:spcPct val="150000"/>
+              </a:lnSpc>
+            </a:pPr>
+            <a:endParaRPr lang="en-US" sz="2000" dirty="0">
+              <a:solidFill>
+                <a:schemeClr val="bg1"/>
+              </a:solidFill>
+            </a:endParaRPr>
+          </a:p>
+        </p:txBody>
+      </p:sp>
+      <p:grpSp>
+        <p:nvGrpSpPr>
+          <p:cNvPr id="2" name="Group 1"/>
+          <p:cNvGrpSpPr/>
+          <p:nvPr/>
+        </p:nvGrpSpPr>
+        <p:grpSpPr>
+          <a:xfrm>
+            <a:off x="6816437" y="2790272"/>
+            <a:ext cx="281025" cy="281025"/>
+            <a:chOff x="5223165" y="651026"/>
+            <a:chExt cx="1531917" cy="1531917"/>
+          </a:xfrm>
+        </p:grpSpPr>
+        <p:sp>
+          <p:nvSpPr>
+            <p:cNvPr id="20" name="Oval 19"/>
+            <p:cNvSpPr/>
+            <p:nvPr/>
+          </p:nvSpPr>
+          <p:spPr>
+            <a:xfrm>
+              <a:off x="5223165" y="651026"/>
+              <a:ext cx="1531917" cy="1531917"/>
+            </a:xfrm>
+            <a:prstGeom prst="ellipse">
+              <a:avLst/>
+            </a:prstGeom>
+            <a:solidFill>
+              <a:schemeClr val="bg1"/>
+            </a:solidFill>
+            <a:ln>
+              <a:noFill/>
+            </a:ln>
+          </p:spPr>
+          <p:style>
+            <a:lnRef idx="2">
+              <a:schemeClr val="accent1">
+                <a:shade val="50000"/>
+              </a:schemeClr>
+            </a:lnRef>
+            <a:fillRef idx="1">
+              <a:schemeClr val="accent1"/>
+            </a:fillRef>
+            <a:effectRef idx="0">
+              <a:schemeClr val="accent1"/>
+            </a:effectRef>
+            <a:fontRef idx="minor">
+              <a:schemeClr val="lt1"/>
+            </a:fontRef>
+          </p:style>
+          <p:txBody>
+            <a:bodyPr rtlCol="0" anchor="ctr"/>
+            <a:lstStyle/>
+            <a:p>
+              <a:pPr algn="ctr"/>
+              <a:endParaRPr lang="en-US" sz="2800" dirty="0">
+                <a:solidFill>
+                  <a:srgbClr val="B0B5BF"/>
+                </a:solidFill>
+                <a:latin typeface="Silom" charset="-34"/>
+                <a:ea typeface="Silom" charset="-34"/>
+                <a:cs typeface="Silom" charset="-34"/>
+              </a:endParaRPr>
+            </a:p>
+          </p:txBody>
+        </p:sp>
+        <p:sp>
+          <p:nvSpPr>
+            <p:cNvPr id="22" name="Triangle 21"/>
+            <p:cNvSpPr/>
+            <p:nvPr/>
+          </p:nvSpPr>
+          <p:spPr>
+            <a:xfrm rot="5400000">
+              <a:off x="5621773" y="1066925"/>
+              <a:ext cx="831272" cy="698634"/>
+            </a:xfrm>
+            <a:prstGeom prst="triangle">
+              <a:avLst/>
+            </a:prstGeom>
+            <a:solidFill>
+              <a:srgbClr val="334864"/>
+            </a:solidFill>
+            <a:ln>
+              <a:noFill/>
+            </a:ln>
+          </p:spPr>
+          <p:style>
+            <a:lnRef idx="2">
+              <a:schemeClr val="accent1">
+                <a:shade val="50000"/>
+              </a:schemeClr>
+            </a:lnRef>
+            <a:fillRef idx="1">
+              <a:schemeClr val="accent1"/>
+            </a:fillRef>
+            <a:effectRef idx="0">
+              <a:schemeClr val="accent1"/>
+            </a:effectRef>
+            <a:fontRef idx="minor">
+              <a:schemeClr val="lt1"/>
+            </a:fontRef>
+          </p:style>
+          <p:txBody>
+            <a:bodyPr rtlCol="0" anchor="ctr"/>
+            <a:lstStyle/>
+            <a:p>
+              <a:pPr algn="ctr"/>
+              <a:endParaRPr lang="en-US"/>
+            </a:p>
+          </p:txBody>
+        </p:sp>
+      </p:grpSp>
+      <p:sp>
+        <p:nvSpPr>
+          <p:cNvPr id="24" name="Rectangle 23"/>
+          <p:cNvSpPr/>
+          <p:nvPr/>
+        </p:nvSpPr>
+        <p:spPr>
+          <a:xfrm>
+            <a:off x="6917415" y="3728410"/>
+            <a:ext cx="811016" cy="520458"/>
+          </a:xfrm>
+          <a:prstGeom prst="rect">
+            <a:avLst/>
+          </a:prstGeom>
+          <a:solidFill>
+            <a:schemeClr val="bg1"/>
+          </a:solidFill>
+          <a:ln>
+            <a:noFill/>
+          </a:ln>
+        </p:spPr>
+        <p:style>
+          <a:lnRef idx="2">
+            <a:schemeClr val="accent1">
+              <a:shade val="50000"/>
+            </a:schemeClr>
+          </a:lnRef>
+          <a:fillRef idx="1">
+            <a:schemeClr val="accent1"/>
+          </a:fillRef>
+          <a:effectRef idx="0">
+            <a:schemeClr val="accent1"/>
+          </a:effectRef>
+          <a:fontRef idx="minor">
+            <a:schemeClr val="lt1"/>
+          </a:fontRef>
+        </p:style>
+        <p:txBody>
+          <a:bodyPr rtlCol="0" anchor="ctr"/>
+          <a:lstStyle/>
+          <a:p>
+            <a:pPr algn="ctr"/>
+            <a:r>
+              <a:rPr lang="en-US" sz="2400" dirty="0" smtClean="0">
+                <a:solidFill>
+                  <a:srgbClr val="334864"/>
+                </a:solidFill>
+                <a:latin typeface="Silom" charset="-34"/>
+                <a:ea typeface="Silom" charset="-34"/>
+                <a:cs typeface="Silom" charset="-34"/>
+              </a:rPr>
+              <a:t>Ok</a:t>
+            </a:r>
+            <a:endParaRPr lang="en-US" sz="2400" dirty="0">
+              <a:solidFill>
+                <a:srgbClr val="334864"/>
+              </a:solidFill>
+              <a:latin typeface="Silom" charset="-34"/>
+              <a:ea typeface="Silom" charset="-34"/>
+              <a:cs typeface="Silom" charset="-34"/>
+            </a:endParaRPr>
+          </a:p>
+        </p:txBody>
+      </p:sp>
+    </p:spTree>
+    <p:extLst>
+      <p:ext uri="{BB962C8B-B14F-4D97-AF65-F5344CB8AC3E}">
+        <p14:creationId xmlns:p14="http://schemas.microsoft.com/office/powerpoint/2010/main" val="1894403722"/>
+      </p:ext>
+    </p:extLst>
+  </p:cSld>
+  <p:clrMapOvr>
+    <a:masterClrMapping/>
+  </p:clrMapOvr>
+  <p:timing>
+    <p:tnLst>
+      <p:par>
+        <p:cTn id="1" dur="indefinite" restart="never" nodeType="tmRoot"/>
+      </p:par>
+    </p:tnLst>
+  </p:timing>
+</p:sld>
+</file>
+
+<file path=ppt/slides/slide7.xml><?xml version="1.0" encoding="utf-8"?>
+<p:sld xmlns:a="http://schemas.openxmlformats.org/drawingml/2006/main" xmlns:r="http://schemas.openxmlformats.org/officeDocument/2006/relationships" xmlns:p="http://schemas.openxmlformats.org/presentationml/2006/main">
+  <p:cSld>
+    <p:bg>
+      <p:bgPr>
+        <a:solidFill>
+          <a:srgbClr val="334864"/>
+        </a:solidFill>
+        <a:effectLst/>
+      </p:bgPr>
+    </p:bg>
+    <p:spTree>
+      <p:nvGrpSpPr>
+        <p:cNvPr id="1" name=""/>
+        <p:cNvGrpSpPr/>
+        <p:nvPr/>
+      </p:nvGrpSpPr>
+      <p:grpSpPr>
+        <a:xfrm>
+          <a:off x="0" y="0"/>
+          <a:ext cx="0" cy="0"/>
+          <a:chOff x="0" y="0"/>
+          <a:chExt cx="0" cy="0"/>
+        </a:xfrm>
+      </p:grpSpPr>
+      <p:sp>
+        <p:nvSpPr>
+          <p:cNvPr id="21" name="Freeform 20"/>
+          <p:cNvSpPr/>
+          <p:nvPr/>
+        </p:nvSpPr>
+        <p:spPr>
+          <a:xfrm rot="16200000" flipH="1">
+            <a:off x="4054936" y="625293"/>
+            <a:ext cx="1035481" cy="9142655"/>
+          </a:xfrm>
+          <a:custGeom>
+            <a:avLst/>
+            <a:gdLst>
+              <a:gd name="connsiteX0" fmla="*/ 0 w 4488873"/>
+              <a:gd name="connsiteY0" fmla="*/ 4156364 h 4156364"/>
+              <a:gd name="connsiteX1" fmla="*/ 4488873 w 4488873"/>
+              <a:gd name="connsiteY1" fmla="*/ 4156364 h 4156364"/>
+              <a:gd name="connsiteX2" fmla="*/ 4488873 w 4488873"/>
+              <a:gd name="connsiteY2" fmla="*/ 3895106 h 4156364"/>
+              <a:gd name="connsiteX3" fmla="*/ 4488873 w 4488873"/>
+              <a:gd name="connsiteY3" fmla="*/ 0 h 4156364"/>
+              <a:gd name="connsiteX4" fmla="*/ 4370119 w 4488873"/>
+              <a:gd name="connsiteY4" fmla="*/ 0 h 4156364"/>
+              <a:gd name="connsiteX5" fmla="*/ 1876301 w 4488873"/>
+              <a:gd name="connsiteY5" fmla="*/ 0 h 4156364"/>
+              <a:gd name="connsiteX6" fmla="*/ 0 w 4488873"/>
+              <a:gd name="connsiteY6" fmla="*/ 4156364 h 4156364"/>
+              <a:gd name="connsiteX0" fmla="*/ 0 w 4488873"/>
+              <a:gd name="connsiteY0" fmla="*/ 4156364 h 4156364"/>
+              <a:gd name="connsiteX1" fmla="*/ 4488873 w 4488873"/>
+              <a:gd name="connsiteY1" fmla="*/ 4156364 h 4156364"/>
+              <a:gd name="connsiteX2" fmla="*/ 4488873 w 4488873"/>
+              <a:gd name="connsiteY2" fmla="*/ 3895106 h 4156364"/>
+              <a:gd name="connsiteX3" fmla="*/ 4488873 w 4488873"/>
+              <a:gd name="connsiteY3" fmla="*/ 0 h 4156364"/>
+              <a:gd name="connsiteX4" fmla="*/ 4370119 w 4488873"/>
+              <a:gd name="connsiteY4" fmla="*/ 0 h 4156364"/>
+              <a:gd name="connsiteX5" fmla="*/ 3507174 w 4488873"/>
+              <a:gd name="connsiteY5" fmla="*/ 0 h 4156364"/>
+              <a:gd name="connsiteX6" fmla="*/ 0 w 4488873"/>
+              <a:gd name="connsiteY6" fmla="*/ 4156364 h 4156364"/>
+            </a:gdLst>
+            <a:ahLst/>
+            <a:cxnLst>
+              <a:cxn ang="0">
+                <a:pos x="connsiteX0" y="connsiteY0"/>
+              </a:cxn>
+              <a:cxn ang="0">
+                <a:pos x="connsiteX1" y="connsiteY1"/>
+              </a:cxn>
+              <a:cxn ang="0">
+                <a:pos x="connsiteX2" y="connsiteY2"/>
+              </a:cxn>
+              <a:cxn ang="0">
+                <a:pos x="connsiteX3" y="connsiteY3"/>
+              </a:cxn>
+              <a:cxn ang="0">
+                <a:pos x="connsiteX4" y="connsiteY4"/>
+              </a:cxn>
+              <a:cxn ang="0">
+                <a:pos x="connsiteX5" y="connsiteY5"/>
+              </a:cxn>
+              <a:cxn ang="0">
+                <a:pos x="connsiteX6" y="connsiteY6"/>
+              </a:cxn>
+            </a:cxnLst>
+            <a:rect l="l" t="t" r="r" b="b"/>
+            <a:pathLst>
+              <a:path w="4488873" h="4156364">
+                <a:moveTo>
+                  <a:pt x="0" y="4156364"/>
+                </a:moveTo>
+                <a:lnTo>
+                  <a:pt x="4488873" y="4156364"/>
+                </a:lnTo>
+                <a:lnTo>
+                  <a:pt x="4488873" y="3895106"/>
+                </a:lnTo>
+                <a:lnTo>
+                  <a:pt x="4488873" y="0"/>
+                </a:lnTo>
+                <a:lnTo>
+                  <a:pt x="4370119" y="0"/>
+                </a:lnTo>
+                <a:lnTo>
+                  <a:pt x="3507174" y="0"/>
+                </a:lnTo>
+                <a:lnTo>
+                  <a:pt x="0" y="4156364"/>
+                </a:lnTo>
+                <a:close/>
+              </a:path>
+            </a:pathLst>
+          </a:custGeom>
+          <a:solidFill>
+            <a:schemeClr val="bg1"/>
+          </a:solidFill>
+          <a:ln>
+            <a:noFill/>
+          </a:ln>
+        </p:spPr>
+        <p:style>
+          <a:lnRef idx="2">
+            <a:schemeClr val="accent1">
+              <a:shade val="50000"/>
+            </a:schemeClr>
+          </a:lnRef>
+          <a:fillRef idx="1">
+            <a:schemeClr val="accent1"/>
+          </a:fillRef>
+          <a:effectRef idx="0">
+            <a:schemeClr val="accent1"/>
+          </a:effectRef>
+          <a:fontRef idx="minor">
+            <a:schemeClr val="lt1"/>
+          </a:fontRef>
+        </p:style>
+        <p:txBody>
+          <a:bodyPr rtlCol="0" anchor="ctr"/>
+          <a:lstStyle/>
+          <a:p>
+            <a:pPr algn="ctr"/>
+            <a:endParaRPr lang="en-US"/>
+          </a:p>
+        </p:txBody>
+      </p:sp>
+      <p:sp>
+        <p:nvSpPr>
           <p:cNvPr id="54" name="Rectangle 53"/>
           <p:cNvSpPr/>
           <p:nvPr/>
@@ -6662,7 +12545,7 @@
 </p:sld>
 </file>
 
-<file path=ppt/slides/slide4.xml><?xml version="1.0" encoding="utf-8"?>
+<file path=ppt/slides/slide8.xml><?xml version="1.0" encoding="utf-8"?>
 <p:sld xmlns:a="http://schemas.openxmlformats.org/drawingml/2006/main" xmlns:r="http://schemas.openxmlformats.org/officeDocument/2006/relationships" xmlns:p="http://schemas.openxmlformats.org/presentationml/2006/main">
   <p:cSld>
     <p:bg>
@@ -7391,6 +13274,202 @@
           </p:txBody>
         </p:sp>
       </p:grpSp>
+      <p:sp>
+        <p:nvSpPr>
+          <p:cNvPr id="44" name="TextBox 43"/>
+          <p:cNvSpPr txBox="1"/>
+          <p:nvPr/>
+        </p:nvSpPr>
+        <p:spPr>
+          <a:xfrm>
+            <a:off x="3369501" y="3805024"/>
+            <a:ext cx="2404998" cy="1433420"/>
+          </a:xfrm>
+          <a:prstGeom prst="rect">
+            <a:avLst/>
+          </a:prstGeom>
+          <a:noFill/>
+          <a:ln>
+            <a:noFill/>
+          </a:ln>
+        </p:spPr>
+        <p:style>
+          <a:lnRef idx="2">
+            <a:schemeClr val="accent1">
+              <a:shade val="50000"/>
+            </a:schemeClr>
+          </a:lnRef>
+          <a:fillRef idx="1">
+            <a:schemeClr val="accent1"/>
+          </a:fillRef>
+          <a:effectRef idx="0">
+            <a:schemeClr val="accent1"/>
+          </a:effectRef>
+          <a:fontRef idx="minor">
+            <a:schemeClr val="lt1"/>
+          </a:fontRef>
+        </p:style>
+        <p:txBody>
+          <a:bodyPr rot="0" spcFirstLastPara="0" vertOverflow="overflow" horzOverflow="overflow" vert="horz" wrap="square" lIns="91440" tIns="45720" rIns="91440" bIns="45720" numCol="1" spcCol="0" rtlCol="0" fromWordArt="0" anchor="t" anchorCtr="0" forceAA="0" compatLnSpc="1">
+            <a:prstTxWarp prst="textNoShape">
+              <a:avLst/>
+            </a:prstTxWarp>
+            <a:noAutofit/>
+          </a:bodyPr>
+          <a:lstStyle>
+            <a:defPPr>
+              <a:defRPr lang="en-US"/>
+            </a:defPPr>
+            <a:lvl1pPr>
+              <a:defRPr sz="3600">
+                <a:solidFill>
+                  <a:srgbClr val="334864"/>
+                </a:solidFill>
+                <a:latin typeface="Silom" charset="-34"/>
+                <a:ea typeface="Silom" charset="-34"/>
+                <a:cs typeface="Silom" charset="-34"/>
+              </a:defRPr>
+            </a:lvl1pPr>
+            <a:lvl2pPr>
+              <a:defRPr>
+                <a:solidFill>
+                  <a:schemeClr val="lt1"/>
+                </a:solidFill>
+              </a:defRPr>
+            </a:lvl2pPr>
+            <a:lvl3pPr>
+              <a:defRPr>
+                <a:solidFill>
+                  <a:schemeClr val="lt1"/>
+                </a:solidFill>
+              </a:defRPr>
+            </a:lvl3pPr>
+            <a:lvl4pPr>
+              <a:defRPr>
+                <a:solidFill>
+                  <a:schemeClr val="lt1"/>
+                </a:solidFill>
+              </a:defRPr>
+            </a:lvl4pPr>
+            <a:lvl5pPr>
+              <a:defRPr>
+                <a:solidFill>
+                  <a:schemeClr val="lt1"/>
+                </a:solidFill>
+              </a:defRPr>
+            </a:lvl5pPr>
+            <a:lvl6pPr>
+              <a:defRPr>
+                <a:solidFill>
+                  <a:schemeClr val="lt1"/>
+                </a:solidFill>
+              </a:defRPr>
+            </a:lvl6pPr>
+            <a:lvl7pPr>
+              <a:defRPr>
+                <a:solidFill>
+                  <a:schemeClr val="lt1"/>
+                </a:solidFill>
+              </a:defRPr>
+            </a:lvl7pPr>
+            <a:lvl8pPr>
+              <a:defRPr>
+                <a:solidFill>
+                  <a:schemeClr val="lt1"/>
+                </a:solidFill>
+              </a:defRPr>
+            </a:lvl8pPr>
+            <a:lvl9pPr>
+              <a:defRPr>
+                <a:solidFill>
+                  <a:schemeClr val="lt1"/>
+                </a:solidFill>
+              </a:defRPr>
+            </a:lvl9pPr>
+          </a:lstStyle>
+          <a:p>
+            <a:pPr algn="ctr">
+              <a:lnSpc>
+                <a:spcPct val="150000"/>
+              </a:lnSpc>
+            </a:pPr>
+            <a:r>
+              <a:rPr lang="en-US" sz="2000" dirty="0" smtClean="0">
+                <a:solidFill>
+                  <a:schemeClr val="bg1"/>
+                </a:solidFill>
+              </a:rPr>
+              <a:t>Don</a:t>
+            </a:r>
+            <a:r>
+              <a:rPr lang="en-US" sz="2000" dirty="0" smtClean="0">
+                <a:solidFill>
+                  <a:schemeClr val="bg1"/>
+                </a:solidFill>
+              </a:rPr>
+              <a:t>’t die.</a:t>
+            </a:r>
+            <a:r>
+              <a:rPr lang="en-US" sz="2000" dirty="0" smtClean="0">
+                <a:solidFill>
+                  <a:schemeClr val="bg1"/>
+                </a:solidFill>
+              </a:rPr>
+              <a:t> </a:t>
+            </a:r>
+            <a:endParaRPr lang="en-US" sz="2000" dirty="0" smtClean="0">
+              <a:solidFill>
+                <a:schemeClr val="bg1"/>
+              </a:solidFill>
+            </a:endParaRPr>
+          </a:p>
+        </p:txBody>
+      </p:sp>
+      <p:sp>
+        <p:nvSpPr>
+          <p:cNvPr id="50" name="TextBox 49"/>
+          <p:cNvSpPr txBox="1"/>
+          <p:nvPr/>
+        </p:nvSpPr>
+        <p:spPr>
+          <a:xfrm>
+            <a:off x="3318325" y="2396050"/>
+            <a:ext cx="2456174" cy="1015663"/>
+          </a:xfrm>
+          <a:prstGeom prst="rect">
+            <a:avLst/>
+          </a:prstGeom>
+          <a:noFill/>
+        </p:spPr>
+        <p:txBody>
+          <a:bodyPr wrap="square" rtlCol="0">
+            <a:spAutoFit/>
+          </a:bodyPr>
+          <a:lstStyle/>
+          <a:p>
+            <a:pPr algn="ctr"/>
+            <a:r>
+              <a:rPr lang="en-US" sz="6000" spc="-300" smtClean="0">
+                <a:solidFill>
+                  <a:srgbClr val="334864"/>
+                </a:solidFill>
+                <a:latin typeface="Silom" charset="-34"/>
+                <a:ea typeface="Silom" charset="-34"/>
+                <a:cs typeface="Silom" charset="-34"/>
+              </a:rPr>
+              <a:t>3</a:t>
+            </a:r>
+            <a:endParaRPr lang="en-US" sz="6000" spc="-300" dirty="0">
+              <a:solidFill>
+                <a:srgbClr val="334864"/>
+              </a:solidFill>
+              <a:latin typeface="Silom" charset="-34"/>
+              <a:ea typeface="Silom" charset="-34"/>
+              <a:cs typeface="Silom" charset="-34"/>
+            </a:endParaRPr>
+          </a:p>
+        </p:txBody>
+      </p:sp>
     </p:spTree>
     <p:extLst>
       <p:ext uri="{BB962C8B-B14F-4D97-AF65-F5344CB8AC3E}">
@@ -7411,7 +13490,7 @@
 </p:sld>
 </file>
 
-<file path=ppt/slides/slide5.xml><?xml version="1.0" encoding="utf-8"?>
+<file path=ppt/slides/slide9.xml><?xml version="1.0" encoding="utf-8"?>
 <p:sld xmlns:a="http://schemas.openxmlformats.org/drawingml/2006/main" xmlns:r="http://schemas.openxmlformats.org/officeDocument/2006/relationships" xmlns:p="http://schemas.openxmlformats.org/presentationml/2006/main">
   <p:cSld>
     <p:bg>
@@ -7504,7 +13583,7 @@
             <a:avLst/>
           </a:prstGeom>
           <a:solidFill>
-            <a:schemeClr val="bg1"/>
+            <a:srgbClr val="98A2B0"/>
           </a:solidFill>
           <a:ln>
             <a:noFill/>
@@ -7660,11 +13739,11 @@
           <a:prstGeom prst="ellipse">
             <a:avLst/>
           </a:prstGeom>
-          <a:solidFill>
-            <a:schemeClr val="bg1"/>
-          </a:solidFill>
-          <a:ln>
-            <a:noFill/>
+          <a:noFill/>
+          <a:ln w="76200">
+            <a:solidFill>
+              <a:schemeClr val="bg1"/>
+            </a:solidFill>
           </a:ln>
         </p:spPr>
         <p:style>
@@ -7713,11 +13792,11 @@
           <a:prstGeom prst="ellipse">
             <a:avLst/>
           </a:prstGeom>
-          <a:solidFill>
-            <a:schemeClr val="bg1"/>
-          </a:solidFill>
-          <a:ln>
-            <a:noFill/>
+          <a:noFill/>
+          <a:ln w="76200">
+            <a:solidFill>
+              <a:schemeClr val="bg1"/>
+            </a:solidFill>
           </a:ln>
         </p:spPr>
         <p:style>
@@ -7766,11 +13845,11 @@
           <a:prstGeom prst="ellipse">
             <a:avLst/>
           </a:prstGeom>
-          <a:solidFill>
-            <a:schemeClr val="bg1"/>
-          </a:solidFill>
-          <a:ln>
-            <a:noFill/>
+          <a:noFill/>
+          <a:ln w="76200">
+            <a:solidFill>
+              <a:schemeClr val="bg1"/>
+            </a:solidFill>
           </a:ln>
         </p:spPr>
         <p:style>
@@ -7807,58 +13886,6 @@
       </p:sp>
       <p:sp>
         <p:nvSpPr>
-          <p:cNvPr id="39" name="Rectangle 38"/>
-          <p:cNvSpPr/>
-          <p:nvPr/>
-        </p:nvSpPr>
-        <p:spPr>
-          <a:xfrm rot="2376160">
-            <a:off x="3806369" y="2527743"/>
-            <a:ext cx="125481" cy="2372579"/>
-          </a:xfrm>
-          <a:prstGeom prst="rect">
-            <a:avLst/>
-          </a:prstGeom>
-          <a:solidFill>
-            <a:schemeClr val="bg1"/>
-          </a:solidFill>
-          <a:ln>
-            <a:noFill/>
-          </a:ln>
-        </p:spPr>
-        <p:style>
-          <a:lnRef idx="2">
-            <a:schemeClr val="accent1">
-              <a:shade val="50000"/>
-            </a:schemeClr>
-          </a:lnRef>
-          <a:fillRef idx="1">
-            <a:schemeClr val="accent1"/>
-          </a:fillRef>
-          <a:effectRef idx="0">
-            <a:schemeClr val="accent1"/>
-          </a:effectRef>
-          <a:fontRef idx="minor">
-            <a:schemeClr val="lt1"/>
-          </a:fontRef>
-        </p:style>
-        <p:txBody>
-          <a:bodyPr rtlCol="0" anchor="ctr"/>
-          <a:lstStyle/>
-          <a:p>
-            <a:endParaRPr lang="en-US" sz="3600" dirty="0">
-              <a:solidFill>
-                <a:srgbClr val="334864"/>
-              </a:solidFill>
-              <a:latin typeface="Silom" charset="-34"/>
-              <a:ea typeface="Silom" charset="-34"/>
-              <a:cs typeface="Silom" charset="-34"/>
-            </a:endParaRPr>
-          </a:p>
-        </p:txBody>
-      </p:sp>
-      <p:sp>
-        <p:nvSpPr>
           <p:cNvPr id="28" name="Oval 27"/>
           <p:cNvSpPr/>
           <p:nvPr/>
@@ -7871,11 +13898,11 @@
           <a:prstGeom prst="ellipse">
             <a:avLst/>
           </a:prstGeom>
-          <a:solidFill>
-            <a:schemeClr val="bg1"/>
-          </a:solidFill>
-          <a:ln>
-            <a:noFill/>
+          <a:noFill/>
+          <a:ln w="76200">
+            <a:solidFill>
+              <a:schemeClr val="bg1"/>
+            </a:solidFill>
           </a:ln>
         </p:spPr>
         <p:style>
@@ -7924,11 +13951,11 @@
           <a:prstGeom prst="ellipse">
             <a:avLst/>
           </a:prstGeom>
-          <a:solidFill>
-            <a:schemeClr val="bg1"/>
-          </a:solidFill>
-          <a:ln>
-            <a:noFill/>
+          <a:noFill/>
+          <a:ln w="76200">
+            <a:solidFill>
+              <a:schemeClr val="bg1"/>
+            </a:solidFill>
           </a:ln>
         </p:spPr>
         <p:style>
@@ -7977,11 +14004,11 @@
           <a:prstGeom prst="ellipse">
             <a:avLst/>
           </a:prstGeom>
-          <a:solidFill>
-            <a:schemeClr val="bg1"/>
-          </a:solidFill>
-          <a:ln>
-            <a:noFill/>
+          <a:noFill/>
+          <a:ln w="76200">
+            <a:solidFill>
+              <a:schemeClr val="bg1"/>
+            </a:solidFill>
           </a:ln>
         </p:spPr>
         <p:style>
@@ -8018,6 +14045,59 @@
       </p:sp>
       <p:sp>
         <p:nvSpPr>
+          <p:cNvPr id="2" name="Pie 1"/>
+          <p:cNvSpPr/>
+          <p:nvPr/>
+        </p:nvSpPr>
+        <p:spPr>
+          <a:xfrm>
+            <a:off x="3934800" y="2220300"/>
+            <a:ext cx="1274400" cy="1274400"/>
+          </a:xfrm>
+          <a:prstGeom prst="pie">
+            <a:avLst>
+              <a:gd name="adj1" fmla="val 1688798"/>
+              <a:gd name="adj2" fmla="val 16200000"/>
+            </a:avLst>
+          </a:prstGeom>
+          <a:solidFill>
+            <a:schemeClr val="bg1"/>
+          </a:solidFill>
+          <a:ln>
+            <a:noFill/>
+          </a:ln>
+        </p:spPr>
+        <p:style>
+          <a:lnRef idx="2">
+            <a:schemeClr val="accent1">
+              <a:shade val="50000"/>
+            </a:schemeClr>
+          </a:lnRef>
+          <a:fillRef idx="1">
+            <a:schemeClr val="accent1"/>
+          </a:fillRef>
+          <a:effectRef idx="0">
+            <a:schemeClr val="accent1"/>
+          </a:effectRef>
+          <a:fontRef idx="minor">
+            <a:schemeClr val="lt1"/>
+          </a:fontRef>
+        </p:style>
+        <p:txBody>
+          <a:bodyPr rtlCol="0" anchor="ctr"/>
+          <a:lstStyle/>
+          <a:p>
+            <a:pPr algn="ctr"/>
+            <a:endParaRPr lang="en-US">
+              <a:solidFill>
+                <a:schemeClr val="tx1"/>
+              </a:solidFill>
+            </a:endParaRPr>
+          </a:p>
+        </p:txBody>
+      </p:sp>
+      <p:sp>
+        <p:nvSpPr>
           <p:cNvPr id="33" name="TextBox 32"/>
           <p:cNvSpPr txBox="1"/>
           <p:nvPr/>
@@ -8031,9 +14111,6 @@
             <a:avLst/>
           </a:prstGeom>
           <a:noFill/>
-          <a:ln>
-            <a:noFill/>
-          </a:ln>
         </p:spPr>
         <p:txBody>
           <a:bodyPr wrap="square" rtlCol="0">
@@ -8076,13 +14153,65 @@
       </p:sp>
       <p:sp>
         <p:nvSpPr>
-          <p:cNvPr id="38" name="Oval 37"/>
+          <p:cNvPr id="15" name="Rectangle 14"/>
           <p:cNvSpPr/>
           <p:nvPr/>
         </p:nvSpPr>
         <p:spPr>
-          <a:xfrm rot="10800000" flipV="1">
-            <a:off x="2816050" y="4419537"/>
+          <a:xfrm rot="19027824">
+            <a:off x="3496878" y="663634"/>
+            <a:ext cx="125481" cy="2372579"/>
+          </a:xfrm>
+          <a:prstGeom prst="rect">
+            <a:avLst/>
+          </a:prstGeom>
+          <a:solidFill>
+            <a:schemeClr val="bg1"/>
+          </a:solidFill>
+          <a:ln>
+            <a:noFill/>
+          </a:ln>
+        </p:spPr>
+        <p:style>
+          <a:lnRef idx="2">
+            <a:schemeClr val="accent1">
+              <a:shade val="50000"/>
+            </a:schemeClr>
+          </a:lnRef>
+          <a:fillRef idx="1">
+            <a:schemeClr val="accent1"/>
+          </a:fillRef>
+          <a:effectRef idx="0">
+            <a:schemeClr val="accent1"/>
+          </a:effectRef>
+          <a:fontRef idx="minor">
+            <a:schemeClr val="lt1"/>
+          </a:fontRef>
+        </p:style>
+        <p:txBody>
+          <a:bodyPr rtlCol="0" anchor="ctr"/>
+          <a:lstStyle/>
+          <a:p>
+            <a:endParaRPr lang="en-US" sz="3600" dirty="0">
+              <a:solidFill>
+                <a:srgbClr val="334864"/>
+              </a:solidFill>
+              <a:latin typeface="Silom" charset="-34"/>
+              <a:ea typeface="Silom" charset="-34"/>
+              <a:cs typeface="Silom" charset="-34"/>
+            </a:endParaRPr>
+          </a:p>
+        </p:txBody>
+      </p:sp>
+      <p:sp>
+        <p:nvSpPr>
+          <p:cNvPr id="16" name="Oval 15"/>
+          <p:cNvSpPr/>
+          <p:nvPr/>
+        </p:nvSpPr>
+        <p:spPr>
+          <a:xfrm rot="5851664" flipV="1">
+            <a:off x="2359607" y="582663"/>
             <a:ext cx="497013" cy="497013"/>
           </a:xfrm>
           <a:prstGeom prst="ellipse">
@@ -8130,1496 +14259,7 @@
     </p:spTree>
     <p:extLst>
       <p:ext uri="{BB962C8B-B14F-4D97-AF65-F5344CB8AC3E}">
-        <p14:creationId xmlns:p14="http://schemas.microsoft.com/office/powerpoint/2010/main" val="1683424689"/>
-      </p:ext>
-    </p:extLst>
-  </p:cSld>
-  <p:clrMapOvr>
-    <a:masterClrMapping/>
-  </p:clrMapOvr>
-  <p:timing>
-    <p:tnLst>
-      <p:par>
-        <p:cTn id="1" dur="indefinite" restart="never" nodeType="tmRoot"/>
-      </p:par>
-    </p:tnLst>
-  </p:timing>
-</p:sld>
-</file>
-
-<file path=ppt/slides/slide6.xml><?xml version="1.0" encoding="utf-8"?>
-<p:sld xmlns:a="http://schemas.openxmlformats.org/drawingml/2006/main" xmlns:r="http://schemas.openxmlformats.org/officeDocument/2006/relationships" xmlns:p="http://schemas.openxmlformats.org/presentationml/2006/main">
-  <p:cSld>
-    <p:bg>
-      <p:bgPr>
-        <a:solidFill>
-          <a:srgbClr val="334864"/>
-        </a:solidFill>
-        <a:effectLst/>
-      </p:bgPr>
-    </p:bg>
-    <p:spTree>
-      <p:nvGrpSpPr>
-        <p:cNvPr id="1" name=""/>
-        <p:cNvGrpSpPr/>
-        <p:nvPr/>
-      </p:nvGrpSpPr>
-      <p:grpSpPr>
-        <a:xfrm>
-          <a:off x="0" y="0"/>
-          <a:ext cx="0" cy="0"/>
-          <a:chOff x="0" y="0"/>
-          <a:chExt cx="0" cy="0"/>
-        </a:xfrm>
-      </p:grpSpPr>
-      <p:sp>
-        <p:nvSpPr>
-          <p:cNvPr id="10" name="Oval 9"/>
-          <p:cNvSpPr/>
-          <p:nvPr/>
-        </p:nvSpPr>
-        <p:spPr>
-          <a:xfrm>
-            <a:off x="928689" y="-785811"/>
-            <a:ext cx="7286624" cy="7286624"/>
-          </a:xfrm>
-          <a:prstGeom prst="ellipse">
-            <a:avLst/>
-          </a:prstGeom>
-          <a:solidFill>
-            <a:srgbClr val="98A2B0"/>
-          </a:solidFill>
-          <a:ln>
-            <a:noFill/>
-          </a:ln>
-        </p:spPr>
-        <p:style>
-          <a:lnRef idx="2">
-            <a:schemeClr val="accent1">
-              <a:shade val="50000"/>
-            </a:schemeClr>
-          </a:lnRef>
-          <a:fillRef idx="1">
-            <a:schemeClr val="accent1"/>
-          </a:fillRef>
-          <a:effectRef idx="0">
-            <a:schemeClr val="accent1"/>
-          </a:effectRef>
-          <a:fontRef idx="minor">
-            <a:schemeClr val="lt1"/>
-          </a:fontRef>
-        </p:style>
-        <p:txBody>
-          <a:bodyPr rtlCol="0" anchor="ctr"/>
-          <a:lstStyle/>
-          <a:p>
-            <a:pPr algn="ctr"/>
-            <a:endParaRPr lang="en-US" sz="2800" dirty="0">
-              <a:solidFill>
-                <a:srgbClr val="B0B5BF"/>
-              </a:solidFill>
-              <a:latin typeface="Silom" charset="-34"/>
-              <a:ea typeface="Silom" charset="-34"/>
-              <a:cs typeface="Silom" charset="-34"/>
-            </a:endParaRPr>
-          </a:p>
-        </p:txBody>
-      </p:sp>
-      <p:sp>
-        <p:nvSpPr>
-          <p:cNvPr id="9" name="Oval 8"/>
-          <p:cNvSpPr/>
-          <p:nvPr/>
-        </p:nvSpPr>
-        <p:spPr>
-          <a:xfrm>
-            <a:off x="3934681" y="2220181"/>
-            <a:ext cx="1274640" cy="1274640"/>
-          </a:xfrm>
-          <a:prstGeom prst="ellipse">
-            <a:avLst/>
-          </a:prstGeom>
-          <a:solidFill>
-            <a:srgbClr val="98A2B0"/>
-          </a:solidFill>
-          <a:ln>
-            <a:noFill/>
-          </a:ln>
-        </p:spPr>
-        <p:style>
-          <a:lnRef idx="2">
-            <a:schemeClr val="accent1">
-              <a:shade val="50000"/>
-            </a:schemeClr>
-          </a:lnRef>
-          <a:fillRef idx="1">
-            <a:schemeClr val="accent1"/>
-          </a:fillRef>
-          <a:effectRef idx="0">
-            <a:schemeClr val="accent1"/>
-          </a:effectRef>
-          <a:fontRef idx="minor">
-            <a:schemeClr val="lt1"/>
-          </a:fontRef>
-        </p:style>
-        <p:txBody>
-          <a:bodyPr rtlCol="0" anchor="ctr"/>
-          <a:lstStyle/>
-          <a:p>
-            <a:pPr algn="ctr"/>
-            <a:endParaRPr lang="en-US" sz="2800" dirty="0">
-              <a:solidFill>
-                <a:srgbClr val="B0B5BF"/>
-              </a:solidFill>
-              <a:latin typeface="Silom" charset="-34"/>
-              <a:ea typeface="Silom" charset="-34"/>
-              <a:cs typeface="Silom" charset="-34"/>
-            </a:endParaRPr>
-          </a:p>
-        </p:txBody>
-      </p:sp>
-      <p:sp>
-        <p:nvSpPr>
-          <p:cNvPr id="11" name="Rectangle 10"/>
-          <p:cNvSpPr/>
-          <p:nvPr/>
-        </p:nvSpPr>
-        <p:spPr>
-          <a:xfrm>
-            <a:off x="2220712" y="-2605980"/>
-            <a:ext cx="4702578" cy="2605980"/>
-          </a:xfrm>
-          <a:prstGeom prst="rect">
-            <a:avLst/>
-          </a:prstGeom>
-          <a:solidFill>
-            <a:srgbClr val="F7F7F7"/>
-          </a:solidFill>
-          <a:ln>
-            <a:noFill/>
-          </a:ln>
-        </p:spPr>
-        <p:style>
-          <a:lnRef idx="2">
-            <a:schemeClr val="accent1">
-              <a:shade val="50000"/>
-            </a:schemeClr>
-          </a:lnRef>
-          <a:fillRef idx="1">
-            <a:schemeClr val="accent1"/>
-          </a:fillRef>
-          <a:effectRef idx="0">
-            <a:schemeClr val="accent1"/>
-          </a:effectRef>
-          <a:fontRef idx="minor">
-            <a:schemeClr val="lt1"/>
-          </a:fontRef>
-        </p:style>
-        <p:txBody>
-          <a:bodyPr rtlCol="0" anchor="ctr"/>
-          <a:lstStyle/>
-          <a:p>
-            <a:endParaRPr lang="en-US" sz="3600" dirty="0">
-              <a:solidFill>
-                <a:srgbClr val="334864"/>
-              </a:solidFill>
-              <a:latin typeface="Silom" charset="-34"/>
-              <a:ea typeface="Silom" charset="-34"/>
-              <a:cs typeface="Silom" charset="-34"/>
-            </a:endParaRPr>
-          </a:p>
-        </p:txBody>
-      </p:sp>
-      <p:sp>
-        <p:nvSpPr>
-          <p:cNvPr id="12" name="Rectangle 11"/>
-          <p:cNvSpPr/>
-          <p:nvPr/>
-        </p:nvSpPr>
-        <p:spPr>
-          <a:xfrm>
-            <a:off x="2220712" y="5715002"/>
-            <a:ext cx="4826403" cy="2605980"/>
-          </a:xfrm>
-          <a:prstGeom prst="rect">
-            <a:avLst/>
-          </a:prstGeom>
-          <a:solidFill>
-            <a:srgbClr val="E7E7E7"/>
-          </a:solidFill>
-          <a:ln>
-            <a:noFill/>
-          </a:ln>
-        </p:spPr>
-        <p:style>
-          <a:lnRef idx="2">
-            <a:schemeClr val="accent1">
-              <a:shade val="50000"/>
-            </a:schemeClr>
-          </a:lnRef>
-          <a:fillRef idx="1">
-            <a:schemeClr val="accent1"/>
-          </a:fillRef>
-          <a:effectRef idx="0">
-            <a:schemeClr val="accent1"/>
-          </a:effectRef>
-          <a:fontRef idx="minor">
-            <a:schemeClr val="lt1"/>
-          </a:fontRef>
-        </p:style>
-        <p:txBody>
-          <a:bodyPr rtlCol="0" anchor="ctr"/>
-          <a:lstStyle/>
-          <a:p>
-            <a:endParaRPr lang="en-US" sz="3600" dirty="0">
-              <a:solidFill>
-                <a:srgbClr val="334864"/>
-              </a:solidFill>
-              <a:latin typeface="Silom" charset="-34"/>
-              <a:ea typeface="Silom" charset="-34"/>
-              <a:cs typeface="Silom" charset="-34"/>
-            </a:endParaRPr>
-          </a:p>
-        </p:txBody>
-      </p:sp>
-      <p:sp>
-        <p:nvSpPr>
-          <p:cNvPr id="14" name="Oval 13"/>
-          <p:cNvSpPr/>
-          <p:nvPr/>
-        </p:nvSpPr>
-        <p:spPr>
-          <a:xfrm flipV="1">
-            <a:off x="234776" y="3680557"/>
-            <a:ext cx="497013" cy="497013"/>
-          </a:xfrm>
-          <a:prstGeom prst="ellipse">
-            <a:avLst/>
-          </a:prstGeom>
-          <a:noFill/>
-          <a:ln w="76200">
-            <a:solidFill>
-              <a:schemeClr val="bg1"/>
-            </a:solidFill>
-          </a:ln>
-        </p:spPr>
-        <p:style>
-          <a:lnRef idx="2">
-            <a:schemeClr val="accent1">
-              <a:shade val="50000"/>
-            </a:schemeClr>
-          </a:lnRef>
-          <a:fillRef idx="1">
-            <a:schemeClr val="accent1"/>
-          </a:fillRef>
-          <a:effectRef idx="0">
-            <a:schemeClr val="accent1"/>
-          </a:effectRef>
-          <a:fontRef idx="minor">
-            <a:schemeClr val="lt1"/>
-          </a:fontRef>
-        </p:style>
-        <p:txBody>
-          <a:bodyPr rtlCol="0" anchor="ctr"/>
-          <a:lstStyle/>
-          <a:p>
-            <a:pPr algn="ctr"/>
-            <a:endParaRPr lang="en-US" sz="2800" dirty="0">
-              <a:solidFill>
-                <a:srgbClr val="B0B5BF"/>
-              </a:solidFill>
-              <a:latin typeface="Silom" charset="-34"/>
-              <a:ea typeface="Silom" charset="-34"/>
-              <a:cs typeface="Silom" charset="-34"/>
-            </a:endParaRPr>
-          </a:p>
-        </p:txBody>
-      </p:sp>
-      <p:sp>
-        <p:nvSpPr>
-          <p:cNvPr id="26" name="Oval 25"/>
-          <p:cNvSpPr/>
-          <p:nvPr/>
-        </p:nvSpPr>
-        <p:spPr>
-          <a:xfrm flipV="1">
-            <a:off x="234776" y="4333020"/>
-            <a:ext cx="497013" cy="497013"/>
-          </a:xfrm>
-          <a:prstGeom prst="ellipse">
-            <a:avLst/>
-          </a:prstGeom>
-          <a:noFill/>
-          <a:ln w="76200">
-            <a:solidFill>
-              <a:schemeClr val="bg1"/>
-            </a:solidFill>
-          </a:ln>
-        </p:spPr>
-        <p:style>
-          <a:lnRef idx="2">
-            <a:schemeClr val="accent1">
-              <a:shade val="50000"/>
-            </a:schemeClr>
-          </a:lnRef>
-          <a:fillRef idx="1">
-            <a:schemeClr val="accent1"/>
-          </a:fillRef>
-          <a:effectRef idx="0">
-            <a:schemeClr val="accent1"/>
-          </a:effectRef>
-          <a:fontRef idx="minor">
-            <a:schemeClr val="lt1"/>
-          </a:fontRef>
-        </p:style>
-        <p:txBody>
-          <a:bodyPr rtlCol="0" anchor="ctr"/>
-          <a:lstStyle/>
-          <a:p>
-            <a:pPr algn="ctr"/>
-            <a:endParaRPr lang="en-US" sz="2800" dirty="0">
-              <a:solidFill>
-                <a:srgbClr val="B0B5BF"/>
-              </a:solidFill>
-              <a:latin typeface="Silom" charset="-34"/>
-              <a:ea typeface="Silom" charset="-34"/>
-              <a:cs typeface="Silom" charset="-34"/>
-            </a:endParaRPr>
-          </a:p>
-        </p:txBody>
-      </p:sp>
-      <p:sp>
-        <p:nvSpPr>
-          <p:cNvPr id="27" name="Oval 26"/>
-          <p:cNvSpPr/>
-          <p:nvPr/>
-        </p:nvSpPr>
-        <p:spPr>
-          <a:xfrm flipV="1">
-            <a:off x="234775" y="4985483"/>
-            <a:ext cx="497013" cy="497013"/>
-          </a:xfrm>
-          <a:prstGeom prst="ellipse">
-            <a:avLst/>
-          </a:prstGeom>
-          <a:noFill/>
-          <a:ln w="76200">
-            <a:solidFill>
-              <a:schemeClr val="bg1"/>
-            </a:solidFill>
-          </a:ln>
-        </p:spPr>
-        <p:style>
-          <a:lnRef idx="2">
-            <a:schemeClr val="accent1">
-              <a:shade val="50000"/>
-            </a:schemeClr>
-          </a:lnRef>
-          <a:fillRef idx="1">
-            <a:schemeClr val="accent1"/>
-          </a:fillRef>
-          <a:effectRef idx="0">
-            <a:schemeClr val="accent1"/>
-          </a:effectRef>
-          <a:fontRef idx="minor">
-            <a:schemeClr val="lt1"/>
-          </a:fontRef>
-        </p:style>
-        <p:txBody>
-          <a:bodyPr rtlCol="0" anchor="ctr"/>
-          <a:lstStyle/>
-          <a:p>
-            <a:pPr algn="ctr"/>
-            <a:endParaRPr lang="en-US" sz="2800" dirty="0">
-              <a:solidFill>
-                <a:srgbClr val="B0B5BF"/>
-              </a:solidFill>
-              <a:latin typeface="Silom" charset="-34"/>
-              <a:ea typeface="Silom" charset="-34"/>
-              <a:cs typeface="Silom" charset="-34"/>
-            </a:endParaRPr>
-          </a:p>
-        </p:txBody>
-      </p:sp>
-      <p:sp>
-        <p:nvSpPr>
-          <p:cNvPr id="28" name="Oval 27"/>
-          <p:cNvSpPr/>
-          <p:nvPr/>
-        </p:nvSpPr>
-        <p:spPr>
-          <a:xfrm rot="10800000" flipV="1">
-            <a:off x="234776" y="1723168"/>
-            <a:ext cx="497013" cy="497013"/>
-          </a:xfrm>
-          <a:prstGeom prst="ellipse">
-            <a:avLst/>
-          </a:prstGeom>
-          <a:noFill/>
-          <a:ln w="76200">
-            <a:solidFill>
-              <a:schemeClr val="bg1"/>
-            </a:solidFill>
-          </a:ln>
-        </p:spPr>
-        <p:style>
-          <a:lnRef idx="2">
-            <a:schemeClr val="accent1">
-              <a:shade val="50000"/>
-            </a:schemeClr>
-          </a:lnRef>
-          <a:fillRef idx="1">
-            <a:schemeClr val="accent1"/>
-          </a:fillRef>
-          <a:effectRef idx="0">
-            <a:schemeClr val="accent1"/>
-          </a:effectRef>
-          <a:fontRef idx="minor">
-            <a:schemeClr val="lt1"/>
-          </a:fontRef>
-        </p:style>
-        <p:txBody>
-          <a:bodyPr rtlCol="0" anchor="ctr"/>
-          <a:lstStyle/>
-          <a:p>
-            <a:pPr algn="ctr"/>
-            <a:endParaRPr lang="en-US" sz="2800" dirty="0">
-              <a:solidFill>
-                <a:srgbClr val="B0B5BF"/>
-              </a:solidFill>
-              <a:latin typeface="Silom" charset="-34"/>
-              <a:ea typeface="Silom" charset="-34"/>
-              <a:cs typeface="Silom" charset="-34"/>
-            </a:endParaRPr>
-          </a:p>
-        </p:txBody>
-      </p:sp>
-      <p:sp>
-        <p:nvSpPr>
-          <p:cNvPr id="29" name="Oval 28"/>
-          <p:cNvSpPr/>
-          <p:nvPr/>
-        </p:nvSpPr>
-        <p:spPr>
-          <a:xfrm rot="10800000" flipV="1">
-            <a:off x="234776" y="2375631"/>
-            <a:ext cx="497013" cy="497013"/>
-          </a:xfrm>
-          <a:prstGeom prst="ellipse">
-            <a:avLst/>
-          </a:prstGeom>
-          <a:noFill/>
-          <a:ln w="76200">
-            <a:solidFill>
-              <a:schemeClr val="bg1"/>
-            </a:solidFill>
-          </a:ln>
-        </p:spPr>
-        <p:style>
-          <a:lnRef idx="2">
-            <a:schemeClr val="accent1">
-              <a:shade val="50000"/>
-            </a:schemeClr>
-          </a:lnRef>
-          <a:fillRef idx="1">
-            <a:schemeClr val="accent1"/>
-          </a:fillRef>
-          <a:effectRef idx="0">
-            <a:schemeClr val="accent1"/>
-          </a:effectRef>
-          <a:fontRef idx="minor">
-            <a:schemeClr val="lt1"/>
-          </a:fontRef>
-        </p:style>
-        <p:txBody>
-          <a:bodyPr rtlCol="0" anchor="ctr"/>
-          <a:lstStyle/>
-          <a:p>
-            <a:pPr algn="ctr"/>
-            <a:endParaRPr lang="en-US" sz="2800" dirty="0">
-              <a:solidFill>
-                <a:srgbClr val="B0B5BF"/>
-              </a:solidFill>
-              <a:latin typeface="Silom" charset="-34"/>
-              <a:ea typeface="Silom" charset="-34"/>
-              <a:cs typeface="Silom" charset="-34"/>
-            </a:endParaRPr>
-          </a:p>
-        </p:txBody>
-      </p:sp>
-      <p:sp>
-        <p:nvSpPr>
-          <p:cNvPr id="32" name="Oval 31"/>
-          <p:cNvSpPr/>
-          <p:nvPr/>
-        </p:nvSpPr>
-        <p:spPr>
-          <a:xfrm rot="10800000" flipV="1">
-            <a:off x="234775" y="3028094"/>
-            <a:ext cx="497013" cy="497013"/>
-          </a:xfrm>
-          <a:prstGeom prst="ellipse">
-            <a:avLst/>
-          </a:prstGeom>
-          <a:noFill/>
-          <a:ln w="76200">
-            <a:solidFill>
-              <a:schemeClr val="bg1"/>
-            </a:solidFill>
-          </a:ln>
-        </p:spPr>
-        <p:style>
-          <a:lnRef idx="2">
-            <a:schemeClr val="accent1">
-              <a:shade val="50000"/>
-            </a:schemeClr>
-          </a:lnRef>
-          <a:fillRef idx="1">
-            <a:schemeClr val="accent1"/>
-          </a:fillRef>
-          <a:effectRef idx="0">
-            <a:schemeClr val="accent1"/>
-          </a:effectRef>
-          <a:fontRef idx="minor">
-            <a:schemeClr val="lt1"/>
-          </a:fontRef>
-        </p:style>
-        <p:txBody>
-          <a:bodyPr rtlCol="0" anchor="ctr"/>
-          <a:lstStyle/>
-          <a:p>
-            <a:pPr algn="ctr"/>
-            <a:endParaRPr lang="en-US" sz="2800" dirty="0">
-              <a:solidFill>
-                <a:srgbClr val="B0B5BF"/>
-              </a:solidFill>
-              <a:latin typeface="Silom" charset="-34"/>
-              <a:ea typeface="Silom" charset="-34"/>
-              <a:cs typeface="Silom" charset="-34"/>
-            </a:endParaRPr>
-          </a:p>
-        </p:txBody>
-      </p:sp>
-      <p:sp>
-        <p:nvSpPr>
-          <p:cNvPr id="2" name="Pie 1"/>
-          <p:cNvSpPr/>
-          <p:nvPr/>
-        </p:nvSpPr>
-        <p:spPr>
-          <a:xfrm>
-            <a:off x="3934800" y="2220300"/>
-            <a:ext cx="1274400" cy="1274400"/>
-          </a:xfrm>
-          <a:prstGeom prst="pie">
-            <a:avLst>
-              <a:gd name="adj1" fmla="val 1688798"/>
-              <a:gd name="adj2" fmla="val 16200000"/>
-            </a:avLst>
-          </a:prstGeom>
-          <a:solidFill>
-            <a:schemeClr val="bg1"/>
-          </a:solidFill>
-          <a:ln>
-            <a:noFill/>
-          </a:ln>
-        </p:spPr>
-        <p:style>
-          <a:lnRef idx="2">
-            <a:schemeClr val="accent1">
-              <a:shade val="50000"/>
-            </a:schemeClr>
-          </a:lnRef>
-          <a:fillRef idx="1">
-            <a:schemeClr val="accent1"/>
-          </a:fillRef>
-          <a:effectRef idx="0">
-            <a:schemeClr val="accent1"/>
-          </a:effectRef>
-          <a:fontRef idx="minor">
-            <a:schemeClr val="lt1"/>
-          </a:fontRef>
-        </p:style>
-        <p:txBody>
-          <a:bodyPr rtlCol="0" anchor="ctr"/>
-          <a:lstStyle/>
-          <a:p>
-            <a:pPr algn="ctr"/>
-            <a:endParaRPr lang="en-US">
-              <a:solidFill>
-                <a:schemeClr val="tx1"/>
-              </a:solidFill>
-            </a:endParaRPr>
-          </a:p>
-        </p:txBody>
-      </p:sp>
-      <p:sp>
-        <p:nvSpPr>
-          <p:cNvPr id="33" name="TextBox 32"/>
-          <p:cNvSpPr txBox="1"/>
-          <p:nvPr/>
-        </p:nvSpPr>
-        <p:spPr>
-          <a:xfrm>
-            <a:off x="3874219" y="2624137"/>
-            <a:ext cx="1335102" cy="523220"/>
-          </a:xfrm>
-          <a:prstGeom prst="rect">
-            <a:avLst/>
-          </a:prstGeom>
-          <a:noFill/>
-        </p:spPr>
-        <p:txBody>
-          <a:bodyPr wrap="square" rtlCol="0">
-            <a:spAutoFit/>
-          </a:bodyPr>
-          <a:lstStyle/>
-          <a:p>
-            <a:pPr algn="ctr"/>
-            <a:r>
-              <a:rPr lang="en-US" sz="2800" spc="-300" dirty="0" smtClean="0">
-                <a:ln>
-                  <a:solidFill>
-                    <a:schemeClr val="bg1"/>
-                  </a:solidFill>
-                </a:ln>
-                <a:solidFill>
-                  <a:srgbClr val="ABB4C0"/>
-                </a:solidFill>
-                <a:latin typeface="Silom" charset="-34"/>
-                <a:ea typeface="Silom" charset="-34"/>
-                <a:cs typeface="Silom" charset="-34"/>
-              </a:rPr>
-              <a:t>Leave</a:t>
-            </a:r>
-            <a:endParaRPr lang="en-US" sz="2800" spc="-300" dirty="0">
-              <a:ln>
-                <a:solidFill>
-                  <a:schemeClr val="bg1"/>
-                </a:solidFill>
-              </a:ln>
-              <a:solidFill>
-                <a:srgbClr val="ABB4C0"/>
-              </a:solidFill>
-              <a:latin typeface="Silom" charset="-34"/>
-              <a:ea typeface="Silom" charset="-34"/>
-              <a:cs typeface="Silom" charset="-34"/>
-            </a:endParaRPr>
-          </a:p>
-        </p:txBody>
-      </p:sp>
-      <p:sp>
-        <p:nvSpPr>
-          <p:cNvPr id="15" name="Rectangle 14"/>
-          <p:cNvSpPr/>
-          <p:nvPr/>
-        </p:nvSpPr>
-        <p:spPr>
-          <a:xfrm rot="19027824">
-            <a:off x="3496878" y="663634"/>
-            <a:ext cx="125481" cy="2372579"/>
-          </a:xfrm>
-          <a:prstGeom prst="rect">
-            <a:avLst/>
-          </a:prstGeom>
-          <a:solidFill>
-            <a:schemeClr val="bg1"/>
-          </a:solidFill>
-          <a:ln>
-            <a:noFill/>
-          </a:ln>
-        </p:spPr>
-        <p:style>
-          <a:lnRef idx="2">
-            <a:schemeClr val="accent1">
-              <a:shade val="50000"/>
-            </a:schemeClr>
-          </a:lnRef>
-          <a:fillRef idx="1">
-            <a:schemeClr val="accent1"/>
-          </a:fillRef>
-          <a:effectRef idx="0">
-            <a:schemeClr val="accent1"/>
-          </a:effectRef>
-          <a:fontRef idx="minor">
-            <a:schemeClr val="lt1"/>
-          </a:fontRef>
-        </p:style>
-        <p:txBody>
-          <a:bodyPr rtlCol="0" anchor="ctr"/>
-          <a:lstStyle/>
-          <a:p>
-            <a:endParaRPr lang="en-US" sz="3600" dirty="0">
-              <a:solidFill>
-                <a:srgbClr val="334864"/>
-              </a:solidFill>
-              <a:latin typeface="Silom" charset="-34"/>
-              <a:ea typeface="Silom" charset="-34"/>
-              <a:cs typeface="Silom" charset="-34"/>
-            </a:endParaRPr>
-          </a:p>
-        </p:txBody>
-      </p:sp>
-      <p:sp>
-        <p:nvSpPr>
-          <p:cNvPr id="16" name="Oval 15"/>
-          <p:cNvSpPr/>
-          <p:nvPr/>
-        </p:nvSpPr>
-        <p:spPr>
-          <a:xfrm rot="5851664" flipV="1">
-            <a:off x="2359607" y="582663"/>
-            <a:ext cx="497013" cy="497013"/>
-          </a:xfrm>
-          <a:prstGeom prst="ellipse">
-            <a:avLst/>
-          </a:prstGeom>
-          <a:solidFill>
-            <a:schemeClr val="bg1"/>
-          </a:solidFill>
-          <a:ln>
-            <a:noFill/>
-          </a:ln>
-        </p:spPr>
-        <p:style>
-          <a:lnRef idx="2">
-            <a:schemeClr val="accent1">
-              <a:shade val="50000"/>
-            </a:schemeClr>
-          </a:lnRef>
-          <a:fillRef idx="1">
-            <a:schemeClr val="accent1"/>
-          </a:fillRef>
-          <a:effectRef idx="0">
-            <a:schemeClr val="accent1"/>
-          </a:effectRef>
-          <a:fontRef idx="minor">
-            <a:schemeClr val="lt1"/>
-          </a:fontRef>
-        </p:style>
-        <p:txBody>
-          <a:bodyPr rtlCol="0" anchor="ctr"/>
-          <a:lstStyle/>
-          <a:p>
-            <a:pPr algn="ctr"/>
-            <a:endParaRPr lang="en-US" sz="2800" dirty="0">
-              <a:solidFill>
-                <a:srgbClr val="B0B5BF"/>
-              </a:solidFill>
-              <a:latin typeface="Silom" charset="-34"/>
-              <a:ea typeface="Silom" charset="-34"/>
-              <a:cs typeface="Silom" charset="-34"/>
-            </a:endParaRPr>
-          </a:p>
-        </p:txBody>
-      </p:sp>
-    </p:spTree>
-    <p:extLst>
-      <p:ext uri="{BB962C8B-B14F-4D97-AF65-F5344CB8AC3E}">
         <p14:creationId xmlns:p14="http://schemas.microsoft.com/office/powerpoint/2010/main" val="222496337"/>
-      </p:ext>
-    </p:extLst>
-  </p:cSld>
-  <p:clrMapOvr>
-    <a:masterClrMapping/>
-  </p:clrMapOvr>
-  <p:timing>
-    <p:tnLst>
-      <p:par>
-        <p:cTn id="1" dur="indefinite" restart="never" nodeType="tmRoot"/>
-      </p:par>
-    </p:tnLst>
-  </p:timing>
-</p:sld>
-</file>
-
-<file path=ppt/slides/slide7.xml><?xml version="1.0" encoding="utf-8"?>
-<p:sld xmlns:a="http://schemas.openxmlformats.org/drawingml/2006/main" xmlns:r="http://schemas.openxmlformats.org/officeDocument/2006/relationships" xmlns:p="http://schemas.openxmlformats.org/presentationml/2006/main">
-  <p:cSld>
-    <p:bg>
-      <p:bgPr>
-        <a:solidFill>
-          <a:srgbClr val="334864"/>
-        </a:solidFill>
-        <a:effectLst/>
-      </p:bgPr>
-    </p:bg>
-    <p:spTree>
-      <p:nvGrpSpPr>
-        <p:cNvPr id="1" name=""/>
-        <p:cNvGrpSpPr/>
-        <p:nvPr/>
-      </p:nvGrpSpPr>
-      <p:grpSpPr>
-        <a:xfrm>
-          <a:off x="0" y="0"/>
-          <a:ext cx="0" cy="0"/>
-          <a:chOff x="0" y="0"/>
-          <a:chExt cx="0" cy="0"/>
-        </a:xfrm>
-      </p:grpSpPr>
-      <p:sp>
-        <p:nvSpPr>
-          <p:cNvPr id="14" name="Oval 13"/>
-          <p:cNvSpPr/>
-          <p:nvPr/>
-        </p:nvSpPr>
-        <p:spPr>
-          <a:xfrm flipV="1">
-            <a:off x="234776" y="3680557"/>
-            <a:ext cx="497013" cy="497013"/>
-          </a:xfrm>
-          <a:prstGeom prst="ellipse">
-            <a:avLst/>
-          </a:prstGeom>
-          <a:solidFill>
-            <a:schemeClr val="bg1"/>
-          </a:solidFill>
-          <a:ln>
-            <a:noFill/>
-          </a:ln>
-        </p:spPr>
-        <p:style>
-          <a:lnRef idx="2">
-            <a:schemeClr val="accent1">
-              <a:shade val="50000"/>
-            </a:schemeClr>
-          </a:lnRef>
-          <a:fillRef idx="1">
-            <a:schemeClr val="accent1"/>
-          </a:fillRef>
-          <a:effectRef idx="0">
-            <a:schemeClr val="accent1"/>
-          </a:effectRef>
-          <a:fontRef idx="minor">
-            <a:schemeClr val="lt1"/>
-          </a:fontRef>
-        </p:style>
-        <p:txBody>
-          <a:bodyPr rtlCol="0" anchor="ctr"/>
-          <a:lstStyle/>
-          <a:p>
-            <a:pPr algn="ctr"/>
-            <a:endParaRPr lang="en-US" sz="2800" dirty="0">
-              <a:solidFill>
-                <a:srgbClr val="B0B5BF"/>
-              </a:solidFill>
-              <a:latin typeface="Silom" charset="-34"/>
-              <a:ea typeface="Silom" charset="-34"/>
-              <a:cs typeface="Silom" charset="-34"/>
-            </a:endParaRPr>
-          </a:p>
-        </p:txBody>
-      </p:sp>
-      <p:sp>
-        <p:nvSpPr>
-          <p:cNvPr id="26" name="Oval 25"/>
-          <p:cNvSpPr/>
-          <p:nvPr/>
-        </p:nvSpPr>
-        <p:spPr>
-          <a:xfrm flipV="1">
-            <a:off x="234776" y="4333020"/>
-            <a:ext cx="497013" cy="497013"/>
-          </a:xfrm>
-          <a:prstGeom prst="ellipse">
-            <a:avLst/>
-          </a:prstGeom>
-          <a:solidFill>
-            <a:schemeClr val="bg1"/>
-          </a:solidFill>
-          <a:ln>
-            <a:noFill/>
-          </a:ln>
-        </p:spPr>
-        <p:style>
-          <a:lnRef idx="2">
-            <a:schemeClr val="accent1">
-              <a:shade val="50000"/>
-            </a:schemeClr>
-          </a:lnRef>
-          <a:fillRef idx="1">
-            <a:schemeClr val="accent1"/>
-          </a:fillRef>
-          <a:effectRef idx="0">
-            <a:schemeClr val="accent1"/>
-          </a:effectRef>
-          <a:fontRef idx="minor">
-            <a:schemeClr val="lt1"/>
-          </a:fontRef>
-        </p:style>
-        <p:txBody>
-          <a:bodyPr rtlCol="0" anchor="ctr"/>
-          <a:lstStyle/>
-          <a:p>
-            <a:pPr algn="ctr"/>
-            <a:endParaRPr lang="en-US" sz="2800" dirty="0">
-              <a:solidFill>
-                <a:srgbClr val="B0B5BF"/>
-              </a:solidFill>
-              <a:latin typeface="Silom" charset="-34"/>
-              <a:ea typeface="Silom" charset="-34"/>
-              <a:cs typeface="Silom" charset="-34"/>
-            </a:endParaRPr>
-          </a:p>
-        </p:txBody>
-      </p:sp>
-      <p:sp>
-        <p:nvSpPr>
-          <p:cNvPr id="27" name="Oval 26"/>
-          <p:cNvSpPr/>
-          <p:nvPr/>
-        </p:nvSpPr>
-        <p:spPr>
-          <a:xfrm flipV="1">
-            <a:off x="234775" y="4985483"/>
-            <a:ext cx="497013" cy="497013"/>
-          </a:xfrm>
-          <a:prstGeom prst="ellipse">
-            <a:avLst/>
-          </a:prstGeom>
-          <a:solidFill>
-            <a:schemeClr val="bg1"/>
-          </a:solidFill>
-          <a:ln>
-            <a:noFill/>
-          </a:ln>
-        </p:spPr>
-        <p:style>
-          <a:lnRef idx="2">
-            <a:schemeClr val="accent1">
-              <a:shade val="50000"/>
-            </a:schemeClr>
-          </a:lnRef>
-          <a:fillRef idx="1">
-            <a:schemeClr val="accent1"/>
-          </a:fillRef>
-          <a:effectRef idx="0">
-            <a:schemeClr val="accent1"/>
-          </a:effectRef>
-          <a:fontRef idx="minor">
-            <a:schemeClr val="lt1"/>
-          </a:fontRef>
-        </p:style>
-        <p:txBody>
-          <a:bodyPr rtlCol="0" anchor="ctr"/>
-          <a:lstStyle/>
-          <a:p>
-            <a:pPr algn="ctr"/>
-            <a:endParaRPr lang="en-US" sz="2800" dirty="0">
-              <a:solidFill>
-                <a:srgbClr val="B0B5BF"/>
-              </a:solidFill>
-              <a:latin typeface="Silom" charset="-34"/>
-              <a:ea typeface="Silom" charset="-34"/>
-              <a:cs typeface="Silom" charset="-34"/>
-            </a:endParaRPr>
-          </a:p>
-        </p:txBody>
-      </p:sp>
-      <p:sp>
-        <p:nvSpPr>
-          <p:cNvPr id="28" name="Oval 27"/>
-          <p:cNvSpPr/>
-          <p:nvPr/>
-        </p:nvSpPr>
-        <p:spPr>
-          <a:xfrm rot="10800000" flipV="1">
-            <a:off x="234776" y="1723168"/>
-            <a:ext cx="497013" cy="497013"/>
-          </a:xfrm>
-          <a:prstGeom prst="ellipse">
-            <a:avLst/>
-          </a:prstGeom>
-          <a:solidFill>
-            <a:schemeClr val="bg1"/>
-          </a:solidFill>
-          <a:ln>
-            <a:noFill/>
-          </a:ln>
-        </p:spPr>
-        <p:style>
-          <a:lnRef idx="2">
-            <a:schemeClr val="accent1">
-              <a:shade val="50000"/>
-            </a:schemeClr>
-          </a:lnRef>
-          <a:fillRef idx="1">
-            <a:schemeClr val="accent1"/>
-          </a:fillRef>
-          <a:effectRef idx="0">
-            <a:schemeClr val="accent1"/>
-          </a:effectRef>
-          <a:fontRef idx="minor">
-            <a:schemeClr val="lt1"/>
-          </a:fontRef>
-        </p:style>
-        <p:txBody>
-          <a:bodyPr rtlCol="0" anchor="ctr"/>
-          <a:lstStyle/>
-          <a:p>
-            <a:pPr algn="ctr"/>
-            <a:endParaRPr lang="en-US" sz="2800" dirty="0">
-              <a:solidFill>
-                <a:srgbClr val="B0B5BF"/>
-              </a:solidFill>
-              <a:latin typeface="Silom" charset="-34"/>
-              <a:ea typeface="Silom" charset="-34"/>
-              <a:cs typeface="Silom" charset="-34"/>
-            </a:endParaRPr>
-          </a:p>
-        </p:txBody>
-      </p:sp>
-      <p:sp>
-        <p:nvSpPr>
-          <p:cNvPr id="29" name="Oval 28"/>
-          <p:cNvSpPr/>
-          <p:nvPr/>
-        </p:nvSpPr>
-        <p:spPr>
-          <a:xfrm rot="10800000" flipV="1">
-            <a:off x="234776" y="2375631"/>
-            <a:ext cx="497013" cy="497013"/>
-          </a:xfrm>
-          <a:prstGeom prst="ellipse">
-            <a:avLst/>
-          </a:prstGeom>
-          <a:solidFill>
-            <a:schemeClr val="bg1"/>
-          </a:solidFill>
-          <a:ln>
-            <a:noFill/>
-          </a:ln>
-        </p:spPr>
-        <p:style>
-          <a:lnRef idx="2">
-            <a:schemeClr val="accent1">
-              <a:shade val="50000"/>
-            </a:schemeClr>
-          </a:lnRef>
-          <a:fillRef idx="1">
-            <a:schemeClr val="accent1"/>
-          </a:fillRef>
-          <a:effectRef idx="0">
-            <a:schemeClr val="accent1"/>
-          </a:effectRef>
-          <a:fontRef idx="minor">
-            <a:schemeClr val="lt1"/>
-          </a:fontRef>
-        </p:style>
-        <p:txBody>
-          <a:bodyPr rtlCol="0" anchor="ctr"/>
-          <a:lstStyle/>
-          <a:p>
-            <a:pPr algn="ctr"/>
-            <a:endParaRPr lang="en-US" sz="2800" dirty="0">
-              <a:solidFill>
-                <a:srgbClr val="B0B5BF"/>
-              </a:solidFill>
-              <a:latin typeface="Silom" charset="-34"/>
-              <a:ea typeface="Silom" charset="-34"/>
-              <a:cs typeface="Silom" charset="-34"/>
-            </a:endParaRPr>
-          </a:p>
-        </p:txBody>
-      </p:sp>
-      <p:sp>
-        <p:nvSpPr>
-          <p:cNvPr id="32" name="Oval 31"/>
-          <p:cNvSpPr/>
-          <p:nvPr/>
-        </p:nvSpPr>
-        <p:spPr>
-          <a:xfrm rot="10800000" flipV="1">
-            <a:off x="234775" y="3028094"/>
-            <a:ext cx="497013" cy="497013"/>
-          </a:xfrm>
-          <a:prstGeom prst="ellipse">
-            <a:avLst/>
-          </a:prstGeom>
-          <a:solidFill>
-            <a:schemeClr val="bg1"/>
-          </a:solidFill>
-          <a:ln>
-            <a:noFill/>
-          </a:ln>
-        </p:spPr>
-        <p:style>
-          <a:lnRef idx="2">
-            <a:schemeClr val="accent1">
-              <a:shade val="50000"/>
-            </a:schemeClr>
-          </a:lnRef>
-          <a:fillRef idx="1">
-            <a:schemeClr val="accent1"/>
-          </a:fillRef>
-          <a:effectRef idx="0">
-            <a:schemeClr val="accent1"/>
-          </a:effectRef>
-          <a:fontRef idx="minor">
-            <a:schemeClr val="lt1"/>
-          </a:fontRef>
-        </p:style>
-        <p:txBody>
-          <a:bodyPr rtlCol="0" anchor="ctr"/>
-          <a:lstStyle/>
-          <a:p>
-            <a:pPr algn="ctr"/>
-            <a:endParaRPr lang="en-US" sz="2800" dirty="0">
-              <a:solidFill>
-                <a:srgbClr val="B0B5BF"/>
-              </a:solidFill>
-              <a:latin typeface="Silom" charset="-34"/>
-              <a:ea typeface="Silom" charset="-34"/>
-              <a:cs typeface="Silom" charset="-34"/>
-            </a:endParaRPr>
-          </a:p>
-        </p:txBody>
-      </p:sp>
-      <p:sp>
-        <p:nvSpPr>
-          <p:cNvPr id="13" name="Rectangle 12"/>
-          <p:cNvSpPr/>
-          <p:nvPr/>
-        </p:nvSpPr>
-        <p:spPr>
-          <a:xfrm>
-            <a:off x="998806" y="0"/>
-            <a:ext cx="8145194" cy="5715000"/>
-          </a:xfrm>
-          <a:prstGeom prst="rect">
-            <a:avLst/>
-          </a:prstGeom>
-          <a:solidFill>
-            <a:schemeClr val="bg1"/>
-          </a:solidFill>
-          <a:ln>
-            <a:noFill/>
-          </a:ln>
-        </p:spPr>
-        <p:style>
-          <a:lnRef idx="2">
-            <a:schemeClr val="accent1">
-              <a:shade val="50000"/>
-            </a:schemeClr>
-          </a:lnRef>
-          <a:fillRef idx="1">
-            <a:schemeClr val="accent1"/>
-          </a:fillRef>
-          <a:effectRef idx="0">
-            <a:schemeClr val="accent1"/>
-          </a:effectRef>
-          <a:fontRef idx="minor">
-            <a:schemeClr val="lt1"/>
-          </a:fontRef>
-        </p:style>
-        <p:txBody>
-          <a:bodyPr rtlCol="0" anchor="ctr"/>
-          <a:lstStyle/>
-          <a:p>
-            <a:endParaRPr lang="en-US" sz="3600" dirty="0">
-              <a:solidFill>
-                <a:srgbClr val="334864"/>
-              </a:solidFill>
-              <a:latin typeface="Silom" charset="-34"/>
-              <a:ea typeface="Silom" charset="-34"/>
-              <a:cs typeface="Silom" charset="-34"/>
-            </a:endParaRPr>
-          </a:p>
-        </p:txBody>
-      </p:sp>
-      <p:sp>
-        <p:nvSpPr>
-          <p:cNvPr id="17" name="Oval 16"/>
-          <p:cNvSpPr/>
-          <p:nvPr/>
-        </p:nvSpPr>
-        <p:spPr>
-          <a:xfrm rot="5132827">
-            <a:off x="3377755" y="3392825"/>
-            <a:ext cx="940195" cy="940195"/>
-          </a:xfrm>
-          <a:prstGeom prst="ellipse">
-            <a:avLst/>
-          </a:prstGeom>
-          <a:solidFill>
-            <a:srgbClr val="FFC000"/>
-          </a:solidFill>
-          <a:ln w="38100">
-            <a:solidFill>
-              <a:srgbClr val="DAA301"/>
-            </a:solidFill>
-          </a:ln>
-        </p:spPr>
-        <p:style>
-          <a:lnRef idx="2">
-            <a:schemeClr val="accent1">
-              <a:shade val="50000"/>
-            </a:schemeClr>
-          </a:lnRef>
-          <a:fillRef idx="1">
-            <a:schemeClr val="accent1"/>
-          </a:fillRef>
-          <a:effectRef idx="0">
-            <a:schemeClr val="accent1"/>
-          </a:effectRef>
-          <a:fontRef idx="minor">
-            <a:schemeClr val="lt1"/>
-          </a:fontRef>
-        </p:style>
-        <p:txBody>
-          <a:bodyPr rtlCol="0" anchor="ctr"/>
-          <a:lstStyle/>
-          <a:p>
-            <a:pPr algn="ctr"/>
-            <a:endParaRPr lang="en-US"/>
-          </a:p>
-        </p:txBody>
-      </p:sp>
-      <p:sp>
-        <p:nvSpPr>
-          <p:cNvPr id="31" name="Oval 30"/>
-          <p:cNvSpPr/>
-          <p:nvPr/>
-        </p:nvSpPr>
-        <p:spPr>
-          <a:xfrm rot="18573915">
-            <a:off x="3879164" y="214974"/>
-            <a:ext cx="940195" cy="940195"/>
-          </a:xfrm>
-          <a:prstGeom prst="ellipse">
-            <a:avLst/>
-          </a:prstGeom>
-          <a:solidFill>
-            <a:srgbClr val="00FDFF"/>
-          </a:solidFill>
-          <a:ln w="38100">
-            <a:solidFill>
-              <a:srgbClr val="00E1E3"/>
-            </a:solidFill>
-          </a:ln>
-        </p:spPr>
-        <p:style>
-          <a:lnRef idx="2">
-            <a:schemeClr val="accent1">
-              <a:shade val="50000"/>
-            </a:schemeClr>
-          </a:lnRef>
-          <a:fillRef idx="1">
-            <a:schemeClr val="accent1"/>
-          </a:fillRef>
-          <a:effectRef idx="0">
-            <a:schemeClr val="accent1"/>
-          </a:effectRef>
-          <a:fontRef idx="minor">
-            <a:schemeClr val="lt1"/>
-          </a:fontRef>
-        </p:style>
-        <p:txBody>
-          <a:bodyPr rtlCol="0" anchor="ctr"/>
-          <a:lstStyle/>
-          <a:p>
-            <a:pPr algn="ctr"/>
-            <a:endParaRPr lang="en-US"/>
-          </a:p>
-        </p:txBody>
-      </p:sp>
-      <p:sp>
-        <p:nvSpPr>
-          <p:cNvPr id="38" name="Oval 37"/>
-          <p:cNvSpPr/>
-          <p:nvPr/>
-        </p:nvSpPr>
-        <p:spPr>
-          <a:xfrm rot="1778677">
-            <a:off x="7739461" y="1426632"/>
-            <a:ext cx="940195" cy="940195"/>
-          </a:xfrm>
-          <a:prstGeom prst="ellipse">
-            <a:avLst/>
-          </a:prstGeom>
-          <a:solidFill>
-            <a:srgbClr val="F45247"/>
-          </a:solidFill>
-          <a:ln w="38100">
-            <a:solidFill>
-              <a:srgbClr val="C7403A"/>
-            </a:solidFill>
-          </a:ln>
-        </p:spPr>
-        <p:style>
-          <a:lnRef idx="2">
-            <a:schemeClr val="accent1">
-              <a:shade val="50000"/>
-            </a:schemeClr>
-          </a:lnRef>
-          <a:fillRef idx="1">
-            <a:schemeClr val="accent1"/>
-          </a:fillRef>
-          <a:effectRef idx="0">
-            <a:schemeClr val="accent1"/>
-          </a:effectRef>
-          <a:fontRef idx="minor">
-            <a:schemeClr val="lt1"/>
-          </a:fontRef>
-        </p:style>
-        <p:txBody>
-          <a:bodyPr rtlCol="0" anchor="ctr"/>
-          <a:lstStyle/>
-          <a:p>
-            <a:pPr algn="ctr"/>
-            <a:endParaRPr lang="en-US"/>
-          </a:p>
-        </p:txBody>
-      </p:sp>
-      <p:sp>
-        <p:nvSpPr>
-          <p:cNvPr id="43" name="Oval 42"/>
-          <p:cNvSpPr/>
-          <p:nvPr/>
-        </p:nvSpPr>
-        <p:spPr>
-          <a:xfrm>
-            <a:off x="5998462" y="1109983"/>
-            <a:ext cx="291320" cy="291320"/>
-          </a:xfrm>
-          <a:prstGeom prst="ellipse">
-            <a:avLst/>
-          </a:prstGeom>
-          <a:solidFill>
-            <a:srgbClr val="00FDFF"/>
-          </a:solidFill>
-          <a:ln w="28575">
-            <a:solidFill>
-              <a:srgbClr val="00E1E3"/>
-            </a:solidFill>
-          </a:ln>
-        </p:spPr>
-        <p:style>
-          <a:lnRef idx="2">
-            <a:schemeClr val="accent1">
-              <a:shade val="50000"/>
-            </a:schemeClr>
-          </a:lnRef>
-          <a:fillRef idx="1">
-            <a:schemeClr val="accent1"/>
-          </a:fillRef>
-          <a:effectRef idx="0">
-            <a:schemeClr val="accent1"/>
-          </a:effectRef>
-          <a:fontRef idx="minor">
-            <a:schemeClr val="lt1"/>
-          </a:fontRef>
-        </p:style>
-        <p:txBody>
-          <a:bodyPr rtlCol="0" anchor="ctr"/>
-          <a:lstStyle/>
-          <a:p>
-            <a:pPr algn="ctr"/>
-            <a:endParaRPr lang="en-US" dirty="0"/>
-          </a:p>
-        </p:txBody>
-      </p:sp>
-      <p:sp>
-        <p:nvSpPr>
-          <p:cNvPr id="45" name="Oval 44"/>
-          <p:cNvSpPr/>
-          <p:nvPr/>
-        </p:nvSpPr>
-        <p:spPr>
-          <a:xfrm>
-            <a:off x="4719772" y="3326747"/>
-            <a:ext cx="291320" cy="291320"/>
-          </a:xfrm>
-          <a:prstGeom prst="ellipse">
-            <a:avLst/>
-          </a:prstGeom>
-          <a:solidFill>
-            <a:srgbClr val="FFC000"/>
-          </a:solidFill>
-          <a:ln w="28575">
-            <a:solidFill>
-              <a:srgbClr val="DAA301"/>
-            </a:solidFill>
-          </a:ln>
-        </p:spPr>
-        <p:style>
-          <a:lnRef idx="2">
-            <a:schemeClr val="accent1">
-              <a:shade val="50000"/>
-            </a:schemeClr>
-          </a:lnRef>
-          <a:fillRef idx="1">
-            <a:schemeClr val="accent1"/>
-          </a:fillRef>
-          <a:effectRef idx="0">
-            <a:schemeClr val="accent1"/>
-          </a:effectRef>
-          <a:fontRef idx="minor">
-            <a:schemeClr val="lt1"/>
-          </a:fontRef>
-        </p:style>
-        <p:txBody>
-          <a:bodyPr rtlCol="0" anchor="ctr"/>
-          <a:lstStyle/>
-          <a:p>
-            <a:pPr algn="ctr"/>
-            <a:endParaRPr lang="en-US" dirty="0"/>
-          </a:p>
-        </p:txBody>
-      </p:sp>
-      <p:sp>
-        <p:nvSpPr>
-          <p:cNvPr id="46" name="Oval 45"/>
-          <p:cNvSpPr/>
-          <p:nvPr/>
-        </p:nvSpPr>
-        <p:spPr>
-          <a:xfrm>
-            <a:off x="6419619" y="2711840"/>
-            <a:ext cx="291320" cy="291320"/>
-          </a:xfrm>
-          <a:prstGeom prst="ellipse">
-            <a:avLst/>
-          </a:prstGeom>
-          <a:solidFill>
-            <a:srgbClr val="FFC000"/>
-          </a:solidFill>
-          <a:ln w="28575">
-            <a:solidFill>
-              <a:srgbClr val="DAA301"/>
-            </a:solidFill>
-          </a:ln>
-        </p:spPr>
-        <p:style>
-          <a:lnRef idx="2">
-            <a:schemeClr val="accent1">
-              <a:shade val="50000"/>
-            </a:schemeClr>
-          </a:lnRef>
-          <a:fillRef idx="1">
-            <a:schemeClr val="accent1"/>
-          </a:fillRef>
-          <a:effectRef idx="0">
-            <a:schemeClr val="accent1"/>
-          </a:effectRef>
-          <a:fontRef idx="minor">
-            <a:schemeClr val="lt1"/>
-          </a:fontRef>
-        </p:style>
-        <p:txBody>
-          <a:bodyPr rtlCol="0" anchor="ctr"/>
-          <a:lstStyle/>
-          <a:p>
-            <a:pPr algn="ctr"/>
-            <a:endParaRPr lang="en-US" dirty="0"/>
-          </a:p>
-        </p:txBody>
-      </p:sp>
-    </p:spTree>
-    <p:extLst>
-      <p:ext uri="{BB962C8B-B14F-4D97-AF65-F5344CB8AC3E}">
-        <p14:creationId xmlns:p14="http://schemas.microsoft.com/office/powerpoint/2010/main" val="2087554167"/>
       </p:ext>
     </p:extLst>
   </p:cSld>

--- a/docs & design/ideas/controller_ideas.pptx
+++ b/docs & design/ideas/controller_ideas.pptx
@@ -114,6 +114,11 @@
       </a:defRPr>
     </a:lvl9pPr>
   </p:defaultTextStyle>
+  <p:extLst>
+    <p:ext uri="{EFAFB233-063F-42B5-8137-9DF3F51BA10A}">
+      <p15:sldGuideLst xmlns:p15="http://schemas.microsoft.com/office/powerpoint/2012/main"/>
+    </p:ext>
+  </p:extLst>
 </p:presentation>
 </file>
 
@@ -248,7 +253,7 @@
           <a:p>
             <a:fld id="{180E1644-D116-5042-8F84-57044129CF57}" type="datetimeFigureOut">
               <a:rPr lang="en-US" smtClean="0"/>
-              <a:t>1/25/16</a:t>
+              <a:t>1/26/16</a:t>
             </a:fld>
             <a:endParaRPr lang="en-US"/>
           </a:p>
@@ -418,7 +423,7 @@
           <a:p>
             <a:fld id="{180E1644-D116-5042-8F84-57044129CF57}" type="datetimeFigureOut">
               <a:rPr lang="en-US" smtClean="0"/>
-              <a:t>1/25/16</a:t>
+              <a:t>1/26/16</a:t>
             </a:fld>
             <a:endParaRPr lang="en-US"/>
           </a:p>
@@ -598,7 +603,7 @@
           <a:p>
             <a:fld id="{180E1644-D116-5042-8F84-57044129CF57}" type="datetimeFigureOut">
               <a:rPr lang="en-US" smtClean="0"/>
-              <a:t>1/25/16</a:t>
+              <a:t>1/26/16</a:t>
             </a:fld>
             <a:endParaRPr lang="en-US"/>
           </a:p>
@@ -768,7 +773,7 @@
           <a:p>
             <a:fld id="{180E1644-D116-5042-8F84-57044129CF57}" type="datetimeFigureOut">
               <a:rPr lang="en-US" smtClean="0"/>
-              <a:t>1/25/16</a:t>
+              <a:t>1/26/16</a:t>
             </a:fld>
             <a:endParaRPr lang="en-US"/>
           </a:p>
@@ -1014,7 +1019,7 @@
           <a:p>
             <a:fld id="{180E1644-D116-5042-8F84-57044129CF57}" type="datetimeFigureOut">
               <a:rPr lang="en-US" smtClean="0"/>
-              <a:t>1/25/16</a:t>
+              <a:t>1/26/16</a:t>
             </a:fld>
             <a:endParaRPr lang="en-US"/>
           </a:p>
@@ -1246,7 +1251,7 @@
           <a:p>
             <a:fld id="{180E1644-D116-5042-8F84-57044129CF57}" type="datetimeFigureOut">
               <a:rPr lang="en-US" smtClean="0"/>
-              <a:t>1/25/16</a:t>
+              <a:t>1/26/16</a:t>
             </a:fld>
             <a:endParaRPr lang="en-US"/>
           </a:p>
@@ -1613,7 +1618,7 @@
           <a:p>
             <a:fld id="{180E1644-D116-5042-8F84-57044129CF57}" type="datetimeFigureOut">
               <a:rPr lang="en-US" smtClean="0"/>
-              <a:t>1/25/16</a:t>
+              <a:t>1/26/16</a:t>
             </a:fld>
             <a:endParaRPr lang="en-US"/>
           </a:p>
@@ -1731,7 +1736,7 @@
           <a:p>
             <a:fld id="{180E1644-D116-5042-8F84-57044129CF57}" type="datetimeFigureOut">
               <a:rPr lang="en-US" smtClean="0"/>
-              <a:t>1/25/16</a:t>
+              <a:t>1/26/16</a:t>
             </a:fld>
             <a:endParaRPr lang="en-US"/>
           </a:p>
@@ -1826,7 +1831,7 @@
           <a:p>
             <a:fld id="{180E1644-D116-5042-8F84-57044129CF57}" type="datetimeFigureOut">
               <a:rPr lang="en-US" smtClean="0"/>
-              <a:t>1/25/16</a:t>
+              <a:t>1/26/16</a:t>
             </a:fld>
             <a:endParaRPr lang="en-US"/>
           </a:p>
@@ -2103,7 +2108,7 @@
           <a:p>
             <a:fld id="{180E1644-D116-5042-8F84-57044129CF57}" type="datetimeFigureOut">
               <a:rPr lang="en-US" smtClean="0"/>
-              <a:t>1/25/16</a:t>
+              <a:t>1/26/16</a:t>
             </a:fld>
             <a:endParaRPr lang="en-US"/>
           </a:p>
@@ -2360,7 +2365,7 @@
           <a:p>
             <a:fld id="{180E1644-D116-5042-8F84-57044129CF57}" type="datetimeFigureOut">
               <a:rPr lang="en-US" smtClean="0"/>
-              <a:t>1/25/16</a:t>
+              <a:t>1/26/16</a:t>
             </a:fld>
             <a:endParaRPr lang="en-US"/>
           </a:p>
@@ -2573,7 +2578,7 @@
           <a:p>
             <a:fld id="{180E1644-D116-5042-8F84-57044129CF57}" type="datetimeFigureOut">
               <a:rPr lang="en-US" smtClean="0"/>
-              <a:t>1/25/16</a:t>
+              <a:t>1/26/16</a:t>
             </a:fld>
             <a:endParaRPr lang="en-US"/>
           </a:p>
@@ -4538,7 +4543,7 @@
             <a:avLst/>
           </a:prstGeom>
           <a:solidFill>
-            <a:srgbClr val="98A2B0"/>
+            <a:schemeClr val="bg1"/>
           </a:solidFill>
           <a:ln>
             <a:noFill/>
@@ -4591,7 +4596,7 @@
             <a:avLst/>
           </a:prstGeom>
           <a:solidFill>
-            <a:schemeClr val="bg1"/>
+            <a:srgbClr val="334864"/>
           </a:solidFill>
           <a:ln>
             <a:noFill/>
@@ -4907,7 +4912,7 @@
             <a:avLst/>
           </a:prstGeom>
           <a:solidFill>
-            <a:schemeClr val="bg1"/>
+            <a:srgbClr val="334864"/>
           </a:solidFill>
           <a:ln>
             <a:noFill/>
@@ -5131,13 +5136,8 @@
             <a:pPr algn="ctr"/>
             <a:r>
               <a:rPr lang="en-US" sz="2800" spc="-300" dirty="0" smtClean="0">
-                <a:ln>
-                  <a:solidFill>
-                    <a:schemeClr val="bg1"/>
-                  </a:solidFill>
-                </a:ln>
                 <a:solidFill>
-                  <a:srgbClr val="ABB4C0"/>
+                  <a:schemeClr val="bg1"/>
                 </a:solidFill>
                 <a:latin typeface="Silom" charset="-34"/>
                 <a:ea typeface="Silom" charset="-34"/>
@@ -5146,13 +5146,8 @@
               <a:t>Leave</a:t>
             </a:r>
             <a:endParaRPr lang="en-US" sz="2800" spc="-300" dirty="0">
-              <a:ln>
-                <a:solidFill>
-                  <a:schemeClr val="bg1"/>
-                </a:solidFill>
-              </a:ln>
               <a:solidFill>
-                <a:srgbClr val="ABB4C0"/>
+                <a:schemeClr val="bg1"/>
               </a:solidFill>
               <a:latin typeface="Silom" charset="-34"/>
               <a:ea typeface="Silom" charset="-34"/>
@@ -5176,7 +5171,7 @@
             <a:avLst/>
           </a:prstGeom>
           <a:solidFill>
-            <a:schemeClr val="bg1"/>
+            <a:srgbClr val="334864"/>
           </a:solidFill>
           <a:ln>
             <a:noFill/>
@@ -5261,14 +5256,14 @@
       </p:grpSpPr>
       <p:sp>
         <p:nvSpPr>
-          <p:cNvPr id="14" name="Oval 13"/>
+          <p:cNvPr id="15" name="Oval 14"/>
           <p:cNvSpPr/>
           <p:nvPr/>
         </p:nvSpPr>
         <p:spPr>
-          <a:xfrm flipV="1">
-            <a:off x="234776" y="3680557"/>
-            <a:ext cx="497013" cy="497013"/>
+          <a:xfrm>
+            <a:off x="1222120" y="-770668"/>
+            <a:ext cx="7286624" cy="7286624"/>
           </a:xfrm>
           <a:prstGeom prst="ellipse">
             <a:avLst/>
@@ -5314,13 +5309,13 @@
       </p:sp>
       <p:sp>
         <p:nvSpPr>
-          <p:cNvPr id="26" name="Oval 25"/>
+          <p:cNvPr id="14" name="Oval 13"/>
           <p:cNvSpPr/>
           <p:nvPr/>
         </p:nvSpPr>
         <p:spPr>
           <a:xfrm flipV="1">
-            <a:off x="234776" y="4333020"/>
+            <a:off x="234776" y="3680557"/>
             <a:ext cx="497013" cy="497013"/>
           </a:xfrm>
           <a:prstGeom prst="ellipse">
@@ -5367,13 +5362,13 @@
       </p:sp>
       <p:sp>
         <p:nvSpPr>
-          <p:cNvPr id="27" name="Oval 26"/>
+          <p:cNvPr id="26" name="Oval 25"/>
           <p:cNvSpPr/>
           <p:nvPr/>
         </p:nvSpPr>
         <p:spPr>
           <a:xfrm flipV="1">
-            <a:off x="234775" y="4985483"/>
+            <a:off x="234776" y="4333020"/>
             <a:ext cx="497013" cy="497013"/>
           </a:xfrm>
           <a:prstGeom prst="ellipse">
@@ -5420,13 +5415,13 @@
       </p:sp>
       <p:sp>
         <p:nvSpPr>
-          <p:cNvPr id="28" name="Oval 27"/>
+          <p:cNvPr id="27" name="Oval 26"/>
           <p:cNvSpPr/>
           <p:nvPr/>
         </p:nvSpPr>
         <p:spPr>
-          <a:xfrm rot="10800000" flipV="1">
-            <a:off x="234776" y="1723168"/>
+          <a:xfrm flipV="1">
+            <a:off x="234775" y="4985483"/>
             <a:ext cx="497013" cy="497013"/>
           </a:xfrm>
           <a:prstGeom prst="ellipse">
@@ -5473,13 +5468,13 @@
       </p:sp>
       <p:sp>
         <p:nvSpPr>
-          <p:cNvPr id="29" name="Oval 28"/>
+          <p:cNvPr id="28" name="Oval 27"/>
           <p:cNvSpPr/>
           <p:nvPr/>
         </p:nvSpPr>
         <p:spPr>
           <a:xfrm rot="10800000" flipV="1">
-            <a:off x="234776" y="2375631"/>
+            <a:off x="234776" y="1723168"/>
             <a:ext cx="497013" cy="497013"/>
           </a:xfrm>
           <a:prstGeom prst="ellipse">
@@ -5526,13 +5521,13 @@
       </p:sp>
       <p:sp>
         <p:nvSpPr>
-          <p:cNvPr id="32" name="Oval 31"/>
+          <p:cNvPr id="29" name="Oval 28"/>
           <p:cNvSpPr/>
           <p:nvPr/>
         </p:nvSpPr>
         <p:spPr>
           <a:xfrm rot="10800000" flipV="1">
-            <a:off x="234775" y="3028094"/>
+            <a:off x="234776" y="2375631"/>
             <a:ext cx="497013" cy="497013"/>
           </a:xfrm>
           <a:prstGeom prst="ellipse">
@@ -5579,14 +5574,355 @@
       </p:sp>
       <p:sp>
         <p:nvSpPr>
-          <p:cNvPr id="13" name="Rectangle 12"/>
+          <p:cNvPr id="32" name="Oval 31"/>
           <p:cNvSpPr/>
           <p:nvPr/>
         </p:nvSpPr>
         <p:spPr>
+          <a:xfrm rot="10800000" flipV="1">
+            <a:off x="234775" y="3028094"/>
+            <a:ext cx="497013" cy="497013"/>
+          </a:xfrm>
+          <a:prstGeom prst="ellipse">
+            <a:avLst/>
+          </a:prstGeom>
+          <a:solidFill>
+            <a:schemeClr val="bg1"/>
+          </a:solidFill>
+          <a:ln>
+            <a:noFill/>
+          </a:ln>
+        </p:spPr>
+        <p:style>
+          <a:lnRef idx="2">
+            <a:schemeClr val="accent1">
+              <a:shade val="50000"/>
+            </a:schemeClr>
+          </a:lnRef>
+          <a:fillRef idx="1">
+            <a:schemeClr val="accent1"/>
+          </a:fillRef>
+          <a:effectRef idx="0">
+            <a:schemeClr val="accent1"/>
+          </a:effectRef>
+          <a:fontRef idx="minor">
+            <a:schemeClr val="lt1"/>
+          </a:fontRef>
+        </p:style>
+        <p:txBody>
+          <a:bodyPr rtlCol="0" anchor="ctr"/>
+          <a:lstStyle/>
+          <a:p>
+            <a:pPr algn="ctr"/>
+            <a:endParaRPr lang="en-US" sz="2800" dirty="0">
+              <a:solidFill>
+                <a:srgbClr val="B0B5BF"/>
+              </a:solidFill>
+              <a:latin typeface="Silom" charset="-34"/>
+              <a:ea typeface="Silom" charset="-34"/>
+              <a:cs typeface="Silom" charset="-34"/>
+            </a:endParaRPr>
+          </a:p>
+        </p:txBody>
+      </p:sp>
+      <p:sp>
+        <p:nvSpPr>
+          <p:cNvPr id="17" name="Oval 16"/>
+          <p:cNvSpPr/>
+          <p:nvPr/>
+        </p:nvSpPr>
+        <p:spPr>
+          <a:xfrm rot="5132827">
+            <a:off x="3377755" y="3392825"/>
+            <a:ext cx="940195" cy="940195"/>
+          </a:xfrm>
+          <a:prstGeom prst="ellipse">
+            <a:avLst/>
+          </a:prstGeom>
+          <a:solidFill>
+            <a:srgbClr val="FFC000"/>
+          </a:solidFill>
+          <a:ln w="38100">
+            <a:solidFill>
+              <a:srgbClr val="DAA301"/>
+            </a:solidFill>
+          </a:ln>
+        </p:spPr>
+        <p:style>
+          <a:lnRef idx="2">
+            <a:schemeClr val="accent1">
+              <a:shade val="50000"/>
+            </a:schemeClr>
+          </a:lnRef>
+          <a:fillRef idx="1">
+            <a:schemeClr val="accent1"/>
+          </a:fillRef>
+          <a:effectRef idx="0">
+            <a:schemeClr val="accent1"/>
+          </a:effectRef>
+          <a:fontRef idx="minor">
+            <a:schemeClr val="lt1"/>
+          </a:fontRef>
+        </p:style>
+        <p:txBody>
+          <a:bodyPr rtlCol="0" anchor="ctr"/>
+          <a:lstStyle/>
+          <a:p>
+            <a:pPr algn="ctr"/>
+            <a:endParaRPr lang="en-US"/>
+          </a:p>
+        </p:txBody>
+      </p:sp>
+      <p:sp>
+        <p:nvSpPr>
+          <p:cNvPr id="31" name="Oval 30"/>
+          <p:cNvSpPr/>
+          <p:nvPr/>
+        </p:nvSpPr>
+        <p:spPr>
+          <a:xfrm rot="18573915">
+            <a:off x="3879164" y="214974"/>
+            <a:ext cx="940195" cy="940195"/>
+          </a:xfrm>
+          <a:prstGeom prst="ellipse">
+            <a:avLst/>
+          </a:prstGeom>
+          <a:solidFill>
+            <a:srgbClr val="00FDFF"/>
+          </a:solidFill>
+          <a:ln w="38100">
+            <a:solidFill>
+              <a:srgbClr val="00E1E3"/>
+            </a:solidFill>
+          </a:ln>
+        </p:spPr>
+        <p:style>
+          <a:lnRef idx="2">
+            <a:schemeClr val="accent1">
+              <a:shade val="50000"/>
+            </a:schemeClr>
+          </a:lnRef>
+          <a:fillRef idx="1">
+            <a:schemeClr val="accent1"/>
+          </a:fillRef>
+          <a:effectRef idx="0">
+            <a:schemeClr val="accent1"/>
+          </a:effectRef>
+          <a:fontRef idx="minor">
+            <a:schemeClr val="lt1"/>
+          </a:fontRef>
+        </p:style>
+        <p:txBody>
+          <a:bodyPr rtlCol="0" anchor="ctr"/>
+          <a:lstStyle/>
+          <a:p>
+            <a:pPr algn="ctr"/>
+            <a:endParaRPr lang="en-US"/>
+          </a:p>
+        </p:txBody>
+      </p:sp>
+      <p:sp>
+        <p:nvSpPr>
+          <p:cNvPr id="38" name="Oval 37"/>
+          <p:cNvSpPr/>
+          <p:nvPr/>
+        </p:nvSpPr>
+        <p:spPr>
+          <a:xfrm rot="1778677">
+            <a:off x="7739461" y="1426632"/>
+            <a:ext cx="940195" cy="940195"/>
+          </a:xfrm>
+          <a:prstGeom prst="ellipse">
+            <a:avLst/>
+          </a:prstGeom>
+          <a:solidFill>
+            <a:srgbClr val="F45247"/>
+          </a:solidFill>
+          <a:ln w="38100">
+            <a:solidFill>
+              <a:srgbClr val="C7403A"/>
+            </a:solidFill>
+          </a:ln>
+        </p:spPr>
+        <p:style>
+          <a:lnRef idx="2">
+            <a:schemeClr val="accent1">
+              <a:shade val="50000"/>
+            </a:schemeClr>
+          </a:lnRef>
+          <a:fillRef idx="1">
+            <a:schemeClr val="accent1"/>
+          </a:fillRef>
+          <a:effectRef idx="0">
+            <a:schemeClr val="accent1"/>
+          </a:effectRef>
+          <a:fontRef idx="minor">
+            <a:schemeClr val="lt1"/>
+          </a:fontRef>
+        </p:style>
+        <p:txBody>
+          <a:bodyPr rtlCol="0" anchor="ctr"/>
+          <a:lstStyle/>
+          <a:p>
+            <a:pPr algn="ctr"/>
+            <a:endParaRPr lang="en-US"/>
+          </a:p>
+        </p:txBody>
+      </p:sp>
+      <p:sp>
+        <p:nvSpPr>
+          <p:cNvPr id="43" name="Oval 42"/>
+          <p:cNvSpPr/>
+          <p:nvPr/>
+        </p:nvSpPr>
+        <p:spPr>
           <a:xfrm>
-            <a:off x="998806" y="0"/>
-            <a:ext cx="8145194" cy="5715000"/>
+            <a:off x="5998462" y="1109983"/>
+            <a:ext cx="291320" cy="291320"/>
+          </a:xfrm>
+          <a:prstGeom prst="ellipse">
+            <a:avLst/>
+          </a:prstGeom>
+          <a:solidFill>
+            <a:srgbClr val="00FDFF"/>
+          </a:solidFill>
+          <a:ln w="28575">
+            <a:solidFill>
+              <a:srgbClr val="00E1E3"/>
+            </a:solidFill>
+          </a:ln>
+        </p:spPr>
+        <p:style>
+          <a:lnRef idx="2">
+            <a:schemeClr val="accent1">
+              <a:shade val="50000"/>
+            </a:schemeClr>
+          </a:lnRef>
+          <a:fillRef idx="1">
+            <a:schemeClr val="accent1"/>
+          </a:fillRef>
+          <a:effectRef idx="0">
+            <a:schemeClr val="accent1"/>
+          </a:effectRef>
+          <a:fontRef idx="minor">
+            <a:schemeClr val="lt1"/>
+          </a:fontRef>
+        </p:style>
+        <p:txBody>
+          <a:bodyPr rtlCol="0" anchor="ctr"/>
+          <a:lstStyle/>
+          <a:p>
+            <a:pPr algn="ctr"/>
+            <a:endParaRPr lang="en-US" dirty="0"/>
+          </a:p>
+        </p:txBody>
+      </p:sp>
+      <p:sp>
+        <p:nvSpPr>
+          <p:cNvPr id="45" name="Oval 44"/>
+          <p:cNvSpPr/>
+          <p:nvPr/>
+        </p:nvSpPr>
+        <p:spPr>
+          <a:xfrm>
+            <a:off x="4719772" y="3326747"/>
+            <a:ext cx="291320" cy="291320"/>
+          </a:xfrm>
+          <a:prstGeom prst="ellipse">
+            <a:avLst/>
+          </a:prstGeom>
+          <a:solidFill>
+            <a:srgbClr val="FFC000"/>
+          </a:solidFill>
+          <a:ln w="28575">
+            <a:solidFill>
+              <a:srgbClr val="DAA301"/>
+            </a:solidFill>
+          </a:ln>
+        </p:spPr>
+        <p:style>
+          <a:lnRef idx="2">
+            <a:schemeClr val="accent1">
+              <a:shade val="50000"/>
+            </a:schemeClr>
+          </a:lnRef>
+          <a:fillRef idx="1">
+            <a:schemeClr val="accent1"/>
+          </a:fillRef>
+          <a:effectRef idx="0">
+            <a:schemeClr val="accent1"/>
+          </a:effectRef>
+          <a:fontRef idx="minor">
+            <a:schemeClr val="lt1"/>
+          </a:fontRef>
+        </p:style>
+        <p:txBody>
+          <a:bodyPr rtlCol="0" anchor="ctr"/>
+          <a:lstStyle/>
+          <a:p>
+            <a:pPr algn="ctr"/>
+            <a:endParaRPr lang="en-US" dirty="0"/>
+          </a:p>
+        </p:txBody>
+      </p:sp>
+      <p:sp>
+        <p:nvSpPr>
+          <p:cNvPr id="46" name="Oval 45"/>
+          <p:cNvSpPr/>
+          <p:nvPr/>
+        </p:nvSpPr>
+        <p:spPr>
+          <a:xfrm>
+            <a:off x="6419619" y="2711840"/>
+            <a:ext cx="291320" cy="291320"/>
+          </a:xfrm>
+          <a:prstGeom prst="ellipse">
+            <a:avLst/>
+          </a:prstGeom>
+          <a:solidFill>
+            <a:srgbClr val="FFC000"/>
+          </a:solidFill>
+          <a:ln w="28575">
+            <a:solidFill>
+              <a:srgbClr val="DAA301"/>
+            </a:solidFill>
+          </a:ln>
+        </p:spPr>
+        <p:style>
+          <a:lnRef idx="2">
+            <a:schemeClr val="accent1">
+              <a:shade val="50000"/>
+            </a:schemeClr>
+          </a:lnRef>
+          <a:fillRef idx="1">
+            <a:schemeClr val="accent1"/>
+          </a:fillRef>
+          <a:effectRef idx="0">
+            <a:schemeClr val="accent1"/>
+          </a:effectRef>
+          <a:fontRef idx="minor">
+            <a:schemeClr val="lt1"/>
+          </a:fontRef>
+        </p:style>
+        <p:txBody>
+          <a:bodyPr rtlCol="0" anchor="ctr"/>
+          <a:lstStyle/>
+          <a:p>
+            <a:pPr algn="ctr"/>
+            <a:endParaRPr lang="en-US" dirty="0"/>
+          </a:p>
+        </p:txBody>
+      </p:sp>
+      <p:sp>
+        <p:nvSpPr>
+          <p:cNvPr id="16" name="Rectangle 15"/>
+          <p:cNvSpPr/>
+          <p:nvPr/>
+        </p:nvSpPr>
+        <p:spPr>
+          <a:xfrm>
+            <a:off x="7050157" y="0"/>
+            <a:ext cx="2093843" cy="5715000"/>
           </a:xfrm>
           <a:prstGeom prst="rect">
             <a:avLst/>
@@ -5626,294 +5962,6 @@
               <a:ea typeface="Silom" charset="-34"/>
               <a:cs typeface="Silom" charset="-34"/>
             </a:endParaRPr>
-          </a:p>
-        </p:txBody>
-      </p:sp>
-      <p:sp>
-        <p:nvSpPr>
-          <p:cNvPr id="17" name="Oval 16"/>
-          <p:cNvSpPr/>
-          <p:nvPr/>
-        </p:nvSpPr>
-        <p:spPr>
-          <a:xfrm rot="5132827">
-            <a:off x="3377755" y="3392825"/>
-            <a:ext cx="940195" cy="940195"/>
-          </a:xfrm>
-          <a:prstGeom prst="ellipse">
-            <a:avLst/>
-          </a:prstGeom>
-          <a:solidFill>
-            <a:srgbClr val="FFC000"/>
-          </a:solidFill>
-          <a:ln w="38100">
-            <a:solidFill>
-              <a:srgbClr val="DAA301"/>
-            </a:solidFill>
-          </a:ln>
-        </p:spPr>
-        <p:style>
-          <a:lnRef idx="2">
-            <a:schemeClr val="accent1">
-              <a:shade val="50000"/>
-            </a:schemeClr>
-          </a:lnRef>
-          <a:fillRef idx="1">
-            <a:schemeClr val="accent1"/>
-          </a:fillRef>
-          <a:effectRef idx="0">
-            <a:schemeClr val="accent1"/>
-          </a:effectRef>
-          <a:fontRef idx="minor">
-            <a:schemeClr val="lt1"/>
-          </a:fontRef>
-        </p:style>
-        <p:txBody>
-          <a:bodyPr rtlCol="0" anchor="ctr"/>
-          <a:lstStyle/>
-          <a:p>
-            <a:pPr algn="ctr"/>
-            <a:endParaRPr lang="en-US"/>
-          </a:p>
-        </p:txBody>
-      </p:sp>
-      <p:sp>
-        <p:nvSpPr>
-          <p:cNvPr id="31" name="Oval 30"/>
-          <p:cNvSpPr/>
-          <p:nvPr/>
-        </p:nvSpPr>
-        <p:spPr>
-          <a:xfrm rot="18573915">
-            <a:off x="3879164" y="214974"/>
-            <a:ext cx="940195" cy="940195"/>
-          </a:xfrm>
-          <a:prstGeom prst="ellipse">
-            <a:avLst/>
-          </a:prstGeom>
-          <a:solidFill>
-            <a:srgbClr val="00FDFF"/>
-          </a:solidFill>
-          <a:ln w="38100">
-            <a:solidFill>
-              <a:srgbClr val="00E1E3"/>
-            </a:solidFill>
-          </a:ln>
-        </p:spPr>
-        <p:style>
-          <a:lnRef idx="2">
-            <a:schemeClr val="accent1">
-              <a:shade val="50000"/>
-            </a:schemeClr>
-          </a:lnRef>
-          <a:fillRef idx="1">
-            <a:schemeClr val="accent1"/>
-          </a:fillRef>
-          <a:effectRef idx="0">
-            <a:schemeClr val="accent1"/>
-          </a:effectRef>
-          <a:fontRef idx="minor">
-            <a:schemeClr val="lt1"/>
-          </a:fontRef>
-        </p:style>
-        <p:txBody>
-          <a:bodyPr rtlCol="0" anchor="ctr"/>
-          <a:lstStyle/>
-          <a:p>
-            <a:pPr algn="ctr"/>
-            <a:endParaRPr lang="en-US"/>
-          </a:p>
-        </p:txBody>
-      </p:sp>
-      <p:sp>
-        <p:nvSpPr>
-          <p:cNvPr id="38" name="Oval 37"/>
-          <p:cNvSpPr/>
-          <p:nvPr/>
-        </p:nvSpPr>
-        <p:spPr>
-          <a:xfrm rot="1778677">
-            <a:off x="7739461" y="1426632"/>
-            <a:ext cx="940195" cy="940195"/>
-          </a:xfrm>
-          <a:prstGeom prst="ellipse">
-            <a:avLst/>
-          </a:prstGeom>
-          <a:solidFill>
-            <a:srgbClr val="F45247"/>
-          </a:solidFill>
-          <a:ln w="38100">
-            <a:solidFill>
-              <a:srgbClr val="C7403A"/>
-            </a:solidFill>
-          </a:ln>
-        </p:spPr>
-        <p:style>
-          <a:lnRef idx="2">
-            <a:schemeClr val="accent1">
-              <a:shade val="50000"/>
-            </a:schemeClr>
-          </a:lnRef>
-          <a:fillRef idx="1">
-            <a:schemeClr val="accent1"/>
-          </a:fillRef>
-          <a:effectRef idx="0">
-            <a:schemeClr val="accent1"/>
-          </a:effectRef>
-          <a:fontRef idx="minor">
-            <a:schemeClr val="lt1"/>
-          </a:fontRef>
-        </p:style>
-        <p:txBody>
-          <a:bodyPr rtlCol="0" anchor="ctr"/>
-          <a:lstStyle/>
-          <a:p>
-            <a:pPr algn="ctr"/>
-            <a:endParaRPr lang="en-US"/>
-          </a:p>
-        </p:txBody>
-      </p:sp>
-      <p:sp>
-        <p:nvSpPr>
-          <p:cNvPr id="43" name="Oval 42"/>
-          <p:cNvSpPr/>
-          <p:nvPr/>
-        </p:nvSpPr>
-        <p:spPr>
-          <a:xfrm>
-            <a:off x="5998462" y="1109983"/>
-            <a:ext cx="291320" cy="291320"/>
-          </a:xfrm>
-          <a:prstGeom prst="ellipse">
-            <a:avLst/>
-          </a:prstGeom>
-          <a:solidFill>
-            <a:srgbClr val="00FDFF"/>
-          </a:solidFill>
-          <a:ln w="28575">
-            <a:solidFill>
-              <a:srgbClr val="00E1E3"/>
-            </a:solidFill>
-          </a:ln>
-        </p:spPr>
-        <p:style>
-          <a:lnRef idx="2">
-            <a:schemeClr val="accent1">
-              <a:shade val="50000"/>
-            </a:schemeClr>
-          </a:lnRef>
-          <a:fillRef idx="1">
-            <a:schemeClr val="accent1"/>
-          </a:fillRef>
-          <a:effectRef idx="0">
-            <a:schemeClr val="accent1"/>
-          </a:effectRef>
-          <a:fontRef idx="minor">
-            <a:schemeClr val="lt1"/>
-          </a:fontRef>
-        </p:style>
-        <p:txBody>
-          <a:bodyPr rtlCol="0" anchor="ctr"/>
-          <a:lstStyle/>
-          <a:p>
-            <a:pPr algn="ctr"/>
-            <a:endParaRPr lang="en-US" dirty="0"/>
-          </a:p>
-        </p:txBody>
-      </p:sp>
-      <p:sp>
-        <p:nvSpPr>
-          <p:cNvPr id="45" name="Oval 44"/>
-          <p:cNvSpPr/>
-          <p:nvPr/>
-        </p:nvSpPr>
-        <p:spPr>
-          <a:xfrm>
-            <a:off x="4719772" y="3326747"/>
-            <a:ext cx="291320" cy="291320"/>
-          </a:xfrm>
-          <a:prstGeom prst="ellipse">
-            <a:avLst/>
-          </a:prstGeom>
-          <a:solidFill>
-            <a:srgbClr val="FFC000"/>
-          </a:solidFill>
-          <a:ln w="28575">
-            <a:solidFill>
-              <a:srgbClr val="DAA301"/>
-            </a:solidFill>
-          </a:ln>
-        </p:spPr>
-        <p:style>
-          <a:lnRef idx="2">
-            <a:schemeClr val="accent1">
-              <a:shade val="50000"/>
-            </a:schemeClr>
-          </a:lnRef>
-          <a:fillRef idx="1">
-            <a:schemeClr val="accent1"/>
-          </a:fillRef>
-          <a:effectRef idx="0">
-            <a:schemeClr val="accent1"/>
-          </a:effectRef>
-          <a:fontRef idx="minor">
-            <a:schemeClr val="lt1"/>
-          </a:fontRef>
-        </p:style>
-        <p:txBody>
-          <a:bodyPr rtlCol="0" anchor="ctr"/>
-          <a:lstStyle/>
-          <a:p>
-            <a:pPr algn="ctr"/>
-            <a:endParaRPr lang="en-US" dirty="0"/>
-          </a:p>
-        </p:txBody>
-      </p:sp>
-      <p:sp>
-        <p:nvSpPr>
-          <p:cNvPr id="46" name="Oval 45"/>
-          <p:cNvSpPr/>
-          <p:nvPr/>
-        </p:nvSpPr>
-        <p:spPr>
-          <a:xfrm>
-            <a:off x="6419619" y="2711840"/>
-            <a:ext cx="291320" cy="291320"/>
-          </a:xfrm>
-          <a:prstGeom prst="ellipse">
-            <a:avLst/>
-          </a:prstGeom>
-          <a:solidFill>
-            <a:srgbClr val="FFC000"/>
-          </a:solidFill>
-          <a:ln w="28575">
-            <a:solidFill>
-              <a:srgbClr val="DAA301"/>
-            </a:solidFill>
-          </a:ln>
-        </p:spPr>
-        <p:style>
-          <a:lnRef idx="2">
-            <a:schemeClr val="accent1">
-              <a:shade val="50000"/>
-            </a:schemeClr>
-          </a:lnRef>
-          <a:fillRef idx="1">
-            <a:schemeClr val="accent1"/>
-          </a:fillRef>
-          <a:effectRef idx="0">
-            <a:schemeClr val="accent1"/>
-          </a:effectRef>
-          <a:fontRef idx="minor">
-            <a:schemeClr val="lt1"/>
-          </a:fontRef>
-        </p:style>
-        <p:txBody>
-          <a:bodyPr rtlCol="0" anchor="ctr"/>
-          <a:lstStyle/>
-          <a:p>
-            <a:pPr algn="ctr"/>
-            <a:endParaRPr lang="en-US" dirty="0"/>
           </a:p>
         </p:txBody>
       </p:sp>
@@ -8705,18 +8753,7 @@
                 <a:ea typeface="Silom" charset="-34"/>
                 <a:cs typeface="Silom" charset="-34"/>
               </a:rPr>
-              <a:t>Ok, let</a:t>
-            </a:r>
-            <a:r>
-              <a:rPr lang="en-US" sz="2400" dirty="0" smtClean="0">
-                <a:solidFill>
-                  <a:srgbClr val="334864"/>
-                </a:solidFill>
-                <a:latin typeface="Silom" charset="-34"/>
-                <a:ea typeface="Silom" charset="-34"/>
-                <a:cs typeface="Silom" charset="-34"/>
-              </a:rPr>
-              <a:t>’s play</a:t>
+              <a:t>Ok, let’s play</a:t>
             </a:r>
             <a:endParaRPr lang="en-US" sz="2400" dirty="0">
               <a:solidFill>
@@ -13399,29 +13436,8 @@
                   <a:schemeClr val="bg1"/>
                 </a:solidFill>
               </a:rPr>
-              <a:t>Don</a:t>
+              <a:t>Don’t die. </a:t>
             </a:r>
-            <a:r>
-              <a:rPr lang="en-US" sz="2000" dirty="0" smtClean="0">
-                <a:solidFill>
-                  <a:schemeClr val="bg1"/>
-                </a:solidFill>
-              </a:rPr>
-              <a:t>’t die.</a:t>
-            </a:r>
-            <a:r>
-              <a:rPr lang="en-US" sz="2000" dirty="0" smtClean="0">
-                <a:solidFill>
-                  <a:schemeClr val="bg1"/>
-                </a:solidFill>
-              </a:rPr>
-              <a:t> </a:t>
-            </a:r>
-            <a:endParaRPr lang="en-US" sz="2000" dirty="0" smtClean="0">
-              <a:solidFill>
-                <a:schemeClr val="bg1"/>
-              </a:solidFill>
-            </a:endParaRPr>
           </a:p>
         </p:txBody>
       </p:sp>

--- a/docs & design/ideas/controller_ideas.pptx
+++ b/docs & design/ideas/controller_ideas.pptx
@@ -253,7 +253,7 @@
           <a:p>
             <a:fld id="{180E1644-D116-5042-8F84-57044129CF57}" type="datetimeFigureOut">
               <a:rPr lang="en-US" smtClean="0"/>
-              <a:t>1/26/16</a:t>
+              <a:t>1/28/16</a:t>
             </a:fld>
             <a:endParaRPr lang="en-US"/>
           </a:p>
@@ -423,7 +423,7 @@
           <a:p>
             <a:fld id="{180E1644-D116-5042-8F84-57044129CF57}" type="datetimeFigureOut">
               <a:rPr lang="en-US" smtClean="0"/>
-              <a:t>1/26/16</a:t>
+              <a:t>1/28/16</a:t>
             </a:fld>
             <a:endParaRPr lang="en-US"/>
           </a:p>
@@ -603,7 +603,7 @@
           <a:p>
             <a:fld id="{180E1644-D116-5042-8F84-57044129CF57}" type="datetimeFigureOut">
               <a:rPr lang="en-US" smtClean="0"/>
-              <a:t>1/26/16</a:t>
+              <a:t>1/28/16</a:t>
             </a:fld>
             <a:endParaRPr lang="en-US"/>
           </a:p>
@@ -773,7 +773,7 @@
           <a:p>
             <a:fld id="{180E1644-D116-5042-8F84-57044129CF57}" type="datetimeFigureOut">
               <a:rPr lang="en-US" smtClean="0"/>
-              <a:t>1/26/16</a:t>
+              <a:t>1/28/16</a:t>
             </a:fld>
             <a:endParaRPr lang="en-US"/>
           </a:p>
@@ -1019,7 +1019,7 @@
           <a:p>
             <a:fld id="{180E1644-D116-5042-8F84-57044129CF57}" type="datetimeFigureOut">
               <a:rPr lang="en-US" smtClean="0"/>
-              <a:t>1/26/16</a:t>
+              <a:t>1/28/16</a:t>
             </a:fld>
             <a:endParaRPr lang="en-US"/>
           </a:p>
@@ -1251,7 +1251,7 @@
           <a:p>
             <a:fld id="{180E1644-D116-5042-8F84-57044129CF57}" type="datetimeFigureOut">
               <a:rPr lang="en-US" smtClean="0"/>
-              <a:t>1/26/16</a:t>
+              <a:t>1/28/16</a:t>
             </a:fld>
             <a:endParaRPr lang="en-US"/>
           </a:p>
@@ -1618,7 +1618,7 @@
           <a:p>
             <a:fld id="{180E1644-D116-5042-8F84-57044129CF57}" type="datetimeFigureOut">
               <a:rPr lang="en-US" smtClean="0"/>
-              <a:t>1/26/16</a:t>
+              <a:t>1/28/16</a:t>
             </a:fld>
             <a:endParaRPr lang="en-US"/>
           </a:p>
@@ -1736,7 +1736,7 @@
           <a:p>
             <a:fld id="{180E1644-D116-5042-8F84-57044129CF57}" type="datetimeFigureOut">
               <a:rPr lang="en-US" smtClean="0"/>
-              <a:t>1/26/16</a:t>
+              <a:t>1/28/16</a:t>
             </a:fld>
             <a:endParaRPr lang="en-US"/>
           </a:p>
@@ -1831,7 +1831,7 @@
           <a:p>
             <a:fld id="{180E1644-D116-5042-8F84-57044129CF57}" type="datetimeFigureOut">
               <a:rPr lang="en-US" smtClean="0"/>
-              <a:t>1/26/16</a:t>
+              <a:t>1/28/16</a:t>
             </a:fld>
             <a:endParaRPr lang="en-US"/>
           </a:p>
@@ -2108,7 +2108,7 @@
           <a:p>
             <a:fld id="{180E1644-D116-5042-8F84-57044129CF57}" type="datetimeFigureOut">
               <a:rPr lang="en-US" smtClean="0"/>
-              <a:t>1/26/16</a:t>
+              <a:t>1/28/16</a:t>
             </a:fld>
             <a:endParaRPr lang="en-US"/>
           </a:p>
@@ -2365,7 +2365,7 @@
           <a:p>
             <a:fld id="{180E1644-D116-5042-8F84-57044129CF57}" type="datetimeFigureOut">
               <a:rPr lang="en-US" smtClean="0"/>
-              <a:t>1/26/16</a:t>
+              <a:t>1/28/16</a:t>
             </a:fld>
             <a:endParaRPr lang="en-US"/>
           </a:p>
@@ -2578,7 +2578,7 @@
           <a:p>
             <a:fld id="{180E1644-D116-5042-8F84-57044129CF57}" type="datetimeFigureOut">
               <a:rPr lang="en-US" smtClean="0"/>
-              <a:t>1/26/16</a:t>
+              <a:t>1/28/16</a:t>
             </a:fld>
             <a:endParaRPr lang="en-US"/>
           </a:p>
@@ -2999,7 +2999,7 @@
         </p:nvSpPr>
         <p:spPr>
           <a:xfrm>
-            <a:off x="1795836" y="4013374"/>
+            <a:off x="1875349" y="4312395"/>
             <a:ext cx="2684577" cy="557764"/>
           </a:xfrm>
           <a:prstGeom prst="rect">
@@ -3062,7 +3062,7 @@
         </p:nvGrpSpPr>
         <p:grpSpPr>
           <a:xfrm>
-            <a:off x="985700" y="3797408"/>
+            <a:off x="1065213" y="4096429"/>
             <a:ext cx="989696" cy="989696"/>
             <a:chOff x="2026636" y="2456214"/>
             <a:chExt cx="1960914" cy="1960914"/>
@@ -3178,7 +3178,7 @@
         </p:nvSpPr>
         <p:spPr>
           <a:xfrm rot="5400000">
-            <a:off x="1354017" y="4137657"/>
+            <a:off x="1433530" y="4436678"/>
             <a:ext cx="358670" cy="309198"/>
           </a:xfrm>
           <a:prstGeom prst="triangle">
@@ -3218,140 +3218,13 @@
       </p:sp>
       <p:sp>
         <p:nvSpPr>
-          <p:cNvPr id="21" name="Freeform 20"/>
-          <p:cNvSpPr/>
-          <p:nvPr/>
-        </p:nvSpPr>
-        <p:spPr>
-          <a:xfrm rot="16200000" flipH="1">
-            <a:off x="4054936" y="625293"/>
-            <a:ext cx="1035481" cy="9142655"/>
-          </a:xfrm>
-          <a:custGeom>
-            <a:avLst/>
-            <a:gdLst>
-              <a:gd name="connsiteX0" fmla="*/ 0 w 4488873"/>
-              <a:gd name="connsiteY0" fmla="*/ 4156364 h 4156364"/>
-              <a:gd name="connsiteX1" fmla="*/ 4488873 w 4488873"/>
-              <a:gd name="connsiteY1" fmla="*/ 4156364 h 4156364"/>
-              <a:gd name="connsiteX2" fmla="*/ 4488873 w 4488873"/>
-              <a:gd name="connsiteY2" fmla="*/ 3895106 h 4156364"/>
-              <a:gd name="connsiteX3" fmla="*/ 4488873 w 4488873"/>
-              <a:gd name="connsiteY3" fmla="*/ 0 h 4156364"/>
-              <a:gd name="connsiteX4" fmla="*/ 4370119 w 4488873"/>
-              <a:gd name="connsiteY4" fmla="*/ 0 h 4156364"/>
-              <a:gd name="connsiteX5" fmla="*/ 1876301 w 4488873"/>
-              <a:gd name="connsiteY5" fmla="*/ 0 h 4156364"/>
-              <a:gd name="connsiteX6" fmla="*/ 0 w 4488873"/>
-              <a:gd name="connsiteY6" fmla="*/ 4156364 h 4156364"/>
-              <a:gd name="connsiteX0" fmla="*/ 0 w 4488873"/>
-              <a:gd name="connsiteY0" fmla="*/ 4156364 h 4156364"/>
-              <a:gd name="connsiteX1" fmla="*/ 4488873 w 4488873"/>
-              <a:gd name="connsiteY1" fmla="*/ 4156364 h 4156364"/>
-              <a:gd name="connsiteX2" fmla="*/ 4488873 w 4488873"/>
-              <a:gd name="connsiteY2" fmla="*/ 3895106 h 4156364"/>
-              <a:gd name="connsiteX3" fmla="*/ 4488873 w 4488873"/>
-              <a:gd name="connsiteY3" fmla="*/ 0 h 4156364"/>
-              <a:gd name="connsiteX4" fmla="*/ 4370119 w 4488873"/>
-              <a:gd name="connsiteY4" fmla="*/ 0 h 4156364"/>
-              <a:gd name="connsiteX5" fmla="*/ 3507174 w 4488873"/>
-              <a:gd name="connsiteY5" fmla="*/ 0 h 4156364"/>
-              <a:gd name="connsiteX6" fmla="*/ 0 w 4488873"/>
-              <a:gd name="connsiteY6" fmla="*/ 4156364 h 4156364"/>
-            </a:gdLst>
-            <a:ahLst/>
-            <a:cxnLst>
-              <a:cxn ang="0">
-                <a:pos x="connsiteX0" y="connsiteY0"/>
-              </a:cxn>
-              <a:cxn ang="0">
-                <a:pos x="connsiteX1" y="connsiteY1"/>
-              </a:cxn>
-              <a:cxn ang="0">
-                <a:pos x="connsiteX2" y="connsiteY2"/>
-              </a:cxn>
-              <a:cxn ang="0">
-                <a:pos x="connsiteX3" y="connsiteY3"/>
-              </a:cxn>
-              <a:cxn ang="0">
-                <a:pos x="connsiteX4" y="connsiteY4"/>
-              </a:cxn>
-              <a:cxn ang="0">
-                <a:pos x="connsiteX5" y="connsiteY5"/>
-              </a:cxn>
-              <a:cxn ang="0">
-                <a:pos x="connsiteX6" y="connsiteY6"/>
-              </a:cxn>
-            </a:cxnLst>
-            <a:rect l="l" t="t" r="r" b="b"/>
-            <a:pathLst>
-              <a:path w="4488873" h="4156364">
-                <a:moveTo>
-                  <a:pt x="0" y="4156364"/>
-                </a:moveTo>
-                <a:lnTo>
-                  <a:pt x="4488873" y="4156364"/>
-                </a:lnTo>
-                <a:lnTo>
-                  <a:pt x="4488873" y="3895106"/>
-                </a:lnTo>
-                <a:lnTo>
-                  <a:pt x="4488873" y="0"/>
-                </a:lnTo>
-                <a:lnTo>
-                  <a:pt x="4370119" y="0"/>
-                </a:lnTo>
-                <a:lnTo>
-                  <a:pt x="3507174" y="0"/>
-                </a:lnTo>
-                <a:lnTo>
-                  <a:pt x="0" y="4156364"/>
-                </a:lnTo>
-                <a:close/>
-              </a:path>
-            </a:pathLst>
-          </a:custGeom>
-          <a:solidFill>
-            <a:schemeClr val="bg1"/>
-          </a:solidFill>
-          <a:ln>
-            <a:noFill/>
-          </a:ln>
-        </p:spPr>
-        <p:style>
-          <a:lnRef idx="2">
-            <a:schemeClr val="accent1">
-              <a:shade val="50000"/>
-            </a:schemeClr>
-          </a:lnRef>
-          <a:fillRef idx="1">
-            <a:schemeClr val="accent1"/>
-          </a:fillRef>
-          <a:effectRef idx="0">
-            <a:schemeClr val="accent1"/>
-          </a:effectRef>
-          <a:fontRef idx="minor">
-            <a:schemeClr val="lt1"/>
-          </a:fontRef>
-        </p:style>
-        <p:txBody>
-          <a:bodyPr rtlCol="0" anchor="ctr"/>
-          <a:lstStyle/>
-          <a:p>
-            <a:pPr algn="ctr"/>
-            <a:endParaRPr lang="en-US"/>
-          </a:p>
-        </p:txBody>
-      </p:sp>
-      <p:sp>
-        <p:nvSpPr>
           <p:cNvPr id="10" name="Rectangle 9"/>
           <p:cNvSpPr/>
           <p:nvPr/>
         </p:nvSpPr>
         <p:spPr>
           <a:xfrm rot="900000">
-            <a:off x="6292302" y="1198611"/>
+            <a:off x="6371815" y="1497632"/>
             <a:ext cx="1965492" cy="831271"/>
           </a:xfrm>
           <a:prstGeom prst="rect">
@@ -3418,7 +3291,7 @@
         </p:nvSpPr>
         <p:spPr>
           <a:xfrm rot="20700000">
-            <a:off x="6330237" y="432571"/>
+            <a:off x="6409750" y="731592"/>
             <a:ext cx="2134800" cy="831271"/>
           </a:xfrm>
           <a:prstGeom prst="rect">
@@ -3482,7 +3355,7 @@
         </p:nvSpPr>
         <p:spPr>
           <a:xfrm rot="2450404">
-            <a:off x="5730853" y="1751074"/>
+            <a:off x="5810366" y="2050095"/>
             <a:ext cx="2134800" cy="831271"/>
           </a:xfrm>
           <a:prstGeom prst="rect">
@@ -3546,7 +3419,7 @@
         </p:nvSpPr>
         <p:spPr>
           <a:xfrm>
-            <a:off x="605642" y="848207"/>
+            <a:off x="685155" y="1147228"/>
             <a:ext cx="4751345" cy="831271"/>
           </a:xfrm>
           <a:prstGeom prst="rect">
@@ -3609,7 +3482,7 @@
         </p:nvSpPr>
         <p:spPr>
           <a:xfrm>
-            <a:off x="4855523" y="283386"/>
+            <a:off x="4935036" y="582407"/>
             <a:ext cx="1960914" cy="1960914"/>
           </a:xfrm>
           <a:prstGeom prst="ellipse">
@@ -3655,7 +3528,7 @@
         </p:nvSpPr>
         <p:spPr>
           <a:xfrm>
-            <a:off x="5070765" y="498626"/>
+            <a:off x="5150278" y="797647"/>
             <a:ext cx="1531917" cy="1531917"/>
           </a:xfrm>
           <a:prstGeom prst="ellipse">
@@ -3708,7 +3581,7 @@
         </p:nvSpPr>
         <p:spPr>
           <a:xfrm>
-            <a:off x="1793430" y="2044138"/>
+            <a:off x="1872943" y="2343159"/>
             <a:ext cx="2684577" cy="557764"/>
           </a:xfrm>
           <a:prstGeom prst="rect">
@@ -3771,7 +3644,7 @@
         </p:nvGrpSpPr>
         <p:grpSpPr>
           <a:xfrm>
-            <a:off x="983294" y="1828172"/>
+            <a:off x="1062807" y="2127193"/>
             <a:ext cx="989696" cy="989696"/>
             <a:chOff x="2026636" y="2456214"/>
             <a:chExt cx="1960914" cy="1960914"/>
@@ -3886,8 +3759,8 @@
           <p:nvPr/>
         </p:nvSpPr>
         <p:spPr>
-          <a:xfrm rot="10800000">
-            <a:off x="0" y="-1"/>
+          <a:xfrm>
+            <a:off x="4013860" y="5272607"/>
             <a:ext cx="5130140" cy="469491"/>
           </a:xfrm>
           <a:prstGeom prst="triangle">
@@ -3935,7 +3808,7 @@
         </p:nvSpPr>
         <p:spPr>
           <a:xfrm>
-            <a:off x="4579923" y="812509"/>
+            <a:off x="4659436" y="1111530"/>
             <a:ext cx="2456174" cy="1015663"/>
           </a:xfrm>
           <a:prstGeom prst="rect">
@@ -3980,7 +3853,7 @@
         </p:nvSpPr>
         <p:spPr>
           <a:xfrm>
-            <a:off x="1793430" y="3024031"/>
+            <a:off x="1872943" y="3323052"/>
             <a:ext cx="2684577" cy="557764"/>
           </a:xfrm>
           <a:prstGeom prst="rect">
@@ -4043,7 +3916,7 @@
         </p:nvGrpSpPr>
         <p:grpSpPr>
           <a:xfrm>
-            <a:off x="983294" y="2808065"/>
+            <a:off x="1062807" y="3107086"/>
             <a:ext cx="989696" cy="989696"/>
             <a:chOff x="2026636" y="2456214"/>
             <a:chExt cx="1960914" cy="1960914"/>
@@ -4159,7 +4032,7 @@
         </p:nvSpPr>
         <p:spPr>
           <a:xfrm rot="5400000">
-            <a:off x="1351611" y="3148314"/>
+            <a:off x="1431124" y="3447335"/>
             <a:ext cx="358670" cy="309198"/>
           </a:xfrm>
           <a:prstGeom prst="triangle">
@@ -4194,165 +4067,6 @@
           <a:p>
             <a:pPr algn="ctr"/>
             <a:endParaRPr lang="en-US"/>
-          </a:p>
-        </p:txBody>
-      </p:sp>
-      <p:sp>
-        <p:nvSpPr>
-          <p:cNvPr id="44" name="Oval 43"/>
-          <p:cNvSpPr/>
-          <p:nvPr/>
-        </p:nvSpPr>
-        <p:spPr>
-          <a:xfrm>
-            <a:off x="8377915" y="5119228"/>
-            <a:ext cx="291320" cy="291320"/>
-          </a:xfrm>
-          <a:prstGeom prst="ellipse">
-            <a:avLst/>
-          </a:prstGeom>
-          <a:solidFill>
-            <a:srgbClr val="334864"/>
-          </a:solidFill>
-          <a:ln>
-            <a:noFill/>
-          </a:ln>
-        </p:spPr>
-        <p:style>
-          <a:lnRef idx="2">
-            <a:schemeClr val="accent1">
-              <a:shade val="50000"/>
-            </a:schemeClr>
-          </a:lnRef>
-          <a:fillRef idx="1">
-            <a:schemeClr val="accent1"/>
-          </a:fillRef>
-          <a:effectRef idx="0">
-            <a:schemeClr val="accent1"/>
-          </a:effectRef>
-          <a:fontRef idx="minor">
-            <a:schemeClr val="lt1"/>
-          </a:fontRef>
-        </p:style>
-        <p:txBody>
-          <a:bodyPr rtlCol="0" anchor="ctr"/>
-          <a:lstStyle/>
-          <a:p>
-            <a:pPr algn="ctr"/>
-            <a:endParaRPr lang="en-US" sz="2800" dirty="0">
-              <a:solidFill>
-                <a:srgbClr val="B0B5BF"/>
-              </a:solidFill>
-              <a:latin typeface="Silom" charset="-34"/>
-              <a:ea typeface="Silom" charset="-34"/>
-              <a:cs typeface="Silom" charset="-34"/>
-            </a:endParaRPr>
-          </a:p>
-        </p:txBody>
-      </p:sp>
-      <p:sp>
-        <p:nvSpPr>
-          <p:cNvPr id="45" name="Oval 44"/>
-          <p:cNvSpPr/>
-          <p:nvPr/>
-        </p:nvSpPr>
-        <p:spPr>
-          <a:xfrm>
-            <a:off x="7942377" y="5119228"/>
-            <a:ext cx="291320" cy="291320"/>
-          </a:xfrm>
-          <a:prstGeom prst="ellipse">
-            <a:avLst/>
-          </a:prstGeom>
-          <a:solidFill>
-            <a:srgbClr val="334864"/>
-          </a:solidFill>
-          <a:ln>
-            <a:noFill/>
-          </a:ln>
-        </p:spPr>
-        <p:style>
-          <a:lnRef idx="2">
-            <a:schemeClr val="accent1">
-              <a:shade val="50000"/>
-            </a:schemeClr>
-          </a:lnRef>
-          <a:fillRef idx="1">
-            <a:schemeClr val="accent1"/>
-          </a:fillRef>
-          <a:effectRef idx="0">
-            <a:schemeClr val="accent1"/>
-          </a:effectRef>
-          <a:fontRef idx="minor">
-            <a:schemeClr val="lt1"/>
-          </a:fontRef>
-        </p:style>
-        <p:txBody>
-          <a:bodyPr rtlCol="0" anchor="ctr"/>
-          <a:lstStyle/>
-          <a:p>
-            <a:pPr algn="ctr"/>
-            <a:endParaRPr lang="en-US" sz="2800" dirty="0">
-              <a:solidFill>
-                <a:srgbClr val="B0B5BF"/>
-              </a:solidFill>
-              <a:latin typeface="Silom" charset="-34"/>
-              <a:ea typeface="Silom" charset="-34"/>
-              <a:cs typeface="Silom" charset="-34"/>
-            </a:endParaRPr>
-          </a:p>
-        </p:txBody>
-      </p:sp>
-      <p:sp>
-        <p:nvSpPr>
-          <p:cNvPr id="46" name="Oval 45"/>
-          <p:cNvSpPr/>
-          <p:nvPr/>
-        </p:nvSpPr>
-        <p:spPr>
-          <a:xfrm>
-            <a:off x="7506839" y="5119228"/>
-            <a:ext cx="291320" cy="291320"/>
-          </a:xfrm>
-          <a:prstGeom prst="ellipse">
-            <a:avLst/>
-          </a:prstGeom>
-          <a:solidFill>
-            <a:srgbClr val="334864"/>
-          </a:solidFill>
-          <a:ln>
-            <a:noFill/>
-          </a:ln>
-        </p:spPr>
-        <p:style>
-          <a:lnRef idx="2">
-            <a:schemeClr val="accent1">
-              <a:shade val="50000"/>
-            </a:schemeClr>
-          </a:lnRef>
-          <a:fillRef idx="1">
-            <a:schemeClr val="accent1"/>
-          </a:fillRef>
-          <a:effectRef idx="0">
-            <a:schemeClr val="accent1"/>
-          </a:effectRef>
-          <a:fontRef idx="minor">
-            <a:schemeClr val="lt1"/>
-          </a:fontRef>
-        </p:style>
-        <p:txBody>
-          <a:bodyPr rtlCol="0" anchor="ctr"/>
-          <a:lstStyle/>
-          <a:p>
-            <a:pPr algn="ctr"/>
-            <a:endParaRPr lang="en-US" sz="2800" dirty="0">
-              <a:solidFill>
-                <a:srgbClr val="B0B5BF"/>
-              </a:solidFill>
-              <a:latin typeface="Silom" charset="-34"/>
-              <a:ea typeface="Silom" charset="-34"/>
-              <a:cs typeface="Silom" charset="-34"/>
-            </a:endParaRPr>
           </a:p>
         </p:txBody>
       </p:sp>
@@ -4364,7 +4078,7 @@
         </p:nvGrpSpPr>
         <p:grpSpPr>
           <a:xfrm rot="1414128">
-            <a:off x="1252007" y="2096098"/>
+            <a:off x="1331520" y="2395119"/>
             <a:ext cx="444694" cy="444042"/>
             <a:chOff x="1253901" y="2087862"/>
             <a:chExt cx="444694" cy="444042"/>
@@ -4483,6 +4197,54 @@
           </p:txBody>
         </p:sp>
       </p:grpSp>
+      <p:sp>
+        <p:nvSpPr>
+          <p:cNvPr id="31" name="Triangle 30"/>
+          <p:cNvSpPr/>
+          <p:nvPr/>
+        </p:nvSpPr>
+        <p:spPr>
+          <a:xfrm rot="10800000">
+            <a:off x="-21202" y="-4673"/>
+            <a:ext cx="5130140" cy="469491"/>
+          </a:xfrm>
+          <a:prstGeom prst="triangle">
+            <a:avLst>
+              <a:gd name="adj" fmla="val 100000"/>
+            </a:avLst>
+          </a:prstGeom>
+          <a:solidFill>
+            <a:schemeClr val="bg1"/>
+          </a:solidFill>
+          <a:ln>
+            <a:noFill/>
+          </a:ln>
+        </p:spPr>
+        <p:style>
+          <a:lnRef idx="2">
+            <a:schemeClr val="accent1">
+              <a:shade val="50000"/>
+            </a:schemeClr>
+          </a:lnRef>
+          <a:fillRef idx="1">
+            <a:schemeClr val="accent1"/>
+          </a:fillRef>
+          <a:effectRef idx="0">
+            <a:schemeClr val="accent1"/>
+          </a:effectRef>
+          <a:fontRef idx="minor">
+            <a:schemeClr val="lt1"/>
+          </a:fontRef>
+        </p:style>
+        <p:txBody>
+          <a:bodyPr rtlCol="0" anchor="ctr"/>
+          <a:lstStyle/>
+          <a:p>
+            <a:pPr algn="ctr"/>
+            <a:endParaRPr lang="en-US"/>
+          </a:p>
+        </p:txBody>
+      </p:sp>
     </p:spTree>
     <p:extLst>
       <p:ext uri="{BB962C8B-B14F-4D97-AF65-F5344CB8AC3E}">
